--- a/Introducción a GitHubV2.pptx
+++ b/Introducción a GitHubV2.pptx
@@ -18,15 +18,15 @@
     <p:sldId id="356" r:id="rId6"/>
     <p:sldId id="402" r:id="rId7"/>
     <p:sldId id="401" r:id="rId8"/>
-    <p:sldId id="413" r:id="rId9"/>
-    <p:sldId id="403" r:id="rId10"/>
-    <p:sldId id="404" r:id="rId11"/>
-    <p:sldId id="406" r:id="rId12"/>
-    <p:sldId id="407" r:id="rId13"/>
-    <p:sldId id="409" r:id="rId14"/>
-    <p:sldId id="410" r:id="rId15"/>
-    <p:sldId id="411" r:id="rId16"/>
-    <p:sldId id="412" r:id="rId17"/>
+    <p:sldId id="412" r:id="rId9"/>
+    <p:sldId id="413" r:id="rId10"/>
+    <p:sldId id="403" r:id="rId11"/>
+    <p:sldId id="404" r:id="rId12"/>
+    <p:sldId id="406" r:id="rId13"/>
+    <p:sldId id="407" r:id="rId14"/>
+    <p:sldId id="409" r:id="rId15"/>
+    <p:sldId id="410" r:id="rId16"/>
+    <p:sldId id="411" r:id="rId17"/>
     <p:sldId id="359" r:id="rId18"/>
   </p:sldIdLst>
   <p:sldSz cx="9144000" cy="6858000" type="screen4x3"/>
@@ -3110,7 +3110,7 @@
           <a:p>
             <a:fld id="{F9874739-E477-43E2-8B27-A4F7487B42F6}" type="datetimeFigureOut">
               <a:rPr lang="es-ES" smtClean="0"/>
-              <a:t>15/01/2017</a:t>
+              <a:t>16/01/2017</a:t>
             </a:fld>
             <a:endParaRPr lang="es-ES"/>
           </a:p>
@@ -3275,7 +3275,7 @@
           <a:p>
             <a:fld id="{2CB02398-51E1-4667-A0F7-E97AD1F32962}" type="datetimeFigureOut">
               <a:rPr lang="es-ES" smtClean="0"/>
-              <a:t>15/01/2017</a:t>
+              <a:t>16/01/2017</a:t>
             </a:fld>
             <a:endParaRPr lang="es-ES"/>
           </a:p>
@@ -3672,144 +3672,6 @@
           <a:lstStyle/>
           <a:p>
             <a:pPr fontAlgn="base"/>
-            <a:r>
-              <a:rPr lang="en-US" sz="1200" b="1" i="0" kern="1200" dirty="0" smtClean="0">
-                <a:solidFill>
-                  <a:schemeClr val="tx1"/>
-                </a:solidFill>
-                <a:effectLst/>
-                <a:latin typeface="+mn-lt"/>
-                <a:ea typeface="+mn-ea"/>
-                <a:cs typeface="+mn-cs"/>
-              </a:rPr>
-              <a:t>1º </a:t>
-            </a:r>
-            <a:r>
-              <a:rPr lang="en-US" sz="1200" b="1" i="0" kern="1200" dirty="0" err="1" smtClean="0">
-                <a:solidFill>
-                  <a:schemeClr val="tx1"/>
-                </a:solidFill>
-                <a:effectLst/>
-                <a:latin typeface="+mn-lt"/>
-                <a:ea typeface="+mn-ea"/>
-                <a:cs typeface="+mn-cs"/>
-              </a:rPr>
-              <a:t>Crear</a:t>
-            </a:r>
-            <a:r>
-              <a:rPr lang="en-US" sz="1200" b="1" i="0" kern="1200" dirty="0" smtClean="0">
-                <a:solidFill>
-                  <a:schemeClr val="tx1"/>
-                </a:solidFill>
-                <a:effectLst/>
-                <a:latin typeface="+mn-lt"/>
-                <a:ea typeface="+mn-ea"/>
-                <a:cs typeface="+mn-cs"/>
-              </a:rPr>
-              <a:t> Proyecto: </a:t>
-            </a:r>
-          </a:p>
-          <a:p>
-            <a:pPr fontAlgn="base"/>
-            <a:r>
-              <a:rPr lang="en-US" sz="1200" b="1" i="0" kern="1200" dirty="0" err="1" smtClean="0">
-                <a:solidFill>
-                  <a:schemeClr val="tx1"/>
-                </a:solidFill>
-                <a:effectLst/>
-                <a:latin typeface="+mn-lt"/>
-                <a:ea typeface="+mn-ea"/>
-                <a:cs typeface="+mn-cs"/>
-              </a:rPr>
-              <a:t>gradle</a:t>
-            </a:r>
-            <a:r>
-              <a:rPr lang="en-US" sz="1200" b="1" i="0" kern="1200" dirty="0" smtClean="0">
-                <a:solidFill>
-                  <a:schemeClr val="tx1"/>
-                </a:solidFill>
-                <a:effectLst/>
-                <a:latin typeface="+mn-lt"/>
-                <a:ea typeface="+mn-ea"/>
-                <a:cs typeface="+mn-cs"/>
-              </a:rPr>
-              <a:t> </a:t>
-            </a:r>
-            <a:r>
-              <a:rPr lang="en-US" sz="1200" b="1" i="0" kern="1200" dirty="0" err="1" smtClean="0">
-                <a:solidFill>
-                  <a:schemeClr val="tx1"/>
-                </a:solidFill>
-                <a:effectLst/>
-                <a:latin typeface="+mn-lt"/>
-                <a:ea typeface="+mn-ea"/>
-                <a:cs typeface="+mn-cs"/>
-              </a:rPr>
-              <a:t>init</a:t>
-            </a:r>
-            <a:r>
-              <a:rPr lang="en-US" sz="1200" b="1" i="0" kern="1200" dirty="0" smtClean="0">
-                <a:solidFill>
-                  <a:schemeClr val="tx1"/>
-                </a:solidFill>
-                <a:effectLst/>
-                <a:latin typeface="+mn-lt"/>
-                <a:ea typeface="+mn-ea"/>
-                <a:cs typeface="+mn-cs"/>
-              </a:rPr>
-              <a:t> --type java-library</a:t>
-            </a:r>
-          </a:p>
-          <a:p>
-            <a:pPr fontAlgn="base"/>
-            <a:r>
-              <a:rPr lang="en-US" sz="1200" b="1" i="0" kern="1200" dirty="0" err="1" smtClean="0">
-                <a:solidFill>
-                  <a:schemeClr val="tx1"/>
-                </a:solidFill>
-                <a:effectLst/>
-                <a:latin typeface="+mn-lt"/>
-                <a:ea typeface="+mn-ea"/>
-                <a:cs typeface="+mn-cs"/>
-              </a:rPr>
-              <a:t>git</a:t>
-            </a:r>
-            <a:r>
-              <a:rPr lang="en-US" sz="1200" b="1" i="0" kern="1200" dirty="0" smtClean="0">
-                <a:solidFill>
-                  <a:schemeClr val="tx1"/>
-                </a:solidFill>
-                <a:effectLst/>
-                <a:latin typeface="+mn-lt"/>
-                <a:ea typeface="+mn-ea"/>
-                <a:cs typeface="+mn-cs"/>
-              </a:rPr>
-              <a:t> </a:t>
-            </a:r>
-            <a:r>
-              <a:rPr lang="en-US" sz="1200" b="1" i="0" kern="1200" dirty="0" err="1" smtClean="0">
-                <a:solidFill>
-                  <a:schemeClr val="tx1"/>
-                </a:solidFill>
-                <a:effectLst/>
-                <a:latin typeface="+mn-lt"/>
-                <a:ea typeface="+mn-ea"/>
-                <a:cs typeface="+mn-cs"/>
-              </a:rPr>
-              <a:t>init</a:t>
-            </a:r>
-            <a:endParaRPr lang="es-ES" sz="1200" b="0" i="0" kern="1200" dirty="0" smtClean="0">
-              <a:solidFill>
-                <a:schemeClr val="tx1"/>
-              </a:solidFill>
-              <a:effectLst/>
-              <a:latin typeface="+mn-lt"/>
-              <a:ea typeface="+mn-ea"/>
-              <a:cs typeface="+mn-cs"/>
-            </a:endParaRPr>
-          </a:p>
-          <a:p>
-            <a:pPr fontAlgn="base"/>
             <a:endParaRPr lang="es-ES" sz="1200" b="0" i="0" kern="1200" dirty="0" smtClean="0">
               <a:solidFill>
                 <a:schemeClr val="tx1"/>
@@ -3858,7 +3720,7 @@
     </p:spTree>
     <p:extLst>
       <p:ext uri="{BB962C8B-B14F-4D97-AF65-F5344CB8AC3E}">
-        <p14:creationId xmlns:p14="http://schemas.microsoft.com/office/powerpoint/2010/main" val="600316543"/>
+        <p14:creationId xmlns:p14="http://schemas.microsoft.com/office/powerpoint/2010/main" val="3196080351"/>
       </p:ext>
     </p:extLst>
   </p:cSld>
@@ -3912,156 +3774,6 @@
           <a:bodyPr/>
           <a:lstStyle/>
           <a:p>
-            <a:pPr fontAlgn="base"/>
-            <a:r>
-              <a:rPr lang="en-US" sz="1200" b="1" i="0" kern="1200" dirty="0" smtClean="0">
-                <a:solidFill>
-                  <a:schemeClr val="tx1"/>
-                </a:solidFill>
-                <a:effectLst/>
-                <a:latin typeface="+mn-lt"/>
-                <a:ea typeface="+mn-ea"/>
-                <a:cs typeface="+mn-cs"/>
-              </a:rPr>
-              <a:t>1º </a:t>
-            </a:r>
-            <a:r>
-              <a:rPr lang="en-US" sz="1200" b="1" i="0" kern="1200" dirty="0" err="1" smtClean="0">
-                <a:solidFill>
-                  <a:schemeClr val="tx1"/>
-                </a:solidFill>
-                <a:effectLst/>
-                <a:latin typeface="+mn-lt"/>
-                <a:ea typeface="+mn-ea"/>
-                <a:cs typeface="+mn-cs"/>
-              </a:rPr>
-              <a:t>Crear</a:t>
-            </a:r>
-            <a:r>
-              <a:rPr lang="en-US" sz="1200" b="1" i="0" kern="1200" dirty="0" smtClean="0">
-                <a:solidFill>
-                  <a:schemeClr val="tx1"/>
-                </a:solidFill>
-                <a:effectLst/>
-                <a:latin typeface="+mn-lt"/>
-                <a:ea typeface="+mn-ea"/>
-                <a:cs typeface="+mn-cs"/>
-              </a:rPr>
-              <a:t> Proyecto: </a:t>
-            </a:r>
-          </a:p>
-          <a:p>
-            <a:pPr fontAlgn="base"/>
-            <a:r>
-              <a:rPr lang="en-US" sz="1200" b="1" i="0" kern="1200" dirty="0" err="1" smtClean="0">
-                <a:solidFill>
-                  <a:schemeClr val="tx1"/>
-                </a:solidFill>
-                <a:effectLst/>
-                <a:latin typeface="+mn-lt"/>
-                <a:ea typeface="+mn-ea"/>
-                <a:cs typeface="+mn-cs"/>
-              </a:rPr>
-              <a:t>gradle</a:t>
-            </a:r>
-            <a:r>
-              <a:rPr lang="en-US" sz="1200" b="1" i="0" kern="1200" dirty="0" smtClean="0">
-                <a:solidFill>
-                  <a:schemeClr val="tx1"/>
-                </a:solidFill>
-                <a:effectLst/>
-                <a:latin typeface="+mn-lt"/>
-                <a:ea typeface="+mn-ea"/>
-                <a:cs typeface="+mn-cs"/>
-              </a:rPr>
-              <a:t> </a:t>
-            </a:r>
-            <a:r>
-              <a:rPr lang="en-US" sz="1200" b="1" i="0" kern="1200" dirty="0" err="1" smtClean="0">
-                <a:solidFill>
-                  <a:schemeClr val="tx1"/>
-                </a:solidFill>
-                <a:effectLst/>
-                <a:latin typeface="+mn-lt"/>
-                <a:ea typeface="+mn-ea"/>
-                <a:cs typeface="+mn-cs"/>
-              </a:rPr>
-              <a:t>init</a:t>
-            </a:r>
-            <a:r>
-              <a:rPr lang="en-US" sz="1200" b="1" i="0" kern="1200" dirty="0" smtClean="0">
-                <a:solidFill>
-                  <a:schemeClr val="tx1"/>
-                </a:solidFill>
-                <a:effectLst/>
-                <a:latin typeface="+mn-lt"/>
-                <a:ea typeface="+mn-ea"/>
-                <a:cs typeface="+mn-cs"/>
-              </a:rPr>
-              <a:t> --type java-library</a:t>
-            </a:r>
-          </a:p>
-          <a:p>
-            <a:pPr fontAlgn="base"/>
-            <a:r>
-              <a:rPr lang="en-US" sz="1200" b="1" i="0" kern="1200" dirty="0" err="1" smtClean="0">
-                <a:solidFill>
-                  <a:schemeClr val="tx1"/>
-                </a:solidFill>
-                <a:effectLst/>
-                <a:latin typeface="+mn-lt"/>
-                <a:ea typeface="+mn-ea"/>
-                <a:cs typeface="+mn-cs"/>
-              </a:rPr>
-              <a:t>git</a:t>
-            </a:r>
-            <a:r>
-              <a:rPr lang="en-US" sz="1200" b="1" i="0" kern="1200" dirty="0" smtClean="0">
-                <a:solidFill>
-                  <a:schemeClr val="tx1"/>
-                </a:solidFill>
-                <a:effectLst/>
-                <a:latin typeface="+mn-lt"/>
-                <a:ea typeface="+mn-ea"/>
-                <a:cs typeface="+mn-cs"/>
-              </a:rPr>
-              <a:t> </a:t>
-            </a:r>
-            <a:r>
-              <a:rPr lang="en-US" sz="1200" b="1" i="0" kern="1200" dirty="0" err="1" smtClean="0">
-                <a:solidFill>
-                  <a:schemeClr val="tx1"/>
-                </a:solidFill>
-                <a:effectLst/>
-                <a:latin typeface="+mn-lt"/>
-                <a:ea typeface="+mn-ea"/>
-                <a:cs typeface="+mn-cs"/>
-              </a:rPr>
-              <a:t>init</a:t>
-            </a:r>
-            <a:endParaRPr lang="es-ES" sz="1200" b="0" i="0" kern="1200" dirty="0" smtClean="0">
-              <a:solidFill>
-                <a:schemeClr val="tx1"/>
-              </a:solidFill>
-              <a:effectLst/>
-              <a:latin typeface="+mn-lt"/>
-              <a:ea typeface="+mn-ea"/>
-              <a:cs typeface="+mn-cs"/>
-            </a:endParaRPr>
-          </a:p>
-          <a:p>
-            <a:pPr fontAlgn="base"/>
-            <a:endParaRPr lang="es-ES" sz="1200" b="0" i="0" kern="1200" dirty="0" smtClean="0">
-              <a:solidFill>
-                <a:schemeClr val="tx1"/>
-              </a:solidFill>
-              <a:effectLst/>
-              <a:latin typeface="+mn-lt"/>
-              <a:ea typeface="+mn-ea"/>
-              <a:cs typeface="+mn-cs"/>
-            </a:endParaRPr>
-          </a:p>
-          <a:p>
             <a:r>
               <a:rPr lang="es-ES" dirty="0" smtClean="0"/>
               <a:t/>
@@ -4099,7 +3811,7 @@
     </p:spTree>
     <p:extLst>
       <p:ext uri="{BB962C8B-B14F-4D97-AF65-F5344CB8AC3E}">
-        <p14:creationId xmlns:p14="http://schemas.microsoft.com/office/powerpoint/2010/main" val="2959208415"/>
+        <p14:creationId xmlns:p14="http://schemas.microsoft.com/office/powerpoint/2010/main" val="600316543"/>
       </p:ext>
     </p:extLst>
   </p:cSld>
@@ -4153,156 +3865,6 @@
           <a:bodyPr/>
           <a:lstStyle/>
           <a:p>
-            <a:pPr fontAlgn="base"/>
-            <a:r>
-              <a:rPr lang="en-US" sz="1200" b="1" i="0" kern="1200" dirty="0" smtClean="0">
-                <a:solidFill>
-                  <a:schemeClr val="tx1"/>
-                </a:solidFill>
-                <a:effectLst/>
-                <a:latin typeface="+mn-lt"/>
-                <a:ea typeface="+mn-ea"/>
-                <a:cs typeface="+mn-cs"/>
-              </a:rPr>
-              <a:t>1º </a:t>
-            </a:r>
-            <a:r>
-              <a:rPr lang="en-US" sz="1200" b="1" i="0" kern="1200" dirty="0" err="1" smtClean="0">
-                <a:solidFill>
-                  <a:schemeClr val="tx1"/>
-                </a:solidFill>
-                <a:effectLst/>
-                <a:latin typeface="+mn-lt"/>
-                <a:ea typeface="+mn-ea"/>
-                <a:cs typeface="+mn-cs"/>
-              </a:rPr>
-              <a:t>Crear</a:t>
-            </a:r>
-            <a:r>
-              <a:rPr lang="en-US" sz="1200" b="1" i="0" kern="1200" dirty="0" smtClean="0">
-                <a:solidFill>
-                  <a:schemeClr val="tx1"/>
-                </a:solidFill>
-                <a:effectLst/>
-                <a:latin typeface="+mn-lt"/>
-                <a:ea typeface="+mn-ea"/>
-                <a:cs typeface="+mn-cs"/>
-              </a:rPr>
-              <a:t> Proyecto: </a:t>
-            </a:r>
-          </a:p>
-          <a:p>
-            <a:pPr fontAlgn="base"/>
-            <a:r>
-              <a:rPr lang="en-US" sz="1200" b="1" i="0" kern="1200" dirty="0" err="1" smtClean="0">
-                <a:solidFill>
-                  <a:schemeClr val="tx1"/>
-                </a:solidFill>
-                <a:effectLst/>
-                <a:latin typeface="+mn-lt"/>
-                <a:ea typeface="+mn-ea"/>
-                <a:cs typeface="+mn-cs"/>
-              </a:rPr>
-              <a:t>gradle</a:t>
-            </a:r>
-            <a:r>
-              <a:rPr lang="en-US" sz="1200" b="1" i="0" kern="1200" dirty="0" smtClean="0">
-                <a:solidFill>
-                  <a:schemeClr val="tx1"/>
-                </a:solidFill>
-                <a:effectLst/>
-                <a:latin typeface="+mn-lt"/>
-                <a:ea typeface="+mn-ea"/>
-                <a:cs typeface="+mn-cs"/>
-              </a:rPr>
-              <a:t> </a:t>
-            </a:r>
-            <a:r>
-              <a:rPr lang="en-US" sz="1200" b="1" i="0" kern="1200" dirty="0" err="1" smtClean="0">
-                <a:solidFill>
-                  <a:schemeClr val="tx1"/>
-                </a:solidFill>
-                <a:effectLst/>
-                <a:latin typeface="+mn-lt"/>
-                <a:ea typeface="+mn-ea"/>
-                <a:cs typeface="+mn-cs"/>
-              </a:rPr>
-              <a:t>init</a:t>
-            </a:r>
-            <a:r>
-              <a:rPr lang="en-US" sz="1200" b="1" i="0" kern="1200" dirty="0" smtClean="0">
-                <a:solidFill>
-                  <a:schemeClr val="tx1"/>
-                </a:solidFill>
-                <a:effectLst/>
-                <a:latin typeface="+mn-lt"/>
-                <a:ea typeface="+mn-ea"/>
-                <a:cs typeface="+mn-cs"/>
-              </a:rPr>
-              <a:t> --type java-library</a:t>
-            </a:r>
-          </a:p>
-          <a:p>
-            <a:pPr fontAlgn="base"/>
-            <a:r>
-              <a:rPr lang="en-US" sz="1200" b="1" i="0" kern="1200" dirty="0" err="1" smtClean="0">
-                <a:solidFill>
-                  <a:schemeClr val="tx1"/>
-                </a:solidFill>
-                <a:effectLst/>
-                <a:latin typeface="+mn-lt"/>
-                <a:ea typeface="+mn-ea"/>
-                <a:cs typeface="+mn-cs"/>
-              </a:rPr>
-              <a:t>git</a:t>
-            </a:r>
-            <a:r>
-              <a:rPr lang="en-US" sz="1200" b="1" i="0" kern="1200" dirty="0" smtClean="0">
-                <a:solidFill>
-                  <a:schemeClr val="tx1"/>
-                </a:solidFill>
-                <a:effectLst/>
-                <a:latin typeface="+mn-lt"/>
-                <a:ea typeface="+mn-ea"/>
-                <a:cs typeface="+mn-cs"/>
-              </a:rPr>
-              <a:t> </a:t>
-            </a:r>
-            <a:r>
-              <a:rPr lang="en-US" sz="1200" b="1" i="0" kern="1200" dirty="0" err="1" smtClean="0">
-                <a:solidFill>
-                  <a:schemeClr val="tx1"/>
-                </a:solidFill>
-                <a:effectLst/>
-                <a:latin typeface="+mn-lt"/>
-                <a:ea typeface="+mn-ea"/>
-                <a:cs typeface="+mn-cs"/>
-              </a:rPr>
-              <a:t>init</a:t>
-            </a:r>
-            <a:endParaRPr lang="es-ES" sz="1200" b="0" i="0" kern="1200" dirty="0" smtClean="0">
-              <a:solidFill>
-                <a:schemeClr val="tx1"/>
-              </a:solidFill>
-              <a:effectLst/>
-              <a:latin typeface="+mn-lt"/>
-              <a:ea typeface="+mn-ea"/>
-              <a:cs typeface="+mn-cs"/>
-            </a:endParaRPr>
-          </a:p>
-          <a:p>
-            <a:pPr fontAlgn="base"/>
-            <a:endParaRPr lang="es-ES" sz="1200" b="0" i="0" kern="1200" dirty="0" smtClean="0">
-              <a:solidFill>
-                <a:schemeClr val="tx1"/>
-              </a:solidFill>
-              <a:effectLst/>
-              <a:latin typeface="+mn-lt"/>
-              <a:ea typeface="+mn-ea"/>
-              <a:cs typeface="+mn-cs"/>
-            </a:endParaRPr>
-          </a:p>
-          <a:p>
             <a:r>
               <a:rPr lang="es-ES" dirty="0" smtClean="0"/>
               <a:t/>
@@ -4340,7 +3902,7 @@
     </p:spTree>
     <p:extLst>
       <p:ext uri="{BB962C8B-B14F-4D97-AF65-F5344CB8AC3E}">
-        <p14:creationId xmlns:p14="http://schemas.microsoft.com/office/powerpoint/2010/main" val="2757576946"/>
+        <p14:creationId xmlns:p14="http://schemas.microsoft.com/office/powerpoint/2010/main" val="2959208415"/>
       </p:ext>
     </p:extLst>
   </p:cSld>
@@ -4395,162 +3957,6 @@
           <a:lstStyle/>
           <a:p>
             <a:pPr fontAlgn="base"/>
-            <a:r>
-              <a:rPr lang="en-US" sz="1200" b="1" i="0" kern="1200" dirty="0" smtClean="0">
-                <a:solidFill>
-                  <a:schemeClr val="tx1"/>
-                </a:solidFill>
-                <a:effectLst/>
-                <a:latin typeface="+mn-lt"/>
-                <a:ea typeface="+mn-ea"/>
-                <a:cs typeface="+mn-cs"/>
-              </a:rPr>
-              <a:t>1º </a:t>
-            </a:r>
-            <a:r>
-              <a:rPr lang="en-US" sz="1200" b="1" i="0" kern="1200" dirty="0" err="1" smtClean="0">
-                <a:solidFill>
-                  <a:schemeClr val="tx1"/>
-                </a:solidFill>
-                <a:effectLst/>
-                <a:latin typeface="+mn-lt"/>
-                <a:ea typeface="+mn-ea"/>
-                <a:cs typeface="+mn-cs"/>
-              </a:rPr>
-              <a:t>Crear</a:t>
-            </a:r>
-            <a:r>
-              <a:rPr lang="en-US" sz="1200" b="1" i="0" kern="1200" dirty="0" smtClean="0">
-                <a:solidFill>
-                  <a:schemeClr val="tx1"/>
-                </a:solidFill>
-                <a:effectLst/>
-                <a:latin typeface="+mn-lt"/>
-                <a:ea typeface="+mn-ea"/>
-                <a:cs typeface="+mn-cs"/>
-              </a:rPr>
-              <a:t> Proyecto: </a:t>
-            </a:r>
-          </a:p>
-          <a:p>
-            <a:pPr fontAlgn="base"/>
-            <a:r>
-              <a:rPr lang="en-US" sz="1200" b="1" i="0" kern="1200" dirty="0" err="1" smtClean="0">
-                <a:solidFill>
-                  <a:schemeClr val="tx1"/>
-                </a:solidFill>
-                <a:effectLst/>
-                <a:latin typeface="+mn-lt"/>
-                <a:ea typeface="+mn-ea"/>
-                <a:cs typeface="+mn-cs"/>
-              </a:rPr>
-              <a:t>gradle</a:t>
-            </a:r>
-            <a:r>
-              <a:rPr lang="en-US" sz="1200" b="1" i="0" kern="1200" dirty="0" smtClean="0">
-                <a:solidFill>
-                  <a:schemeClr val="tx1"/>
-                </a:solidFill>
-                <a:effectLst/>
-                <a:latin typeface="+mn-lt"/>
-                <a:ea typeface="+mn-ea"/>
-                <a:cs typeface="+mn-cs"/>
-              </a:rPr>
-              <a:t> </a:t>
-            </a:r>
-            <a:r>
-              <a:rPr lang="en-US" sz="1200" b="1" i="0" kern="1200" dirty="0" err="1" smtClean="0">
-                <a:solidFill>
-                  <a:schemeClr val="tx1"/>
-                </a:solidFill>
-                <a:effectLst/>
-                <a:latin typeface="+mn-lt"/>
-                <a:ea typeface="+mn-ea"/>
-                <a:cs typeface="+mn-cs"/>
-              </a:rPr>
-              <a:t>init</a:t>
-            </a:r>
-            <a:r>
-              <a:rPr lang="en-US" sz="1200" b="1" i="0" kern="1200" dirty="0" smtClean="0">
-                <a:solidFill>
-                  <a:schemeClr val="tx1"/>
-                </a:solidFill>
-                <a:effectLst/>
-                <a:latin typeface="+mn-lt"/>
-                <a:ea typeface="+mn-ea"/>
-                <a:cs typeface="+mn-cs"/>
-              </a:rPr>
-              <a:t> --type java-library</a:t>
-            </a:r>
-          </a:p>
-          <a:p>
-            <a:pPr fontAlgn="base"/>
-            <a:r>
-              <a:rPr lang="en-US" sz="1200" b="1" i="0" kern="1200" dirty="0" err="1" smtClean="0">
-                <a:solidFill>
-                  <a:schemeClr val="tx1"/>
-                </a:solidFill>
-                <a:effectLst/>
-                <a:latin typeface="+mn-lt"/>
-                <a:ea typeface="+mn-ea"/>
-                <a:cs typeface="+mn-cs"/>
-              </a:rPr>
-              <a:t>git</a:t>
-            </a:r>
-            <a:r>
-              <a:rPr lang="en-US" sz="1200" b="1" i="0" kern="1200" dirty="0" smtClean="0">
-                <a:solidFill>
-                  <a:schemeClr val="tx1"/>
-                </a:solidFill>
-                <a:effectLst/>
-                <a:latin typeface="+mn-lt"/>
-                <a:ea typeface="+mn-ea"/>
-                <a:cs typeface="+mn-cs"/>
-              </a:rPr>
-              <a:t> </a:t>
-            </a:r>
-            <a:r>
-              <a:rPr lang="en-US" sz="1200" b="1" i="0" kern="1200" dirty="0" err="1" smtClean="0">
-                <a:solidFill>
-                  <a:schemeClr val="tx1"/>
-                </a:solidFill>
-                <a:effectLst/>
-                <a:latin typeface="+mn-lt"/>
-                <a:ea typeface="+mn-ea"/>
-                <a:cs typeface="+mn-cs"/>
-              </a:rPr>
-              <a:t>init</a:t>
-            </a:r>
-            <a:endParaRPr lang="es-ES" sz="1200" b="0" i="0" kern="1200" dirty="0" smtClean="0">
-              <a:solidFill>
-                <a:schemeClr val="tx1"/>
-              </a:solidFill>
-              <a:effectLst/>
-              <a:latin typeface="+mn-lt"/>
-              <a:ea typeface="+mn-ea"/>
-              <a:cs typeface="+mn-cs"/>
-            </a:endParaRPr>
-          </a:p>
-          <a:p>
-            <a:pPr fontAlgn="base"/>
-            <a:endParaRPr lang="es-ES" sz="1200" b="0" i="0" kern="1200" dirty="0" smtClean="0">
-              <a:solidFill>
-                <a:schemeClr val="tx1"/>
-              </a:solidFill>
-              <a:effectLst/>
-              <a:latin typeface="+mn-lt"/>
-              <a:ea typeface="+mn-ea"/>
-              <a:cs typeface="+mn-cs"/>
-            </a:endParaRPr>
-          </a:p>
-          <a:p>
-            <a:r>
-              <a:rPr lang="es-ES" dirty="0" smtClean="0"/>
-              <a:t/>
-            </a:r>
-            <a:br>
-              <a:rPr lang="es-ES" dirty="0" smtClean="0"/>
-            </a:br>
             <a:endParaRPr lang="es-ES" dirty="0"/>
           </a:p>
         </p:txBody>
@@ -4581,7 +3987,7 @@
     </p:spTree>
     <p:extLst>
       <p:ext uri="{BB962C8B-B14F-4D97-AF65-F5344CB8AC3E}">
-        <p14:creationId xmlns:p14="http://schemas.microsoft.com/office/powerpoint/2010/main" val="902150881"/>
+        <p14:creationId xmlns:p14="http://schemas.microsoft.com/office/powerpoint/2010/main" val="2757576946"/>
       </p:ext>
     </p:extLst>
   </p:cSld>
@@ -4636,144 +4042,6 @@
           <a:lstStyle/>
           <a:p>
             <a:pPr fontAlgn="base"/>
-            <a:r>
-              <a:rPr lang="en-US" sz="1200" b="1" i="0" kern="1200" dirty="0" smtClean="0">
-                <a:solidFill>
-                  <a:schemeClr val="tx1"/>
-                </a:solidFill>
-                <a:effectLst/>
-                <a:latin typeface="+mn-lt"/>
-                <a:ea typeface="+mn-ea"/>
-                <a:cs typeface="+mn-cs"/>
-              </a:rPr>
-              <a:t>1º </a:t>
-            </a:r>
-            <a:r>
-              <a:rPr lang="en-US" sz="1200" b="1" i="0" kern="1200" dirty="0" err="1" smtClean="0">
-                <a:solidFill>
-                  <a:schemeClr val="tx1"/>
-                </a:solidFill>
-                <a:effectLst/>
-                <a:latin typeface="+mn-lt"/>
-                <a:ea typeface="+mn-ea"/>
-                <a:cs typeface="+mn-cs"/>
-              </a:rPr>
-              <a:t>Crear</a:t>
-            </a:r>
-            <a:r>
-              <a:rPr lang="en-US" sz="1200" b="1" i="0" kern="1200" dirty="0" smtClean="0">
-                <a:solidFill>
-                  <a:schemeClr val="tx1"/>
-                </a:solidFill>
-                <a:effectLst/>
-                <a:latin typeface="+mn-lt"/>
-                <a:ea typeface="+mn-ea"/>
-                <a:cs typeface="+mn-cs"/>
-              </a:rPr>
-              <a:t> Proyecto: </a:t>
-            </a:r>
-          </a:p>
-          <a:p>
-            <a:pPr fontAlgn="base"/>
-            <a:r>
-              <a:rPr lang="en-US" sz="1200" b="1" i="0" kern="1200" dirty="0" err="1" smtClean="0">
-                <a:solidFill>
-                  <a:schemeClr val="tx1"/>
-                </a:solidFill>
-                <a:effectLst/>
-                <a:latin typeface="+mn-lt"/>
-                <a:ea typeface="+mn-ea"/>
-                <a:cs typeface="+mn-cs"/>
-              </a:rPr>
-              <a:t>gradle</a:t>
-            </a:r>
-            <a:r>
-              <a:rPr lang="en-US" sz="1200" b="1" i="0" kern="1200" dirty="0" smtClean="0">
-                <a:solidFill>
-                  <a:schemeClr val="tx1"/>
-                </a:solidFill>
-                <a:effectLst/>
-                <a:latin typeface="+mn-lt"/>
-                <a:ea typeface="+mn-ea"/>
-                <a:cs typeface="+mn-cs"/>
-              </a:rPr>
-              <a:t> </a:t>
-            </a:r>
-            <a:r>
-              <a:rPr lang="en-US" sz="1200" b="1" i="0" kern="1200" dirty="0" err="1" smtClean="0">
-                <a:solidFill>
-                  <a:schemeClr val="tx1"/>
-                </a:solidFill>
-                <a:effectLst/>
-                <a:latin typeface="+mn-lt"/>
-                <a:ea typeface="+mn-ea"/>
-                <a:cs typeface="+mn-cs"/>
-              </a:rPr>
-              <a:t>init</a:t>
-            </a:r>
-            <a:r>
-              <a:rPr lang="en-US" sz="1200" b="1" i="0" kern="1200" dirty="0" smtClean="0">
-                <a:solidFill>
-                  <a:schemeClr val="tx1"/>
-                </a:solidFill>
-                <a:effectLst/>
-                <a:latin typeface="+mn-lt"/>
-                <a:ea typeface="+mn-ea"/>
-                <a:cs typeface="+mn-cs"/>
-              </a:rPr>
-              <a:t> --type java-library</a:t>
-            </a:r>
-          </a:p>
-          <a:p>
-            <a:pPr fontAlgn="base"/>
-            <a:r>
-              <a:rPr lang="en-US" sz="1200" b="1" i="0" kern="1200" dirty="0" err="1" smtClean="0">
-                <a:solidFill>
-                  <a:schemeClr val="tx1"/>
-                </a:solidFill>
-                <a:effectLst/>
-                <a:latin typeface="+mn-lt"/>
-                <a:ea typeface="+mn-ea"/>
-                <a:cs typeface="+mn-cs"/>
-              </a:rPr>
-              <a:t>git</a:t>
-            </a:r>
-            <a:r>
-              <a:rPr lang="en-US" sz="1200" b="1" i="0" kern="1200" dirty="0" smtClean="0">
-                <a:solidFill>
-                  <a:schemeClr val="tx1"/>
-                </a:solidFill>
-                <a:effectLst/>
-                <a:latin typeface="+mn-lt"/>
-                <a:ea typeface="+mn-ea"/>
-                <a:cs typeface="+mn-cs"/>
-              </a:rPr>
-              <a:t> </a:t>
-            </a:r>
-            <a:r>
-              <a:rPr lang="en-US" sz="1200" b="1" i="0" kern="1200" dirty="0" err="1" smtClean="0">
-                <a:solidFill>
-                  <a:schemeClr val="tx1"/>
-                </a:solidFill>
-                <a:effectLst/>
-                <a:latin typeface="+mn-lt"/>
-                <a:ea typeface="+mn-ea"/>
-                <a:cs typeface="+mn-cs"/>
-              </a:rPr>
-              <a:t>init</a:t>
-            </a:r>
-            <a:endParaRPr lang="es-ES" sz="1200" b="0" i="0" kern="1200" dirty="0" smtClean="0">
-              <a:solidFill>
-                <a:schemeClr val="tx1"/>
-              </a:solidFill>
-              <a:effectLst/>
-              <a:latin typeface="+mn-lt"/>
-              <a:ea typeface="+mn-ea"/>
-              <a:cs typeface="+mn-cs"/>
-            </a:endParaRPr>
-          </a:p>
-          <a:p>
-            <a:pPr fontAlgn="base"/>
             <a:endParaRPr lang="es-ES" sz="1200" b="0" i="0" kern="1200" dirty="0" smtClean="0">
               <a:solidFill>
                 <a:schemeClr val="tx1"/>
@@ -4822,7 +4090,7 @@
     </p:spTree>
     <p:extLst>
       <p:ext uri="{BB962C8B-B14F-4D97-AF65-F5344CB8AC3E}">
-        <p14:creationId xmlns:p14="http://schemas.microsoft.com/office/powerpoint/2010/main" val="3873777290"/>
+        <p14:creationId xmlns:p14="http://schemas.microsoft.com/office/powerpoint/2010/main" val="902150881"/>
       </p:ext>
     </p:extLst>
   </p:cSld>
@@ -4876,6 +4144,18 @@
           <a:bodyPr/>
           <a:lstStyle/>
           <a:p>
+            <a:pPr fontAlgn="base"/>
+            <a:endParaRPr lang="es-ES" sz="1200" b="0" i="0" kern="1200" dirty="0" smtClean="0">
+              <a:solidFill>
+                <a:schemeClr val="tx1"/>
+              </a:solidFill>
+              <a:effectLst/>
+              <a:latin typeface="+mn-lt"/>
+              <a:ea typeface="+mn-ea"/>
+              <a:cs typeface="+mn-cs"/>
+            </a:endParaRPr>
+          </a:p>
+          <a:p>
             <a:r>
               <a:rPr lang="es-ES" dirty="0" smtClean="0"/>
               <a:t/>
@@ -4913,7 +4193,7 @@
     </p:spTree>
     <p:extLst>
       <p:ext uri="{BB962C8B-B14F-4D97-AF65-F5344CB8AC3E}">
-        <p14:creationId xmlns:p14="http://schemas.microsoft.com/office/powerpoint/2010/main" val="2049779563"/>
+        <p14:creationId xmlns:p14="http://schemas.microsoft.com/office/powerpoint/2010/main" val="3873777290"/>
       </p:ext>
     </p:extLst>
   </p:cSld>
@@ -4967,18 +4247,6 @@
           <a:bodyPr/>
           <a:lstStyle/>
           <a:p>
-            <a:pPr fontAlgn="base"/>
-            <a:endParaRPr lang="es-ES" sz="1200" b="0" i="0" kern="1200" dirty="0" smtClean="0">
-              <a:solidFill>
-                <a:schemeClr val="tx1"/>
-              </a:solidFill>
-              <a:effectLst/>
-              <a:latin typeface="+mn-lt"/>
-              <a:ea typeface="+mn-ea"/>
-              <a:cs typeface="+mn-cs"/>
-            </a:endParaRPr>
-          </a:p>
-          <a:p>
             <a:r>
               <a:rPr lang="es-ES" dirty="0" smtClean="0"/>
               <a:t/>
@@ -5016,7 +4284,7 @@
     </p:spTree>
     <p:extLst>
       <p:ext uri="{BB962C8B-B14F-4D97-AF65-F5344CB8AC3E}">
-        <p14:creationId xmlns:p14="http://schemas.microsoft.com/office/powerpoint/2010/main" val="1339980910"/>
+        <p14:creationId xmlns:p14="http://schemas.microsoft.com/office/powerpoint/2010/main" val="2049779563"/>
       </p:ext>
     </p:extLst>
   </p:cSld>
@@ -5407,94 +4675,7 @@
           <a:lstStyle/>
           <a:p>
             <a:pPr fontAlgn="base"/>
-            <a:r>
-              <a:rPr lang="es-ES" sz="1200" b="1" i="0" kern="1200" dirty="0" smtClean="0">
-                <a:solidFill>
-                  <a:schemeClr val="tx1"/>
-                </a:solidFill>
-                <a:effectLst/>
-                <a:latin typeface="+mn-lt"/>
-                <a:ea typeface="+mn-ea"/>
-                <a:cs typeface="+mn-cs"/>
-              </a:rPr>
-              <a:t>Clonaremos en nuestra máquina el repositorio original.</a:t>
-            </a:r>
-            <a:r>
-              <a:rPr lang="es-ES" sz="1200" b="0" i="0" kern="1200" dirty="0" smtClean="0">
-                <a:solidFill>
-                  <a:schemeClr val="tx1"/>
-                </a:solidFill>
-                <a:effectLst/>
-                <a:latin typeface="+mn-lt"/>
-                <a:ea typeface="+mn-ea"/>
-                <a:cs typeface="+mn-cs"/>
-              </a:rPr>
-              <a:t> Es decir </a:t>
-            </a:r>
-            <a:r>
-              <a:rPr lang="es-ES" sz="1200" b="0" i="0" kern="1200" dirty="0" err="1" smtClean="0">
-                <a:solidFill>
-                  <a:schemeClr val="tx1"/>
-                </a:solidFill>
-                <a:effectLst/>
-                <a:latin typeface="+mn-lt"/>
-                <a:ea typeface="+mn-ea"/>
-                <a:cs typeface="+mn-cs"/>
-              </a:rPr>
-              <a:t>Git</a:t>
-            </a:r>
-            <a:r>
-              <a:rPr lang="es-ES" sz="1200" b="0" i="0" kern="1200" dirty="0" smtClean="0">
-                <a:solidFill>
-                  <a:schemeClr val="tx1"/>
-                </a:solidFill>
-                <a:effectLst/>
-                <a:latin typeface="+mn-lt"/>
-                <a:ea typeface="+mn-ea"/>
-                <a:cs typeface="+mn-cs"/>
-              </a:rPr>
-              <a:t> descarga en tu equipo local, en tu PC de casa, todo el contenido del repositorio que se encuentra almacenado en </a:t>
-            </a:r>
-            <a:r>
-              <a:rPr lang="es-ES" sz="1200" b="0" i="0" kern="1200" dirty="0" err="1" smtClean="0">
-                <a:solidFill>
-                  <a:schemeClr val="tx1"/>
-                </a:solidFill>
-                <a:effectLst/>
-                <a:latin typeface="+mn-lt"/>
-                <a:ea typeface="+mn-ea"/>
-                <a:cs typeface="+mn-cs"/>
-              </a:rPr>
-              <a:t>GitHub</a:t>
-            </a:r>
-            <a:r>
-              <a:rPr lang="es-ES" sz="1200" b="0" i="0" kern="1200" dirty="0" smtClean="0">
-                <a:solidFill>
-                  <a:schemeClr val="tx1"/>
-                </a:solidFill>
-                <a:effectLst/>
-                <a:latin typeface="+mn-lt"/>
-                <a:ea typeface="+mn-ea"/>
-                <a:cs typeface="+mn-cs"/>
-              </a:rPr>
-              <a:t>. Es decir en tu equipo se creará una carpeta con todo el contenido idéntico a la que existe en el repositorio.</a:t>
-            </a:r>
-          </a:p>
-          <a:p>
-            <a:pPr fontAlgn="base"/>
-            <a:endParaRPr lang="es-ES" sz="1200" b="0" i="0" kern="1200" dirty="0" smtClean="0">
-              <a:solidFill>
-                <a:schemeClr val="tx1"/>
-              </a:solidFill>
-              <a:effectLst/>
-              <a:latin typeface="+mn-lt"/>
-              <a:ea typeface="+mn-ea"/>
-              <a:cs typeface="+mn-cs"/>
-            </a:endParaRPr>
-          </a:p>
-          <a:p>
-            <a:pPr fontAlgn="base"/>
-            <a:endParaRPr lang="es-ES" sz="1200" b="0" i="0" kern="1200" dirty="0" smtClean="0">
+            <a:endParaRPr lang="es-ES" sz="1200" b="0" i="0" u="sng" kern="1200" dirty="0" smtClean="0">
               <a:solidFill>
                 <a:schemeClr val="tx1"/>
               </a:solidFill>
@@ -5796,81 +4977,6 @@
           <a:lstStyle/>
           <a:p>
             <a:pPr fontAlgn="base"/>
-            <a:r>
-              <a:rPr lang="es-ES" sz="1200" b="1" i="0" kern="1200" dirty="0" smtClean="0">
-                <a:solidFill>
-                  <a:schemeClr val="tx1"/>
-                </a:solidFill>
-                <a:effectLst/>
-                <a:latin typeface="+mn-lt"/>
-                <a:ea typeface="+mn-ea"/>
-                <a:cs typeface="+mn-cs"/>
-              </a:rPr>
-              <a:t>Clonaremos en nuestra máquina el repositorio original.</a:t>
-            </a:r>
-            <a:r>
-              <a:rPr lang="es-ES" sz="1200" b="0" i="0" kern="1200" dirty="0" smtClean="0">
-                <a:solidFill>
-                  <a:schemeClr val="tx1"/>
-                </a:solidFill>
-                <a:effectLst/>
-                <a:latin typeface="+mn-lt"/>
-                <a:ea typeface="+mn-ea"/>
-                <a:cs typeface="+mn-cs"/>
-              </a:rPr>
-              <a:t> Es decir </a:t>
-            </a:r>
-            <a:r>
-              <a:rPr lang="es-ES" sz="1200" b="0" i="0" kern="1200" dirty="0" err="1" smtClean="0">
-                <a:solidFill>
-                  <a:schemeClr val="tx1"/>
-                </a:solidFill>
-                <a:effectLst/>
-                <a:latin typeface="+mn-lt"/>
-                <a:ea typeface="+mn-ea"/>
-                <a:cs typeface="+mn-cs"/>
-              </a:rPr>
-              <a:t>Git</a:t>
-            </a:r>
-            <a:r>
-              <a:rPr lang="es-ES" sz="1200" b="0" i="0" kern="1200" dirty="0" smtClean="0">
-                <a:solidFill>
-                  <a:schemeClr val="tx1"/>
-                </a:solidFill>
-                <a:effectLst/>
-                <a:latin typeface="+mn-lt"/>
-                <a:ea typeface="+mn-ea"/>
-                <a:cs typeface="+mn-cs"/>
-              </a:rPr>
-              <a:t> descarga en tu equipo local, en tu PC de casa, todo el contenido del repositorio que se encuentra almacenado en </a:t>
-            </a:r>
-            <a:r>
-              <a:rPr lang="es-ES" sz="1200" b="0" i="0" kern="1200" dirty="0" err="1" smtClean="0">
-                <a:solidFill>
-                  <a:schemeClr val="tx1"/>
-                </a:solidFill>
-                <a:effectLst/>
-                <a:latin typeface="+mn-lt"/>
-                <a:ea typeface="+mn-ea"/>
-                <a:cs typeface="+mn-cs"/>
-              </a:rPr>
-              <a:t>GitHub</a:t>
-            </a:r>
-            <a:r>
-              <a:rPr lang="es-ES" sz="1200" b="0" i="0" kern="1200" dirty="0" smtClean="0">
-                <a:solidFill>
-                  <a:schemeClr val="tx1"/>
-                </a:solidFill>
-                <a:effectLst/>
-                <a:latin typeface="+mn-lt"/>
-                <a:ea typeface="+mn-ea"/>
-                <a:cs typeface="+mn-cs"/>
-              </a:rPr>
-              <a:t>. Es decir en tu equipo se creará una carpeta con todo el contenido idéntico a la que existe en el repositorio.</a:t>
-            </a:r>
-          </a:p>
-          <a:p>
-            <a:pPr fontAlgn="base"/>
             <a:endParaRPr lang="es-ES" sz="1200" b="0" i="0" kern="1200" dirty="0" smtClean="0">
               <a:solidFill>
                 <a:schemeClr val="tx1"/>
@@ -5986,93 +5092,6 @@
           <a:lstStyle/>
           <a:p>
             <a:pPr fontAlgn="base"/>
-            <a:r>
-              <a:rPr lang="es-ES" sz="1200" b="1" i="0" kern="1200" dirty="0" smtClean="0">
-                <a:solidFill>
-                  <a:schemeClr val="tx1"/>
-                </a:solidFill>
-                <a:effectLst/>
-                <a:latin typeface="+mn-lt"/>
-                <a:ea typeface="+mn-ea"/>
-                <a:cs typeface="+mn-cs"/>
-              </a:rPr>
-              <a:t>Clonaremos en nuestra máquina el repositorio original.</a:t>
-            </a:r>
-            <a:r>
-              <a:rPr lang="es-ES" sz="1200" b="0" i="0" kern="1200" dirty="0" smtClean="0">
-                <a:solidFill>
-                  <a:schemeClr val="tx1"/>
-                </a:solidFill>
-                <a:effectLst/>
-                <a:latin typeface="+mn-lt"/>
-                <a:ea typeface="+mn-ea"/>
-                <a:cs typeface="+mn-cs"/>
-              </a:rPr>
-              <a:t> Es decir </a:t>
-            </a:r>
-            <a:r>
-              <a:rPr lang="es-ES" sz="1200" b="0" i="0" kern="1200" dirty="0" err="1" smtClean="0">
-                <a:solidFill>
-                  <a:schemeClr val="tx1"/>
-                </a:solidFill>
-                <a:effectLst/>
-                <a:latin typeface="+mn-lt"/>
-                <a:ea typeface="+mn-ea"/>
-                <a:cs typeface="+mn-cs"/>
-              </a:rPr>
-              <a:t>Git</a:t>
-            </a:r>
-            <a:r>
-              <a:rPr lang="es-ES" sz="1200" b="0" i="0" kern="1200" dirty="0" smtClean="0">
-                <a:solidFill>
-                  <a:schemeClr val="tx1"/>
-                </a:solidFill>
-                <a:effectLst/>
-                <a:latin typeface="+mn-lt"/>
-                <a:ea typeface="+mn-ea"/>
-                <a:cs typeface="+mn-cs"/>
-              </a:rPr>
-              <a:t> descarga en tu equipo local, en tu PC de casa, todo el contenido del repositorio que se encuentra almacenado en </a:t>
-            </a:r>
-            <a:r>
-              <a:rPr lang="es-ES" sz="1200" b="0" i="0" kern="1200" dirty="0" err="1" smtClean="0">
-                <a:solidFill>
-                  <a:schemeClr val="tx1"/>
-                </a:solidFill>
-                <a:effectLst/>
-                <a:latin typeface="+mn-lt"/>
-                <a:ea typeface="+mn-ea"/>
-                <a:cs typeface="+mn-cs"/>
-              </a:rPr>
-              <a:t>GitHub</a:t>
-            </a:r>
-            <a:r>
-              <a:rPr lang="es-ES" sz="1200" b="0" i="0" kern="1200" dirty="0" smtClean="0">
-                <a:solidFill>
-                  <a:schemeClr val="tx1"/>
-                </a:solidFill>
-                <a:effectLst/>
-                <a:latin typeface="+mn-lt"/>
-                <a:ea typeface="+mn-ea"/>
-                <a:cs typeface="+mn-cs"/>
-              </a:rPr>
-              <a:t>. Es decir en tu equipo se creará una carpeta con todo el contenido idéntico a la que existe en el repositorio.</a:t>
-            </a:r>
-          </a:p>
-          <a:p>
-            <a:pPr fontAlgn="base"/>
-            <a:endParaRPr lang="es-ES" sz="1200" b="0" i="0" kern="1200" dirty="0" smtClean="0">
-              <a:solidFill>
-                <a:schemeClr val="tx1"/>
-              </a:solidFill>
-              <a:effectLst/>
-              <a:latin typeface="+mn-lt"/>
-              <a:ea typeface="+mn-ea"/>
-              <a:cs typeface="+mn-cs"/>
-            </a:endParaRPr>
-          </a:p>
-          <a:p>
-            <a:pPr fontAlgn="base"/>
             <a:endParaRPr lang="es-ES" sz="1200" b="0" i="0" kern="1200" dirty="0" smtClean="0">
               <a:solidFill>
                 <a:schemeClr val="tx1"/>
@@ -6121,7 +5140,7 @@
     </p:spTree>
     <p:extLst>
       <p:ext uri="{BB962C8B-B14F-4D97-AF65-F5344CB8AC3E}">
-        <p14:creationId xmlns:p14="http://schemas.microsoft.com/office/powerpoint/2010/main" val="78780540"/>
+        <p14:creationId xmlns:p14="http://schemas.microsoft.com/office/powerpoint/2010/main" val="1339980910"/>
       </p:ext>
     </p:extLst>
   </p:cSld>
@@ -6176,145 +5195,7 @@
           <a:lstStyle/>
           <a:p>
             <a:pPr fontAlgn="base"/>
-            <a:r>
-              <a:rPr lang="en-US" sz="1200" b="1" i="0" kern="1200" dirty="0" smtClean="0">
-                <a:solidFill>
-                  <a:schemeClr val="tx1"/>
-                </a:solidFill>
-                <a:effectLst/>
-                <a:latin typeface="+mn-lt"/>
-                <a:ea typeface="+mn-ea"/>
-                <a:cs typeface="+mn-cs"/>
-              </a:rPr>
-              <a:t>1º </a:t>
-            </a:r>
-            <a:r>
-              <a:rPr lang="en-US" sz="1200" b="1" i="0" kern="1200" dirty="0" err="1" smtClean="0">
-                <a:solidFill>
-                  <a:schemeClr val="tx1"/>
-                </a:solidFill>
-                <a:effectLst/>
-                <a:latin typeface="+mn-lt"/>
-                <a:ea typeface="+mn-ea"/>
-                <a:cs typeface="+mn-cs"/>
-              </a:rPr>
-              <a:t>Crear</a:t>
-            </a:r>
-            <a:r>
-              <a:rPr lang="en-US" sz="1200" b="1" i="0" kern="1200" dirty="0" smtClean="0">
-                <a:solidFill>
-                  <a:schemeClr val="tx1"/>
-                </a:solidFill>
-                <a:effectLst/>
-                <a:latin typeface="+mn-lt"/>
-                <a:ea typeface="+mn-ea"/>
-                <a:cs typeface="+mn-cs"/>
-              </a:rPr>
-              <a:t> Proyecto: </a:t>
-            </a:r>
-          </a:p>
-          <a:p>
-            <a:pPr fontAlgn="base"/>
-            <a:r>
-              <a:rPr lang="en-US" sz="1200" b="1" i="0" kern="1200" dirty="0" smtClean="0">
-                <a:solidFill>
-                  <a:schemeClr val="tx1"/>
-                </a:solidFill>
-                <a:effectLst/>
-                <a:latin typeface="+mn-lt"/>
-                <a:ea typeface="+mn-ea"/>
-                <a:cs typeface="+mn-cs"/>
-              </a:rPr>
-              <a:t>https://github.com/dmcisneros</a:t>
-            </a:r>
-          </a:p>
-          <a:p>
-            <a:pPr fontAlgn="base"/>
-            <a:endParaRPr lang="en-US" sz="1200" b="1" i="0" kern="1200" dirty="0" smtClean="0">
-              <a:solidFill>
-                <a:schemeClr val="tx1"/>
-              </a:solidFill>
-              <a:effectLst/>
-              <a:latin typeface="+mn-lt"/>
-              <a:ea typeface="+mn-ea"/>
-              <a:cs typeface="+mn-cs"/>
-            </a:endParaRPr>
-          </a:p>
-          <a:p>
-            <a:pPr fontAlgn="base"/>
-            <a:endParaRPr lang="en-US" sz="1200" b="1" i="0" kern="1200" dirty="0" smtClean="0">
-              <a:solidFill>
-                <a:schemeClr val="tx1"/>
-              </a:solidFill>
-              <a:effectLst/>
-              <a:latin typeface="+mn-lt"/>
-              <a:ea typeface="+mn-ea"/>
-              <a:cs typeface="+mn-cs"/>
-            </a:endParaRPr>
-          </a:p>
-          <a:p>
-            <a:pPr fontAlgn="base"/>
-            <a:r>
-              <a:rPr lang="en-US" sz="1200" b="1" i="0" kern="1200" dirty="0" err="1" smtClean="0">
-                <a:solidFill>
-                  <a:schemeClr val="tx1"/>
-                </a:solidFill>
-                <a:effectLst/>
-                <a:latin typeface="+mn-lt"/>
-                <a:ea typeface="+mn-ea"/>
-                <a:cs typeface="+mn-cs"/>
-              </a:rPr>
-              <a:t>git</a:t>
-            </a:r>
-            <a:r>
-              <a:rPr lang="en-US" sz="1200" b="1" i="0" kern="1200" dirty="0" smtClean="0">
-                <a:solidFill>
-                  <a:schemeClr val="tx1"/>
-                </a:solidFill>
-                <a:effectLst/>
-                <a:latin typeface="+mn-lt"/>
-                <a:ea typeface="+mn-ea"/>
-                <a:cs typeface="+mn-cs"/>
-              </a:rPr>
-              <a:t> </a:t>
-            </a:r>
-            <a:r>
-              <a:rPr lang="en-US" sz="1200" b="1" i="0" kern="1200" dirty="0" err="1" smtClean="0">
-                <a:solidFill>
-                  <a:schemeClr val="tx1"/>
-                </a:solidFill>
-                <a:effectLst/>
-                <a:latin typeface="+mn-lt"/>
-                <a:ea typeface="+mn-ea"/>
-                <a:cs typeface="+mn-cs"/>
-              </a:rPr>
-              <a:t>init</a:t>
-            </a:r>
-            <a:endParaRPr lang="en-US" sz="1200" b="1" i="0" kern="1200" dirty="0" smtClean="0">
-              <a:solidFill>
-                <a:schemeClr val="tx1"/>
-              </a:solidFill>
-              <a:effectLst/>
-              <a:latin typeface="+mn-lt"/>
-              <a:ea typeface="+mn-ea"/>
-              <a:cs typeface="+mn-cs"/>
-            </a:endParaRPr>
-          </a:p>
-          <a:p>
-            <a:pPr fontAlgn="base"/>
-            <a:r>
-              <a:rPr lang="en-US" b="1" dirty="0" err="1" smtClean="0">
-                <a:effectLst/>
-              </a:rPr>
-              <a:t>git</a:t>
-            </a:r>
-            <a:r>
-              <a:rPr lang="en-US" b="1" dirty="0" smtClean="0">
-                <a:effectLst/>
-              </a:rPr>
-              <a:t> remote add origin https://github.com/dmcisneros/headingToCodefest.git</a:t>
-            </a:r>
-            <a:endParaRPr lang="es-ES" sz="1200" b="1" i="0" kern="1200" dirty="0" smtClean="0">
+            <a:endParaRPr lang="es-ES" sz="1200" b="0" i="0" kern="1200" dirty="0" smtClean="0">
               <a:solidFill>
                 <a:schemeClr val="tx1"/>
               </a:solidFill>
@@ -6374,7 +5255,7 @@
     </p:spTree>
     <p:extLst>
       <p:ext uri="{BB962C8B-B14F-4D97-AF65-F5344CB8AC3E}">
-        <p14:creationId xmlns:p14="http://schemas.microsoft.com/office/powerpoint/2010/main" val="3196080351"/>
+        <p14:creationId xmlns:p14="http://schemas.microsoft.com/office/powerpoint/2010/main" val="78780540"/>
       </p:ext>
     </p:extLst>
   </p:cSld>
@@ -7454,7 +6335,7 @@
                 </a:solidFill>
                 <a:latin typeface="+mj-lt"/>
               </a:rPr>
-              <a:t>: Operaciones comunes</a:t>
+              <a:t>: Conectar con repositorios</a:t>
             </a:r>
             <a:endParaRPr lang="es-ES" b="1" dirty="0">
               <a:solidFill>
@@ -7938,10 +6819,18 @@
             <a:r>
               <a:rPr lang="es-ES" sz="2000" dirty="0" smtClean="0">
                 <a:solidFill>
-                  <a:srgbClr val="00B0F0"/>
-                </a:solidFill>
-              </a:rPr>
-              <a:t>ADD</a:t>
+                  <a:schemeClr val="bg1"/>
+                </a:solidFill>
+              </a:rPr>
+              <a:t>Crear repositorios en </a:t>
+            </a:r>
+            <a:r>
+              <a:rPr lang="es-ES" sz="2000" dirty="0" err="1" smtClean="0">
+                <a:solidFill>
+                  <a:schemeClr val="bg1"/>
+                </a:solidFill>
+              </a:rPr>
+              <a:t>github</a:t>
             </a:r>
             <a:r>
               <a:rPr lang="es-ES" sz="2000" dirty="0" smtClean="0">
@@ -7949,31 +6838,15 @@
                   <a:schemeClr val="bg1"/>
                 </a:solidFill>
               </a:rPr>
-              <a:t>: Puedes </a:t>
-            </a:r>
-            <a:r>
-              <a:rPr lang="es-ES" sz="2000" dirty="0">
-                <a:solidFill>
-                  <a:schemeClr val="bg1"/>
-                </a:solidFill>
-              </a:rPr>
-              <a:t>registrar cambios (añadirlos al </a:t>
-            </a:r>
-            <a:r>
-              <a:rPr lang="es-ES" sz="2000" b="1" dirty="0" err="1">
-                <a:solidFill>
-                  <a:schemeClr val="bg1"/>
-                </a:solidFill>
-              </a:rPr>
-              <a:t>Index</a:t>
-            </a:r>
-            <a:r>
-              <a:rPr lang="es-ES" sz="2000" dirty="0">
-                <a:solidFill>
-                  <a:schemeClr val="bg1"/>
-                </a:solidFill>
-              </a:rPr>
-              <a:t>) </a:t>
+              <a:t>: Entra en la cuenta de </a:t>
+            </a:r>
+            <a:r>
+              <a:rPr lang="es-ES" sz="2000" dirty="0" err="1" smtClean="0">
+                <a:solidFill>
+                  <a:schemeClr val="bg1"/>
+                </a:solidFill>
+              </a:rPr>
+              <a:t>github</a:t>
             </a:r>
             <a:r>
               <a:rPr lang="es-ES" sz="2000" dirty="0" smtClean="0">
@@ -7981,68 +6854,62 @@
                   <a:schemeClr val="bg1"/>
                 </a:solidFill>
               </a:rPr>
-              <a:t>usando:</a:t>
-            </a:r>
-          </a:p>
-          <a:p>
-            <a:pPr marL="0" indent="0" algn="ctr">
+              <a:t> y añade repositorio.</a:t>
+            </a:r>
+          </a:p>
+          <a:p>
+            <a:pPr marL="0" indent="0">
               <a:buNone/>
             </a:pPr>
-            <a:r>
-              <a:rPr lang="es-ES" sz="2000" b="1" dirty="0" err="1">
-                <a:solidFill>
-                  <a:schemeClr val="accent1"/>
+            <a:endParaRPr lang="es-ES" sz="2000" dirty="0" smtClean="0">
+              <a:solidFill>
+                <a:schemeClr val="bg1"/>
+              </a:solidFill>
+            </a:endParaRPr>
+          </a:p>
+          <a:p>
+            <a:r>
+              <a:rPr lang="es-ES" sz="2000" dirty="0" smtClean="0">
+                <a:solidFill>
+                  <a:schemeClr val="bg1"/>
+                </a:solidFill>
+              </a:rPr>
+              <a:t>Crea un proyecto en tu local y conéctalo con </a:t>
+            </a:r>
+            <a:r>
+              <a:rPr lang="es-ES" sz="2000" dirty="0" err="1" smtClean="0">
+                <a:solidFill>
+                  <a:schemeClr val="bg1"/>
                 </a:solidFill>
               </a:rPr>
               <a:t>git</a:t>
             </a:r>
             <a:r>
-              <a:rPr lang="es-ES" sz="2000" b="1" dirty="0">
-                <a:solidFill>
-                  <a:schemeClr val="accent1"/>
+              <a:rPr lang="es-ES" sz="2000" dirty="0" smtClean="0">
+                <a:solidFill>
+                  <a:schemeClr val="bg1"/>
                 </a:solidFill>
               </a:rPr>
               <a:t> </a:t>
             </a:r>
-            <a:r>
-              <a:rPr lang="es-ES" sz="2000" b="1" dirty="0" err="1">
-                <a:solidFill>
-                  <a:schemeClr val="accent1"/>
-                </a:solidFill>
-              </a:rPr>
-              <a:t>add</a:t>
-            </a:r>
-            <a:r>
-              <a:rPr lang="es-ES" sz="2000" b="1" dirty="0">
-                <a:solidFill>
-                  <a:schemeClr val="accent1"/>
-                </a:solidFill>
-              </a:rPr>
-              <a:t> &lt;</a:t>
-            </a:r>
-            <a:r>
-              <a:rPr lang="es-ES" sz="2000" b="1" dirty="0" err="1">
-                <a:solidFill>
-                  <a:schemeClr val="accent1"/>
-                </a:solidFill>
-              </a:rPr>
-              <a:t>filename</a:t>
-            </a:r>
-            <a:r>
-              <a:rPr lang="es-ES" sz="2000" b="1" dirty="0">
-                <a:solidFill>
-                  <a:schemeClr val="accent1"/>
-                </a:solidFill>
-              </a:rPr>
-              <a:t>&gt;</a:t>
-            </a:r>
-          </a:p>
-          <a:p>
-            <a:pPr marL="0" indent="0" algn="ctr">
+            <a:endParaRPr lang="es-ES" sz="1600" dirty="0" smtClean="0">
+              <a:solidFill>
+                <a:schemeClr val="bg1"/>
+              </a:solidFill>
+            </a:endParaRPr>
+          </a:p>
+          <a:p>
+            <a:pPr marL="1588" indent="0" algn="ctr">
+              <a:spcBef>
+                <a:spcPts val="0"/>
+              </a:spcBef>
+              <a:spcAft>
+                <a:spcPts val="600"/>
+              </a:spcAft>
               <a:buNone/>
             </a:pPr>
             <a:r>
-              <a:rPr lang="es-ES" sz="2000" b="1" dirty="0" err="1">
+              <a:rPr lang="es-ES" sz="2000" b="1" dirty="0" err="1" smtClean="0">
                 <a:solidFill>
                   <a:schemeClr val="accent1"/>
                 </a:solidFill>
@@ -8050,7 +6917,7 @@
               <a:t>git</a:t>
             </a:r>
             <a:r>
-              <a:rPr lang="es-ES" sz="2000" b="1" dirty="0">
+              <a:rPr lang="es-ES" sz="2000" b="1" dirty="0" smtClean="0">
                 <a:solidFill>
                   <a:schemeClr val="accent1"/>
                 </a:solidFill>
@@ -8058,32 +6925,27 @@
               <a:t> </a:t>
             </a:r>
             <a:r>
-              <a:rPr lang="es-ES" sz="2000" b="1" dirty="0" err="1">
+              <a:rPr lang="es-ES" sz="2000" b="1" dirty="0" err="1" smtClean="0">
                 <a:solidFill>
                   <a:schemeClr val="accent1"/>
                 </a:solidFill>
               </a:rPr>
-              <a:t>add</a:t>
-            </a:r>
-            <a:r>
-              <a:rPr lang="es-ES" sz="2000" b="1" dirty="0">
-                <a:solidFill>
-                  <a:schemeClr val="accent1"/>
-                </a:solidFill>
-              </a:rPr>
-              <a:t> </a:t>
-            </a:r>
-            <a:r>
-              <a:rPr lang="es-ES" sz="2000" b="1" dirty="0" smtClean="0">
-                <a:solidFill>
-                  <a:schemeClr val="accent1"/>
-                </a:solidFill>
-              </a:rPr>
-              <a:t>.</a:t>
-            </a:r>
-          </a:p>
-          <a:p>
-            <a:pPr marL="0" indent="0" algn="ctr">
+              <a:t>init</a:t>
+            </a:r>
+            <a:endParaRPr lang="es-ES" sz="2000" b="1" dirty="0" smtClean="0">
+              <a:solidFill>
+                <a:schemeClr val="accent1"/>
+              </a:solidFill>
+            </a:endParaRPr>
+          </a:p>
+          <a:p>
+            <a:pPr marL="1588" indent="0" algn="ctr">
+              <a:spcBef>
+                <a:spcPts val="0"/>
+              </a:spcBef>
+              <a:spcAft>
+                <a:spcPts val="600"/>
+              </a:spcAft>
               <a:buNone/>
             </a:pPr>
             <a:endParaRPr lang="es-ES" sz="2000" b="1" dirty="0" smtClean="0">
@@ -8096,90 +6958,24 @@
             <a:r>
               <a:rPr lang="es-ES" sz="2000" dirty="0" smtClean="0">
                 <a:solidFill>
-                  <a:srgbClr val="00B0F0"/>
-                </a:solidFill>
-              </a:rPr>
-              <a:t>COMMIT</a:t>
-            </a:r>
-            <a:r>
-              <a:rPr lang="es-ES" sz="2000" dirty="0" smtClean="0">
-                <a:solidFill>
-                  <a:schemeClr val="bg1"/>
-                </a:solidFill>
-              </a:rPr>
-              <a:t>: </a:t>
-            </a:r>
-            <a:r>
-              <a:rPr lang="es-ES" sz="2000" dirty="0">
-                <a:solidFill>
-                  <a:schemeClr val="bg1"/>
-                </a:solidFill>
-              </a:rPr>
-              <a:t>Puedes </a:t>
-            </a:r>
-            <a:r>
-              <a:rPr lang="es-ES" sz="2000" dirty="0" smtClean="0">
-                <a:solidFill>
-                  <a:schemeClr val="bg1"/>
-                </a:solidFill>
-              </a:rPr>
-              <a:t>hacer </a:t>
-            </a:r>
-            <a:r>
-              <a:rPr lang="es-ES" sz="2000" dirty="0" err="1" smtClean="0">
-                <a:solidFill>
-                  <a:schemeClr val="bg1"/>
-                </a:solidFill>
-              </a:rPr>
-              <a:t>commit</a:t>
-            </a:r>
-            <a:r>
-              <a:rPr lang="es-ES" sz="2000" dirty="0" smtClean="0">
-                <a:solidFill>
-                  <a:schemeClr val="bg1"/>
-                </a:solidFill>
-              </a:rPr>
-              <a:t> (añadirlos </a:t>
-            </a:r>
-            <a:r>
-              <a:rPr lang="es-ES" sz="2000" dirty="0">
-                <a:solidFill>
-                  <a:schemeClr val="bg1"/>
-                </a:solidFill>
-              </a:rPr>
-              <a:t>al </a:t>
-            </a:r>
-            <a:r>
-              <a:rPr lang="es-ES" sz="2000" b="1" dirty="0">
-                <a:solidFill>
-                  <a:schemeClr val="bg1"/>
-                </a:solidFill>
-              </a:rPr>
-              <a:t>HEAD</a:t>
-            </a:r>
-            <a:r>
-              <a:rPr lang="es-ES" sz="2000" dirty="0" smtClean="0">
-                <a:solidFill>
-                  <a:schemeClr val="bg1"/>
-                </a:solidFill>
-              </a:rPr>
-              <a:t>) </a:t>
-            </a:r>
-            <a:r>
-              <a:rPr lang="es-ES" sz="2000" dirty="0">
-                <a:solidFill>
-                  <a:schemeClr val="bg1"/>
-                </a:solidFill>
-              </a:rPr>
-              <a:t>usando:</a:t>
-            </a:r>
-          </a:p>
-          <a:p>
-            <a:pPr marL="0" indent="0" algn="ctr">
+                  <a:schemeClr val="bg1"/>
+                </a:solidFill>
+              </a:rPr>
+              <a:t>Conectar un proyecto local a un repositorio remoto </a:t>
+            </a:r>
+          </a:p>
+          <a:p>
+            <a:pPr marL="1588" indent="0" algn="ctr">
+              <a:spcBef>
+                <a:spcPts val="0"/>
+              </a:spcBef>
+              <a:spcAft>
+                <a:spcPts val="600"/>
+              </a:spcAft>
               <a:buNone/>
             </a:pPr>
             <a:r>
-              <a:rPr lang="es-ES" sz="2000" b="1" dirty="0" err="1">
+              <a:rPr lang="en-US" sz="2000" b="1" dirty="0" err="1">
                 <a:solidFill>
                   <a:schemeClr val="accent1"/>
                 </a:solidFill>
@@ -8187,56 +6983,35 @@
               <a:t>git</a:t>
             </a:r>
             <a:r>
-              <a:rPr lang="es-ES" sz="2000" b="1" dirty="0">
+              <a:rPr lang="en-US" sz="2000" b="1" dirty="0">
                 <a:solidFill>
                   <a:schemeClr val="accent1"/>
                 </a:solidFill>
               </a:rPr>
-              <a:t> </a:t>
-            </a:r>
-            <a:r>
-              <a:rPr lang="es-ES" sz="2000" b="1" dirty="0" err="1">
+              <a:t> remote add origin https://</a:t>
+            </a:r>
+            <a:r>
+              <a:rPr lang="en-US" sz="2000" b="1" dirty="0" smtClean="0">
                 <a:solidFill>
                   <a:schemeClr val="accent1"/>
                 </a:solidFill>
               </a:rPr>
-              <a:t>commit</a:t>
-            </a:r>
-            <a:r>
-              <a:rPr lang="es-ES" sz="2000" b="1" dirty="0">
-                <a:solidFill>
-                  <a:schemeClr val="accent1"/>
-                </a:solidFill>
-              </a:rPr>
-              <a:t> -m "</a:t>
-            </a:r>
-            <a:r>
-              <a:rPr lang="es-ES" sz="2000" b="1" dirty="0" err="1">
-                <a:solidFill>
-                  <a:schemeClr val="accent1"/>
-                </a:solidFill>
-              </a:rPr>
-              <a:t>Commit</a:t>
-            </a:r>
-            <a:r>
-              <a:rPr lang="es-ES" sz="2000" b="1" dirty="0">
-                <a:solidFill>
-                  <a:schemeClr val="accent1"/>
-                </a:solidFill>
-              </a:rPr>
-              <a:t> </a:t>
-            </a:r>
-            <a:r>
-              <a:rPr lang="es-ES" sz="2000" b="1" dirty="0" smtClean="0">
-                <a:solidFill>
-                  <a:schemeClr val="accent1"/>
-                </a:solidFill>
-              </a:rPr>
-              <a:t>mensaje“</a:t>
-            </a:r>
-          </a:p>
-          <a:p>
-            <a:pPr marL="0" indent="0" algn="ctr">
+              <a:t>github.com/dmcisneros/headingToCodefest.git</a:t>
+            </a:r>
+            <a:endParaRPr lang="es-ES" sz="2000" b="1" dirty="0" smtClean="0">
+              <a:solidFill>
+                <a:schemeClr val="accent1"/>
+              </a:solidFill>
+            </a:endParaRPr>
+          </a:p>
+          <a:p>
+            <a:pPr marL="1588" indent="0" algn="ctr">
+              <a:spcBef>
+                <a:spcPts val="0"/>
+              </a:spcBef>
+              <a:spcAft>
+                <a:spcPts val="600"/>
+              </a:spcAft>
               <a:buNone/>
             </a:pPr>
             <a:endParaRPr lang="es-ES" sz="2000" b="1" dirty="0">
@@ -8249,10 +7024,18 @@
             <a:r>
               <a:rPr lang="es-ES" sz="2000" dirty="0" smtClean="0">
                 <a:solidFill>
-                  <a:srgbClr val="00B0F0"/>
-                </a:solidFill>
-              </a:rPr>
-              <a:t>PUSH</a:t>
+                  <a:schemeClr val="bg1"/>
+                </a:solidFill>
+              </a:rPr>
+              <a:t>Clonar un </a:t>
+            </a:r>
+            <a:r>
+              <a:rPr lang="es-ES" sz="2000" dirty="0">
+                <a:solidFill>
+                  <a:schemeClr val="bg1"/>
+                </a:solidFill>
+              </a:rPr>
+              <a:t>repositorio </a:t>
             </a:r>
             <a:r>
               <a:rPr lang="es-ES" sz="2000" dirty="0" smtClean="0">
@@ -8260,220 +7043,84 @@
                   <a:schemeClr val="bg1"/>
                 </a:solidFill>
               </a:rPr>
-              <a:t>: Los cambios están ahora en tu copia local. Para enviar los cambios a tu repositorio remoto ejecuta:</a:t>
-            </a:r>
-          </a:p>
-          <a:p>
-            <a:pPr marL="0" indent="0" algn="ctr">
+              <a:t>remoto y partir de un proyecto ya iniciado:</a:t>
+            </a:r>
+          </a:p>
+          <a:p>
+            <a:pPr marL="0" indent="0">
               <a:buNone/>
             </a:pPr>
-            <a:r>
-              <a:rPr lang="es-ES" sz="2000" b="1" dirty="0" err="1" smtClean="0">
-                <a:solidFill>
-                  <a:schemeClr val="accent1"/>
-                </a:solidFill>
-              </a:rPr>
-              <a:t>git</a:t>
-            </a:r>
-            <a:r>
-              <a:rPr lang="es-ES" sz="2000" b="1" dirty="0" smtClean="0">
-                <a:solidFill>
-                  <a:schemeClr val="accent1"/>
-                </a:solidFill>
-              </a:rPr>
-              <a:t> </a:t>
-            </a:r>
-            <a:r>
-              <a:rPr lang="es-ES" sz="2000" b="1" dirty="0" err="1" smtClean="0">
-                <a:solidFill>
-                  <a:schemeClr val="accent1"/>
-                </a:solidFill>
-              </a:rPr>
-              <a:t>push</a:t>
-            </a:r>
-            <a:r>
-              <a:rPr lang="es-ES" sz="2000" b="1" dirty="0" smtClean="0">
-                <a:solidFill>
-                  <a:schemeClr val="accent1"/>
-                </a:solidFill>
-              </a:rPr>
-              <a:t> </a:t>
-            </a:r>
-            <a:r>
-              <a:rPr lang="es-ES" sz="2000" b="1" dirty="0" err="1">
-                <a:solidFill>
-                  <a:schemeClr val="accent1"/>
-                </a:solidFill>
-              </a:rPr>
-              <a:t>origin</a:t>
-            </a:r>
-            <a:r>
-              <a:rPr lang="es-ES" sz="2000" b="1" dirty="0">
-                <a:solidFill>
-                  <a:schemeClr val="accent1"/>
-                </a:solidFill>
-              </a:rPr>
-              <a:t> </a:t>
-            </a:r>
-            <a:r>
-              <a:rPr lang="es-ES" sz="2000" b="1" dirty="0" smtClean="0">
-                <a:solidFill>
-                  <a:schemeClr val="accent1"/>
-                </a:solidFill>
-              </a:rPr>
-              <a:t>&lt;</a:t>
-            </a:r>
-            <a:r>
-              <a:rPr lang="es-ES" sz="2000" b="1" dirty="0" err="1" smtClean="0">
-                <a:solidFill>
-                  <a:schemeClr val="accent1"/>
-                </a:solidFill>
-              </a:rPr>
-              <a:t>branch</a:t>
-            </a:r>
-            <a:r>
-              <a:rPr lang="es-ES" sz="2000" b="1" dirty="0" smtClean="0">
-                <a:solidFill>
-                  <a:schemeClr val="accent1"/>
-                </a:solidFill>
-              </a:rPr>
-              <a:t>&gt;</a:t>
-            </a:r>
-          </a:p>
-          <a:p>
-            <a:pPr marL="0" indent="0" algn="ctr">
+            <a:endParaRPr lang="es-ES" sz="2000" dirty="0" smtClean="0">
+              <a:solidFill>
+                <a:schemeClr val="bg1"/>
+              </a:solidFill>
+            </a:endParaRPr>
+          </a:p>
+          <a:p>
+            <a:pPr marL="1588" indent="0" algn="ctr">
+              <a:spcBef>
+                <a:spcPts val="0"/>
+              </a:spcBef>
+              <a:spcAft>
+                <a:spcPts val="600"/>
+              </a:spcAft>
               <a:buNone/>
             </a:pPr>
-            <a:endParaRPr lang="es-ES" sz="2000" b="1" dirty="0" smtClean="0">
+            <a:r>
+              <a:rPr lang="es-ES" sz="2000" b="1" dirty="0" err="1">
+                <a:solidFill>
+                  <a:schemeClr val="accent1"/>
+                </a:solidFill>
+              </a:rPr>
+              <a:t>git</a:t>
+            </a:r>
+            <a:r>
+              <a:rPr lang="es-ES" sz="2000" b="1" dirty="0">
+                <a:solidFill>
+                  <a:schemeClr val="accent1"/>
+                </a:solidFill>
+              </a:rPr>
+              <a:t> clone https://github.com/dmcisneros/headingToCodefest.git</a:t>
+            </a:r>
+          </a:p>
+          <a:p>
+            <a:pPr marL="1588" indent="0" algn="ctr">
+              <a:spcBef>
+                <a:spcPts val="0"/>
+              </a:spcBef>
+              <a:spcAft>
+                <a:spcPts val="600"/>
+              </a:spcAft>
+              <a:buNone/>
+            </a:pPr>
+            <a:endParaRPr lang="es-ES" sz="2000" dirty="0" smtClean="0">
               <a:solidFill>
-                <a:schemeClr val="accent1"/>
+                <a:schemeClr val="bg1"/>
               </a:solidFill>
             </a:endParaRPr>
           </a:p>
           <a:p>
-            <a:r>
-              <a:rPr lang="es-ES" sz="2000" dirty="0" smtClean="0">
-                <a:solidFill>
-                  <a:srgbClr val="00B0F0"/>
-                </a:solidFill>
-              </a:rPr>
-              <a:t>PULL</a:t>
-            </a:r>
-            <a:r>
-              <a:rPr lang="es-ES" sz="2000" dirty="0" smtClean="0">
-                <a:solidFill>
-                  <a:schemeClr val="bg1"/>
-                </a:solidFill>
-              </a:rPr>
-              <a:t>: </a:t>
-            </a:r>
-            <a:r>
-              <a:rPr lang="es-ES" sz="2000" dirty="0" smtClean="0">
-                <a:solidFill>
-                  <a:schemeClr val="bg1"/>
-                </a:solidFill>
-              </a:rPr>
-              <a:t>Actualiza tu directorio local con el contenido de un repositorio:</a:t>
-            </a:r>
+            <a:pPr marL="1588" indent="0" algn="ctr">
+              <a:spcBef>
+                <a:spcPts val="0"/>
+              </a:spcBef>
+              <a:spcAft>
+                <a:spcPts val="600"/>
+              </a:spcAft>
+              <a:buNone/>
+            </a:pPr>
             <a:endParaRPr lang="es-ES" sz="2000" dirty="0">
               <a:solidFill>
                 <a:schemeClr val="bg1"/>
               </a:solidFill>
             </a:endParaRPr>
           </a:p>
-          <a:p>
-            <a:pPr marL="0" indent="0" algn="ctr">
-              <a:buNone/>
-            </a:pPr>
-            <a:r>
-              <a:rPr lang="es-ES" sz="2000" b="1" dirty="0" err="1">
-                <a:solidFill>
-                  <a:schemeClr val="accent1"/>
-                </a:solidFill>
-              </a:rPr>
-              <a:t>git</a:t>
-            </a:r>
-            <a:r>
-              <a:rPr lang="es-ES" sz="2000" b="1" dirty="0">
-                <a:solidFill>
-                  <a:schemeClr val="accent1"/>
-                </a:solidFill>
-              </a:rPr>
-              <a:t> </a:t>
-            </a:r>
-            <a:r>
-              <a:rPr lang="es-ES" sz="2000" b="1" dirty="0" err="1" smtClean="0">
-                <a:solidFill>
-                  <a:schemeClr val="accent1"/>
-                </a:solidFill>
-              </a:rPr>
-              <a:t>pull</a:t>
-            </a:r>
-            <a:r>
-              <a:rPr lang="es-ES" sz="2000" b="1" dirty="0" smtClean="0">
-                <a:solidFill>
-                  <a:schemeClr val="accent1"/>
-                </a:solidFill>
-              </a:rPr>
-              <a:t> </a:t>
-            </a:r>
-            <a:r>
-              <a:rPr lang="es-ES" sz="2000" b="1" dirty="0" err="1">
-                <a:solidFill>
-                  <a:schemeClr val="accent1"/>
-                </a:solidFill>
-              </a:rPr>
-              <a:t>origin</a:t>
-            </a:r>
-            <a:r>
-              <a:rPr lang="es-ES" sz="2000" b="1" dirty="0">
-                <a:solidFill>
-                  <a:schemeClr val="accent1"/>
-                </a:solidFill>
-              </a:rPr>
-              <a:t> &lt;</a:t>
-            </a:r>
-            <a:r>
-              <a:rPr lang="es-ES" sz="2000" b="1" dirty="0" err="1">
-                <a:solidFill>
-                  <a:schemeClr val="accent1"/>
-                </a:solidFill>
-              </a:rPr>
-              <a:t>branch</a:t>
-            </a:r>
-            <a:r>
-              <a:rPr lang="es-ES" sz="2000" b="1" dirty="0">
-                <a:solidFill>
-                  <a:schemeClr val="accent1"/>
-                </a:solidFill>
-              </a:rPr>
-              <a:t>&gt;</a:t>
-            </a:r>
-          </a:p>
-          <a:p>
-            <a:pPr marL="0" indent="0">
-              <a:buNone/>
-            </a:pPr>
-            <a:r>
-              <a:rPr lang="es-ES" sz="2000" dirty="0" smtClean="0">
-                <a:solidFill>
-                  <a:schemeClr val="bg1"/>
-                </a:solidFill>
-              </a:rPr>
-              <a:t> </a:t>
-            </a:r>
-            <a:endParaRPr lang="es-ES" sz="2000" dirty="0">
-              <a:solidFill>
-                <a:schemeClr val="bg1"/>
-              </a:solidFill>
-            </a:endParaRPr>
-          </a:p>
         </p:txBody>
       </p:sp>
     </p:spTree>
     <p:extLst>
       <p:ext uri="{BB962C8B-B14F-4D97-AF65-F5344CB8AC3E}">
-        <p14:creationId xmlns:p14="http://schemas.microsoft.com/office/powerpoint/2010/main" val="2734402060"/>
+        <p14:creationId xmlns:p14="http://schemas.microsoft.com/office/powerpoint/2010/main" val="2777431"/>
       </p:ext>
     </p:extLst>
   </p:cSld>
@@ -8551,16 +7198,7 @@
                 </a:solidFill>
                 <a:latin typeface="+mj-lt"/>
               </a:rPr>
-              <a:t>: </a:t>
-            </a:r>
-            <a:r>
-              <a:rPr lang="es-ES" b="1" dirty="0" err="1" smtClean="0">
-                <a:solidFill>
-                  <a:srgbClr val="00B0F0"/>
-                </a:solidFill>
-                <a:latin typeface="+mj-lt"/>
-              </a:rPr>
-              <a:t>Branches</a:t>
+              <a:t>: Operaciones comunes</a:t>
             </a:r>
             <a:endParaRPr lang="es-ES" b="1" dirty="0">
               <a:solidFill>
@@ -8695,6 +7333,1114 @@
               </a:rPr>
               <a:pPr algn="r"/>
               <a:t>11</a:t>
+            </a:fld>
+            <a:endParaRPr lang="es-ES" dirty="0">
+              <a:solidFill>
+                <a:schemeClr val="bg1"/>
+              </a:solidFill>
+            </a:endParaRPr>
+          </a:p>
+        </p:txBody>
+      </p:sp>
+      <p:sp>
+        <p:nvSpPr>
+          <p:cNvPr id="10" name="4 Marcador de contenido"/>
+          <p:cNvSpPr txBox="1">
+            <a:spLocks/>
+          </p:cNvSpPr>
+          <p:nvPr/>
+        </p:nvSpPr>
+        <p:spPr>
+          <a:xfrm>
+            <a:off x="683568" y="1282651"/>
+            <a:ext cx="8003232" cy="4176464"/>
+          </a:xfrm>
+          <a:prstGeom prst="rect">
+            <a:avLst/>
+          </a:prstGeom>
+        </p:spPr>
+        <p:txBody>
+          <a:bodyPr numCol="1">
+            <a:noAutofit/>
+          </a:bodyPr>
+          <a:lstStyle>
+            <a:lvl1pPr marL="342900" indent="-342900" algn="l" defTabSz="914400" rtl="0" eaLnBrk="1" latinLnBrk="0" hangingPunct="1">
+              <a:spcBef>
+                <a:spcPct val="20000"/>
+              </a:spcBef>
+              <a:buFont typeface="Arial" pitchFamily="34" charset="0"/>
+              <a:buChar char="•"/>
+              <a:defRPr sz="3200" kern="1200">
+                <a:solidFill>
+                  <a:schemeClr val="tx1"/>
+                </a:solidFill>
+                <a:latin typeface="+mn-lt"/>
+                <a:ea typeface="+mn-ea"/>
+                <a:cs typeface="+mn-cs"/>
+              </a:defRPr>
+            </a:lvl1pPr>
+            <a:lvl2pPr marL="742950" indent="-285750" algn="l" defTabSz="914400" rtl="0" eaLnBrk="1" latinLnBrk="0" hangingPunct="1">
+              <a:spcBef>
+                <a:spcPct val="20000"/>
+              </a:spcBef>
+              <a:buFont typeface="Arial" pitchFamily="34" charset="0"/>
+              <a:buChar char="–"/>
+              <a:defRPr sz="2800" kern="1200">
+                <a:solidFill>
+                  <a:schemeClr val="tx1"/>
+                </a:solidFill>
+                <a:latin typeface="+mn-lt"/>
+                <a:ea typeface="+mn-ea"/>
+                <a:cs typeface="+mn-cs"/>
+              </a:defRPr>
+            </a:lvl2pPr>
+            <a:lvl3pPr marL="1143000" indent="-228600" algn="l" defTabSz="914400" rtl="0" eaLnBrk="1" latinLnBrk="0" hangingPunct="1">
+              <a:spcBef>
+                <a:spcPct val="20000"/>
+              </a:spcBef>
+              <a:buFont typeface="Arial" pitchFamily="34" charset="0"/>
+              <a:buChar char="•"/>
+              <a:defRPr sz="2400" kern="1200">
+                <a:solidFill>
+                  <a:schemeClr val="tx1"/>
+                </a:solidFill>
+                <a:latin typeface="+mn-lt"/>
+                <a:ea typeface="+mn-ea"/>
+                <a:cs typeface="+mn-cs"/>
+              </a:defRPr>
+            </a:lvl3pPr>
+            <a:lvl4pPr marL="1600200" indent="-228600" algn="l" defTabSz="914400" rtl="0" eaLnBrk="1" latinLnBrk="0" hangingPunct="1">
+              <a:spcBef>
+                <a:spcPct val="20000"/>
+              </a:spcBef>
+              <a:buFont typeface="Arial" pitchFamily="34" charset="0"/>
+              <a:buChar char="–"/>
+              <a:defRPr sz="2000" kern="1200">
+                <a:solidFill>
+                  <a:schemeClr val="tx1"/>
+                </a:solidFill>
+                <a:latin typeface="+mn-lt"/>
+                <a:ea typeface="+mn-ea"/>
+                <a:cs typeface="+mn-cs"/>
+              </a:defRPr>
+            </a:lvl4pPr>
+            <a:lvl5pPr marL="2057400" indent="-228600" algn="l" defTabSz="914400" rtl="0" eaLnBrk="1" latinLnBrk="0" hangingPunct="1">
+              <a:spcBef>
+                <a:spcPct val="20000"/>
+              </a:spcBef>
+              <a:buFont typeface="Arial" pitchFamily="34" charset="0"/>
+              <a:buChar char="»"/>
+              <a:defRPr sz="2000" kern="1200">
+                <a:solidFill>
+                  <a:schemeClr val="tx1"/>
+                </a:solidFill>
+                <a:latin typeface="+mn-lt"/>
+                <a:ea typeface="+mn-ea"/>
+                <a:cs typeface="+mn-cs"/>
+              </a:defRPr>
+            </a:lvl5pPr>
+            <a:lvl6pPr marL="2514600" indent="-228600" algn="l" defTabSz="914400" rtl="0" eaLnBrk="1" latinLnBrk="0" hangingPunct="1">
+              <a:spcBef>
+                <a:spcPct val="20000"/>
+              </a:spcBef>
+              <a:buFont typeface="Arial" pitchFamily="34" charset="0"/>
+              <a:buChar char="•"/>
+              <a:defRPr sz="2000" kern="1200">
+                <a:solidFill>
+                  <a:schemeClr val="tx1"/>
+                </a:solidFill>
+                <a:latin typeface="+mn-lt"/>
+                <a:ea typeface="+mn-ea"/>
+                <a:cs typeface="+mn-cs"/>
+              </a:defRPr>
+            </a:lvl6pPr>
+            <a:lvl7pPr marL="2971800" indent="-228600" algn="l" defTabSz="914400" rtl="0" eaLnBrk="1" latinLnBrk="0" hangingPunct="1">
+              <a:spcBef>
+                <a:spcPct val="20000"/>
+              </a:spcBef>
+              <a:buFont typeface="Arial" pitchFamily="34" charset="0"/>
+              <a:buChar char="•"/>
+              <a:defRPr sz="2000" kern="1200">
+                <a:solidFill>
+                  <a:schemeClr val="tx1"/>
+                </a:solidFill>
+                <a:latin typeface="+mn-lt"/>
+                <a:ea typeface="+mn-ea"/>
+                <a:cs typeface="+mn-cs"/>
+              </a:defRPr>
+            </a:lvl7pPr>
+            <a:lvl8pPr marL="3429000" indent="-228600" algn="l" defTabSz="914400" rtl="0" eaLnBrk="1" latinLnBrk="0" hangingPunct="1">
+              <a:spcBef>
+                <a:spcPct val="20000"/>
+              </a:spcBef>
+              <a:buFont typeface="Arial" pitchFamily="34" charset="0"/>
+              <a:buChar char="•"/>
+              <a:defRPr sz="2000" kern="1200">
+                <a:solidFill>
+                  <a:schemeClr val="tx1"/>
+                </a:solidFill>
+                <a:latin typeface="+mn-lt"/>
+                <a:ea typeface="+mn-ea"/>
+                <a:cs typeface="+mn-cs"/>
+              </a:defRPr>
+            </a:lvl8pPr>
+            <a:lvl9pPr marL="3886200" indent="-228600" algn="l" defTabSz="914400" rtl="0" eaLnBrk="1" latinLnBrk="0" hangingPunct="1">
+              <a:spcBef>
+                <a:spcPct val="20000"/>
+              </a:spcBef>
+              <a:buFont typeface="Arial" pitchFamily="34" charset="0"/>
+              <a:buChar char="•"/>
+              <a:defRPr sz="2000" kern="1200">
+                <a:solidFill>
+                  <a:schemeClr val="tx1"/>
+                </a:solidFill>
+                <a:latin typeface="+mn-lt"/>
+                <a:ea typeface="+mn-ea"/>
+                <a:cs typeface="+mn-cs"/>
+              </a:defRPr>
+            </a:lvl9pPr>
+          </a:lstStyle>
+          <a:p>
+            <a:pPr marL="344488">
+              <a:spcBef>
+                <a:spcPts val="0"/>
+              </a:spcBef>
+              <a:spcAft>
+                <a:spcPts val="600"/>
+              </a:spcAft>
+            </a:pPr>
+            <a:endParaRPr lang="es-ES" sz="2000" dirty="0" smtClean="0">
+              <a:solidFill>
+                <a:schemeClr val="accent1">
+                  <a:lumMod val="60000"/>
+                  <a:lumOff val="40000"/>
+                </a:schemeClr>
+              </a:solidFill>
+            </a:endParaRPr>
+          </a:p>
+        </p:txBody>
+      </p:sp>
+      <p:sp>
+        <p:nvSpPr>
+          <p:cNvPr id="7" name="4 Marcador de contenido"/>
+          <p:cNvSpPr txBox="1">
+            <a:spLocks/>
+          </p:cNvSpPr>
+          <p:nvPr/>
+        </p:nvSpPr>
+        <p:spPr>
+          <a:xfrm>
+            <a:off x="683568" y="1124743"/>
+            <a:ext cx="8003232" cy="5596731"/>
+          </a:xfrm>
+          <a:prstGeom prst="rect">
+            <a:avLst/>
+          </a:prstGeom>
+        </p:spPr>
+        <p:txBody>
+          <a:bodyPr numCol="1">
+            <a:noAutofit/>
+          </a:bodyPr>
+          <a:lstStyle>
+            <a:lvl1pPr marL="342900" indent="-342900" algn="l" defTabSz="914400" rtl="0" eaLnBrk="1" latinLnBrk="0" hangingPunct="1">
+              <a:spcBef>
+                <a:spcPct val="20000"/>
+              </a:spcBef>
+              <a:buFont typeface="Arial" pitchFamily="34" charset="0"/>
+              <a:buChar char="•"/>
+              <a:defRPr sz="3200" kern="1200">
+                <a:solidFill>
+                  <a:schemeClr val="tx1"/>
+                </a:solidFill>
+                <a:latin typeface="+mn-lt"/>
+                <a:ea typeface="+mn-ea"/>
+                <a:cs typeface="+mn-cs"/>
+              </a:defRPr>
+            </a:lvl1pPr>
+            <a:lvl2pPr marL="742950" indent="-285750" algn="l" defTabSz="914400" rtl="0" eaLnBrk="1" latinLnBrk="0" hangingPunct="1">
+              <a:spcBef>
+                <a:spcPct val="20000"/>
+              </a:spcBef>
+              <a:buFont typeface="Arial" pitchFamily="34" charset="0"/>
+              <a:buChar char="–"/>
+              <a:defRPr sz="2800" kern="1200">
+                <a:solidFill>
+                  <a:schemeClr val="tx1"/>
+                </a:solidFill>
+                <a:latin typeface="+mn-lt"/>
+                <a:ea typeface="+mn-ea"/>
+                <a:cs typeface="+mn-cs"/>
+              </a:defRPr>
+            </a:lvl2pPr>
+            <a:lvl3pPr marL="1143000" indent="-228600" algn="l" defTabSz="914400" rtl="0" eaLnBrk="1" latinLnBrk="0" hangingPunct="1">
+              <a:spcBef>
+                <a:spcPct val="20000"/>
+              </a:spcBef>
+              <a:buFont typeface="Arial" pitchFamily="34" charset="0"/>
+              <a:buChar char="•"/>
+              <a:defRPr sz="2400" kern="1200">
+                <a:solidFill>
+                  <a:schemeClr val="tx1"/>
+                </a:solidFill>
+                <a:latin typeface="+mn-lt"/>
+                <a:ea typeface="+mn-ea"/>
+                <a:cs typeface="+mn-cs"/>
+              </a:defRPr>
+            </a:lvl3pPr>
+            <a:lvl4pPr marL="1600200" indent="-228600" algn="l" defTabSz="914400" rtl="0" eaLnBrk="1" latinLnBrk="0" hangingPunct="1">
+              <a:spcBef>
+                <a:spcPct val="20000"/>
+              </a:spcBef>
+              <a:buFont typeface="Arial" pitchFamily="34" charset="0"/>
+              <a:buChar char="–"/>
+              <a:defRPr sz="2000" kern="1200">
+                <a:solidFill>
+                  <a:schemeClr val="tx1"/>
+                </a:solidFill>
+                <a:latin typeface="+mn-lt"/>
+                <a:ea typeface="+mn-ea"/>
+                <a:cs typeface="+mn-cs"/>
+              </a:defRPr>
+            </a:lvl4pPr>
+            <a:lvl5pPr marL="2057400" indent="-228600" algn="l" defTabSz="914400" rtl="0" eaLnBrk="1" latinLnBrk="0" hangingPunct="1">
+              <a:spcBef>
+                <a:spcPct val="20000"/>
+              </a:spcBef>
+              <a:buFont typeface="Arial" pitchFamily="34" charset="0"/>
+              <a:buChar char="»"/>
+              <a:defRPr sz="2000" kern="1200">
+                <a:solidFill>
+                  <a:schemeClr val="tx1"/>
+                </a:solidFill>
+                <a:latin typeface="+mn-lt"/>
+                <a:ea typeface="+mn-ea"/>
+                <a:cs typeface="+mn-cs"/>
+              </a:defRPr>
+            </a:lvl5pPr>
+            <a:lvl6pPr marL="2514600" indent="-228600" algn="l" defTabSz="914400" rtl="0" eaLnBrk="1" latinLnBrk="0" hangingPunct="1">
+              <a:spcBef>
+                <a:spcPct val="20000"/>
+              </a:spcBef>
+              <a:buFont typeface="Arial" pitchFamily="34" charset="0"/>
+              <a:buChar char="•"/>
+              <a:defRPr sz="2000" kern="1200">
+                <a:solidFill>
+                  <a:schemeClr val="tx1"/>
+                </a:solidFill>
+                <a:latin typeface="+mn-lt"/>
+                <a:ea typeface="+mn-ea"/>
+                <a:cs typeface="+mn-cs"/>
+              </a:defRPr>
+            </a:lvl6pPr>
+            <a:lvl7pPr marL="2971800" indent="-228600" algn="l" defTabSz="914400" rtl="0" eaLnBrk="1" latinLnBrk="0" hangingPunct="1">
+              <a:spcBef>
+                <a:spcPct val="20000"/>
+              </a:spcBef>
+              <a:buFont typeface="Arial" pitchFamily="34" charset="0"/>
+              <a:buChar char="•"/>
+              <a:defRPr sz="2000" kern="1200">
+                <a:solidFill>
+                  <a:schemeClr val="tx1"/>
+                </a:solidFill>
+                <a:latin typeface="+mn-lt"/>
+                <a:ea typeface="+mn-ea"/>
+                <a:cs typeface="+mn-cs"/>
+              </a:defRPr>
+            </a:lvl7pPr>
+            <a:lvl8pPr marL="3429000" indent="-228600" algn="l" defTabSz="914400" rtl="0" eaLnBrk="1" latinLnBrk="0" hangingPunct="1">
+              <a:spcBef>
+                <a:spcPct val="20000"/>
+              </a:spcBef>
+              <a:buFont typeface="Arial" pitchFamily="34" charset="0"/>
+              <a:buChar char="•"/>
+              <a:defRPr sz="2000" kern="1200">
+                <a:solidFill>
+                  <a:schemeClr val="tx1"/>
+                </a:solidFill>
+                <a:latin typeface="+mn-lt"/>
+                <a:ea typeface="+mn-ea"/>
+                <a:cs typeface="+mn-cs"/>
+              </a:defRPr>
+            </a:lvl8pPr>
+            <a:lvl9pPr marL="3886200" indent="-228600" algn="l" defTabSz="914400" rtl="0" eaLnBrk="1" latinLnBrk="0" hangingPunct="1">
+              <a:spcBef>
+                <a:spcPct val="20000"/>
+              </a:spcBef>
+              <a:buFont typeface="Arial" pitchFamily="34" charset="0"/>
+              <a:buChar char="•"/>
+              <a:defRPr sz="2000" kern="1200">
+                <a:solidFill>
+                  <a:schemeClr val="tx1"/>
+                </a:solidFill>
+                <a:latin typeface="+mn-lt"/>
+                <a:ea typeface="+mn-ea"/>
+                <a:cs typeface="+mn-cs"/>
+              </a:defRPr>
+            </a:lvl9pPr>
+          </a:lstStyle>
+          <a:p>
+            <a:r>
+              <a:rPr lang="es-ES" sz="2000" dirty="0" smtClean="0">
+                <a:solidFill>
+                  <a:srgbClr val="00B0F0"/>
+                </a:solidFill>
+              </a:rPr>
+              <a:t>ADD</a:t>
+            </a:r>
+            <a:r>
+              <a:rPr lang="es-ES" sz="2000" dirty="0" smtClean="0">
+                <a:solidFill>
+                  <a:schemeClr val="bg1"/>
+                </a:solidFill>
+              </a:rPr>
+              <a:t>: Puedes </a:t>
+            </a:r>
+            <a:r>
+              <a:rPr lang="es-ES" sz="2000" dirty="0">
+                <a:solidFill>
+                  <a:schemeClr val="bg1"/>
+                </a:solidFill>
+              </a:rPr>
+              <a:t>registrar cambios (añadirlos al </a:t>
+            </a:r>
+            <a:r>
+              <a:rPr lang="es-ES" sz="2000" b="1" dirty="0" err="1">
+                <a:solidFill>
+                  <a:schemeClr val="bg1"/>
+                </a:solidFill>
+              </a:rPr>
+              <a:t>Index</a:t>
+            </a:r>
+            <a:r>
+              <a:rPr lang="es-ES" sz="2000" dirty="0">
+                <a:solidFill>
+                  <a:schemeClr val="bg1"/>
+                </a:solidFill>
+              </a:rPr>
+              <a:t>) </a:t>
+            </a:r>
+            <a:r>
+              <a:rPr lang="es-ES" sz="2000" dirty="0" smtClean="0">
+                <a:solidFill>
+                  <a:schemeClr val="bg1"/>
+                </a:solidFill>
+              </a:rPr>
+              <a:t>usando:</a:t>
+            </a:r>
+          </a:p>
+          <a:p>
+            <a:pPr marL="0" indent="0" algn="ctr">
+              <a:buNone/>
+            </a:pPr>
+            <a:r>
+              <a:rPr lang="es-ES" sz="2000" b="1" dirty="0" err="1">
+                <a:solidFill>
+                  <a:schemeClr val="accent1"/>
+                </a:solidFill>
+              </a:rPr>
+              <a:t>git</a:t>
+            </a:r>
+            <a:r>
+              <a:rPr lang="es-ES" sz="2000" b="1" dirty="0">
+                <a:solidFill>
+                  <a:schemeClr val="accent1"/>
+                </a:solidFill>
+              </a:rPr>
+              <a:t> </a:t>
+            </a:r>
+            <a:r>
+              <a:rPr lang="es-ES" sz="2000" b="1" dirty="0" err="1">
+                <a:solidFill>
+                  <a:schemeClr val="accent1"/>
+                </a:solidFill>
+              </a:rPr>
+              <a:t>add</a:t>
+            </a:r>
+            <a:r>
+              <a:rPr lang="es-ES" sz="2000" b="1" dirty="0">
+                <a:solidFill>
+                  <a:schemeClr val="accent1"/>
+                </a:solidFill>
+              </a:rPr>
+              <a:t> &lt;</a:t>
+            </a:r>
+            <a:r>
+              <a:rPr lang="es-ES" sz="2000" b="1" dirty="0" err="1">
+                <a:solidFill>
+                  <a:schemeClr val="accent1"/>
+                </a:solidFill>
+              </a:rPr>
+              <a:t>filename</a:t>
+            </a:r>
+            <a:r>
+              <a:rPr lang="es-ES" sz="2000" b="1" dirty="0">
+                <a:solidFill>
+                  <a:schemeClr val="accent1"/>
+                </a:solidFill>
+              </a:rPr>
+              <a:t>&gt;</a:t>
+            </a:r>
+          </a:p>
+          <a:p>
+            <a:pPr marL="0" indent="0" algn="ctr">
+              <a:buNone/>
+            </a:pPr>
+            <a:r>
+              <a:rPr lang="es-ES" sz="2000" b="1" dirty="0" err="1">
+                <a:solidFill>
+                  <a:schemeClr val="accent1"/>
+                </a:solidFill>
+              </a:rPr>
+              <a:t>git</a:t>
+            </a:r>
+            <a:r>
+              <a:rPr lang="es-ES" sz="2000" b="1" dirty="0">
+                <a:solidFill>
+                  <a:schemeClr val="accent1"/>
+                </a:solidFill>
+              </a:rPr>
+              <a:t> </a:t>
+            </a:r>
+            <a:r>
+              <a:rPr lang="es-ES" sz="2000" b="1" dirty="0" err="1">
+                <a:solidFill>
+                  <a:schemeClr val="accent1"/>
+                </a:solidFill>
+              </a:rPr>
+              <a:t>add</a:t>
+            </a:r>
+            <a:r>
+              <a:rPr lang="es-ES" sz="2000" b="1" dirty="0">
+                <a:solidFill>
+                  <a:schemeClr val="accent1"/>
+                </a:solidFill>
+              </a:rPr>
+              <a:t> </a:t>
+            </a:r>
+            <a:r>
+              <a:rPr lang="es-ES" sz="2000" b="1" dirty="0" smtClean="0">
+                <a:solidFill>
+                  <a:schemeClr val="accent1"/>
+                </a:solidFill>
+              </a:rPr>
+              <a:t>.</a:t>
+            </a:r>
+          </a:p>
+          <a:p>
+            <a:pPr marL="0" indent="0" algn="ctr">
+              <a:buNone/>
+            </a:pPr>
+            <a:endParaRPr lang="es-ES" sz="2000" b="1" dirty="0" smtClean="0">
+              <a:solidFill>
+                <a:schemeClr val="accent1"/>
+              </a:solidFill>
+            </a:endParaRPr>
+          </a:p>
+          <a:p>
+            <a:r>
+              <a:rPr lang="es-ES" sz="2000" dirty="0" smtClean="0">
+                <a:solidFill>
+                  <a:srgbClr val="00B0F0"/>
+                </a:solidFill>
+              </a:rPr>
+              <a:t>COMMIT</a:t>
+            </a:r>
+            <a:r>
+              <a:rPr lang="es-ES" sz="2000" dirty="0" smtClean="0">
+                <a:solidFill>
+                  <a:schemeClr val="bg1"/>
+                </a:solidFill>
+              </a:rPr>
+              <a:t>: </a:t>
+            </a:r>
+            <a:r>
+              <a:rPr lang="es-ES" sz="2000" dirty="0">
+                <a:solidFill>
+                  <a:schemeClr val="bg1"/>
+                </a:solidFill>
+              </a:rPr>
+              <a:t>Puedes </a:t>
+            </a:r>
+            <a:r>
+              <a:rPr lang="es-ES" sz="2000" dirty="0" smtClean="0">
+                <a:solidFill>
+                  <a:schemeClr val="bg1"/>
+                </a:solidFill>
+              </a:rPr>
+              <a:t>hacer </a:t>
+            </a:r>
+            <a:r>
+              <a:rPr lang="es-ES" sz="2000" dirty="0" err="1" smtClean="0">
+                <a:solidFill>
+                  <a:schemeClr val="bg1"/>
+                </a:solidFill>
+              </a:rPr>
+              <a:t>commit</a:t>
+            </a:r>
+            <a:r>
+              <a:rPr lang="es-ES" sz="2000" dirty="0" smtClean="0">
+                <a:solidFill>
+                  <a:schemeClr val="bg1"/>
+                </a:solidFill>
+              </a:rPr>
+              <a:t> (añadirlos </a:t>
+            </a:r>
+            <a:r>
+              <a:rPr lang="es-ES" sz="2000" dirty="0">
+                <a:solidFill>
+                  <a:schemeClr val="bg1"/>
+                </a:solidFill>
+              </a:rPr>
+              <a:t>al </a:t>
+            </a:r>
+            <a:r>
+              <a:rPr lang="es-ES" sz="2000" b="1" dirty="0">
+                <a:solidFill>
+                  <a:schemeClr val="bg1"/>
+                </a:solidFill>
+              </a:rPr>
+              <a:t>HEAD</a:t>
+            </a:r>
+            <a:r>
+              <a:rPr lang="es-ES" sz="2000" dirty="0" smtClean="0">
+                <a:solidFill>
+                  <a:schemeClr val="bg1"/>
+                </a:solidFill>
+              </a:rPr>
+              <a:t>) </a:t>
+            </a:r>
+            <a:r>
+              <a:rPr lang="es-ES" sz="2000" dirty="0">
+                <a:solidFill>
+                  <a:schemeClr val="bg1"/>
+                </a:solidFill>
+              </a:rPr>
+              <a:t>usando:</a:t>
+            </a:r>
+          </a:p>
+          <a:p>
+            <a:pPr marL="0" indent="0" algn="ctr">
+              <a:buNone/>
+            </a:pPr>
+            <a:r>
+              <a:rPr lang="es-ES" sz="2000" b="1" dirty="0" err="1">
+                <a:solidFill>
+                  <a:schemeClr val="accent1"/>
+                </a:solidFill>
+              </a:rPr>
+              <a:t>git</a:t>
+            </a:r>
+            <a:r>
+              <a:rPr lang="es-ES" sz="2000" b="1" dirty="0">
+                <a:solidFill>
+                  <a:schemeClr val="accent1"/>
+                </a:solidFill>
+              </a:rPr>
+              <a:t> </a:t>
+            </a:r>
+            <a:r>
+              <a:rPr lang="es-ES" sz="2000" b="1" dirty="0" err="1">
+                <a:solidFill>
+                  <a:schemeClr val="accent1"/>
+                </a:solidFill>
+              </a:rPr>
+              <a:t>commit</a:t>
+            </a:r>
+            <a:r>
+              <a:rPr lang="es-ES" sz="2000" b="1" dirty="0">
+                <a:solidFill>
+                  <a:schemeClr val="accent1"/>
+                </a:solidFill>
+              </a:rPr>
+              <a:t> -m "</a:t>
+            </a:r>
+            <a:r>
+              <a:rPr lang="es-ES" sz="2000" b="1" dirty="0" err="1">
+                <a:solidFill>
+                  <a:schemeClr val="accent1"/>
+                </a:solidFill>
+              </a:rPr>
+              <a:t>Commit</a:t>
+            </a:r>
+            <a:r>
+              <a:rPr lang="es-ES" sz="2000" b="1" dirty="0">
+                <a:solidFill>
+                  <a:schemeClr val="accent1"/>
+                </a:solidFill>
+              </a:rPr>
+              <a:t> </a:t>
+            </a:r>
+            <a:r>
+              <a:rPr lang="es-ES" sz="2000" b="1" dirty="0" smtClean="0">
+                <a:solidFill>
+                  <a:schemeClr val="accent1"/>
+                </a:solidFill>
+              </a:rPr>
+              <a:t>mensaje“</a:t>
+            </a:r>
+          </a:p>
+          <a:p>
+            <a:pPr marL="0" indent="0" algn="ctr">
+              <a:buNone/>
+            </a:pPr>
+            <a:endParaRPr lang="es-ES" sz="2000" b="1" dirty="0">
+              <a:solidFill>
+                <a:schemeClr val="accent1"/>
+              </a:solidFill>
+            </a:endParaRPr>
+          </a:p>
+          <a:p>
+            <a:r>
+              <a:rPr lang="es-ES" sz="2000" dirty="0" smtClean="0">
+                <a:solidFill>
+                  <a:srgbClr val="00B0F0"/>
+                </a:solidFill>
+              </a:rPr>
+              <a:t>PUSH</a:t>
+            </a:r>
+            <a:r>
+              <a:rPr lang="es-ES" sz="2000" dirty="0" smtClean="0">
+                <a:solidFill>
+                  <a:schemeClr val="bg1"/>
+                </a:solidFill>
+              </a:rPr>
+              <a:t>: Los cambios están ahora en tu copia local. Para enviar los cambios a tu repositorio remoto ejecuta:</a:t>
+            </a:r>
+          </a:p>
+          <a:p>
+            <a:pPr marL="0" indent="0" algn="ctr">
+              <a:buNone/>
+            </a:pPr>
+            <a:r>
+              <a:rPr lang="es-ES" sz="2000" b="1" dirty="0" err="1" smtClean="0">
+                <a:solidFill>
+                  <a:schemeClr val="accent1"/>
+                </a:solidFill>
+              </a:rPr>
+              <a:t>git</a:t>
+            </a:r>
+            <a:r>
+              <a:rPr lang="es-ES" sz="2000" b="1" dirty="0" smtClean="0">
+                <a:solidFill>
+                  <a:schemeClr val="accent1"/>
+                </a:solidFill>
+              </a:rPr>
+              <a:t> </a:t>
+            </a:r>
+            <a:r>
+              <a:rPr lang="es-ES" sz="2000" b="1" dirty="0" err="1" smtClean="0">
+                <a:solidFill>
+                  <a:schemeClr val="accent1"/>
+                </a:solidFill>
+              </a:rPr>
+              <a:t>push</a:t>
+            </a:r>
+            <a:r>
+              <a:rPr lang="es-ES" sz="2000" b="1" dirty="0" smtClean="0">
+                <a:solidFill>
+                  <a:schemeClr val="accent1"/>
+                </a:solidFill>
+              </a:rPr>
+              <a:t> </a:t>
+            </a:r>
+            <a:r>
+              <a:rPr lang="es-ES" sz="2000" b="1" dirty="0" err="1">
+                <a:solidFill>
+                  <a:schemeClr val="accent1"/>
+                </a:solidFill>
+              </a:rPr>
+              <a:t>origin</a:t>
+            </a:r>
+            <a:r>
+              <a:rPr lang="es-ES" sz="2000" b="1" dirty="0">
+                <a:solidFill>
+                  <a:schemeClr val="accent1"/>
+                </a:solidFill>
+              </a:rPr>
+              <a:t> </a:t>
+            </a:r>
+            <a:r>
+              <a:rPr lang="es-ES" sz="2000" b="1" dirty="0" smtClean="0">
+                <a:solidFill>
+                  <a:schemeClr val="accent1"/>
+                </a:solidFill>
+              </a:rPr>
+              <a:t>&lt;</a:t>
+            </a:r>
+            <a:r>
+              <a:rPr lang="es-ES" sz="2000" b="1" dirty="0" err="1" smtClean="0">
+                <a:solidFill>
+                  <a:schemeClr val="accent1"/>
+                </a:solidFill>
+              </a:rPr>
+              <a:t>branch</a:t>
+            </a:r>
+            <a:r>
+              <a:rPr lang="es-ES" sz="2000" b="1" dirty="0" smtClean="0">
+                <a:solidFill>
+                  <a:schemeClr val="accent1"/>
+                </a:solidFill>
+              </a:rPr>
+              <a:t>&gt;</a:t>
+            </a:r>
+          </a:p>
+          <a:p>
+            <a:pPr marL="0" indent="0" algn="ctr">
+              <a:buNone/>
+            </a:pPr>
+            <a:endParaRPr lang="es-ES" sz="2000" b="1" dirty="0" smtClean="0">
+              <a:solidFill>
+                <a:schemeClr val="accent1"/>
+              </a:solidFill>
+            </a:endParaRPr>
+          </a:p>
+          <a:p>
+            <a:r>
+              <a:rPr lang="es-ES" sz="2000" dirty="0" smtClean="0">
+                <a:solidFill>
+                  <a:srgbClr val="00B0F0"/>
+                </a:solidFill>
+              </a:rPr>
+              <a:t>PULL</a:t>
+            </a:r>
+            <a:r>
+              <a:rPr lang="es-ES" sz="2000" dirty="0" smtClean="0">
+                <a:solidFill>
+                  <a:schemeClr val="bg1"/>
+                </a:solidFill>
+              </a:rPr>
+              <a:t>: Actualiza tu directorio local con el contenido de un repositorio:</a:t>
+            </a:r>
+            <a:endParaRPr lang="es-ES" sz="2000" dirty="0">
+              <a:solidFill>
+                <a:schemeClr val="bg1"/>
+              </a:solidFill>
+            </a:endParaRPr>
+          </a:p>
+          <a:p>
+            <a:pPr marL="0" indent="0" algn="ctr">
+              <a:buNone/>
+            </a:pPr>
+            <a:r>
+              <a:rPr lang="es-ES" sz="2000" b="1" dirty="0" err="1">
+                <a:solidFill>
+                  <a:schemeClr val="accent1"/>
+                </a:solidFill>
+              </a:rPr>
+              <a:t>git</a:t>
+            </a:r>
+            <a:r>
+              <a:rPr lang="es-ES" sz="2000" b="1" dirty="0">
+                <a:solidFill>
+                  <a:schemeClr val="accent1"/>
+                </a:solidFill>
+              </a:rPr>
+              <a:t> </a:t>
+            </a:r>
+            <a:r>
+              <a:rPr lang="es-ES" sz="2000" b="1" dirty="0" err="1" smtClean="0">
+                <a:solidFill>
+                  <a:schemeClr val="accent1"/>
+                </a:solidFill>
+              </a:rPr>
+              <a:t>pull</a:t>
+            </a:r>
+            <a:r>
+              <a:rPr lang="es-ES" sz="2000" b="1" dirty="0" smtClean="0">
+                <a:solidFill>
+                  <a:schemeClr val="accent1"/>
+                </a:solidFill>
+              </a:rPr>
+              <a:t> </a:t>
+            </a:r>
+            <a:r>
+              <a:rPr lang="es-ES" sz="2000" b="1" dirty="0" err="1">
+                <a:solidFill>
+                  <a:schemeClr val="accent1"/>
+                </a:solidFill>
+              </a:rPr>
+              <a:t>origin</a:t>
+            </a:r>
+            <a:r>
+              <a:rPr lang="es-ES" sz="2000" b="1" dirty="0">
+                <a:solidFill>
+                  <a:schemeClr val="accent1"/>
+                </a:solidFill>
+              </a:rPr>
+              <a:t> &lt;</a:t>
+            </a:r>
+            <a:r>
+              <a:rPr lang="es-ES" sz="2000" b="1" dirty="0" err="1">
+                <a:solidFill>
+                  <a:schemeClr val="accent1"/>
+                </a:solidFill>
+              </a:rPr>
+              <a:t>branch</a:t>
+            </a:r>
+            <a:r>
+              <a:rPr lang="es-ES" sz="2000" b="1" dirty="0" smtClean="0">
+                <a:solidFill>
+                  <a:schemeClr val="accent1"/>
+                </a:solidFill>
+              </a:rPr>
+              <a:t>&gt;</a:t>
+            </a:r>
+          </a:p>
+          <a:p>
+            <a:pPr marL="0" indent="0" algn="ctr">
+              <a:buNone/>
+            </a:pPr>
+            <a:endParaRPr lang="es-ES" sz="2000" b="1" dirty="0">
+              <a:solidFill>
+                <a:schemeClr val="accent1"/>
+              </a:solidFill>
+            </a:endParaRPr>
+          </a:p>
+          <a:p>
+            <a:pPr marL="0" indent="0">
+              <a:buNone/>
+            </a:pPr>
+            <a:r>
+              <a:rPr lang="es-ES" sz="2000" dirty="0" smtClean="0">
+                <a:solidFill>
+                  <a:schemeClr val="bg1"/>
+                </a:solidFill>
+              </a:rPr>
+              <a:t> </a:t>
+            </a:r>
+            <a:endParaRPr lang="es-ES" sz="2000" dirty="0">
+              <a:solidFill>
+                <a:schemeClr val="bg1"/>
+              </a:solidFill>
+            </a:endParaRPr>
+          </a:p>
+        </p:txBody>
+      </p:sp>
+    </p:spTree>
+    <p:extLst>
+      <p:ext uri="{BB962C8B-B14F-4D97-AF65-F5344CB8AC3E}">
+        <p14:creationId xmlns:p14="http://schemas.microsoft.com/office/powerpoint/2010/main" val="2734402060"/>
+      </p:ext>
+    </p:extLst>
+  </p:cSld>
+  <p:clrMapOvr>
+    <a:masterClrMapping/>
+  </p:clrMapOvr>
+  <p:timing>
+    <p:tnLst>
+      <p:par>
+        <p:cTn id="1" dur="indefinite" restart="never" nodeType="tmRoot"/>
+      </p:par>
+    </p:tnLst>
+  </p:timing>
+</p:sld>
+</file>
+
+<file path=ppt/slides/slide12.xml><?xml version="1.0" encoding="utf-8"?>
+<p:sld xmlns:a="http://schemas.openxmlformats.org/drawingml/2006/main" xmlns:r="http://schemas.openxmlformats.org/officeDocument/2006/relationships" xmlns:p="http://schemas.openxmlformats.org/presentationml/2006/main">
+  <p:cSld>
+    <p:spTree>
+      <p:nvGrpSpPr>
+        <p:cNvPr id="1" name=""/>
+        <p:cNvGrpSpPr/>
+        <p:nvPr/>
+      </p:nvGrpSpPr>
+      <p:grpSpPr>
+        <a:xfrm>
+          <a:off x="0" y="0"/>
+          <a:ext cx="0" cy="0"/>
+          <a:chOff x="0" y="0"/>
+          <a:chExt cx="0" cy="0"/>
+        </a:xfrm>
+      </p:grpSpPr>
+      <p:sp>
+        <p:nvSpPr>
+          <p:cNvPr id="3" name="2 Marcador de texto"/>
+          <p:cNvSpPr>
+            <a:spLocks noGrp="1"/>
+          </p:cNvSpPr>
+          <p:nvPr>
+            <p:ph type="body" sz="quarter" idx="4294967295"/>
+          </p:nvPr>
+        </p:nvSpPr>
+        <p:spPr>
+          <a:xfrm>
+            <a:off x="683568" y="476672"/>
+            <a:ext cx="5832475" cy="504205"/>
+          </a:xfrm>
+          <a:prstGeom prst="rect">
+            <a:avLst/>
+          </a:prstGeom>
+        </p:spPr>
+        <p:txBody>
+          <a:bodyPr>
+            <a:normAutofit fontScale="92500" lnSpcReduction="10000"/>
+          </a:bodyPr>
+          <a:lstStyle/>
+          <a:p>
+            <a:pPr marL="0" indent="0">
+              <a:buNone/>
+            </a:pPr>
+            <a:r>
+              <a:rPr lang="es-ES" b="1" dirty="0" err="1" smtClean="0">
+                <a:solidFill>
+                  <a:srgbClr val="00B0F0"/>
+                </a:solidFill>
+                <a:latin typeface="+mj-lt"/>
+              </a:rPr>
+              <a:t>Git</a:t>
+            </a:r>
+            <a:r>
+              <a:rPr lang="es-ES" b="1" dirty="0" smtClean="0">
+                <a:solidFill>
+                  <a:srgbClr val="00B0F0"/>
+                </a:solidFill>
+                <a:latin typeface="+mj-lt"/>
+              </a:rPr>
+              <a:t>: </a:t>
+            </a:r>
+            <a:r>
+              <a:rPr lang="es-ES" b="1" dirty="0" err="1" smtClean="0">
+                <a:solidFill>
+                  <a:srgbClr val="00B0F0"/>
+                </a:solidFill>
+                <a:latin typeface="+mj-lt"/>
+              </a:rPr>
+              <a:t>Branches</a:t>
+            </a:r>
+            <a:endParaRPr lang="es-ES" b="1" dirty="0">
+              <a:solidFill>
+                <a:srgbClr val="00B0F0"/>
+              </a:solidFill>
+              <a:latin typeface="+mj-lt"/>
+            </a:endParaRPr>
+          </a:p>
+        </p:txBody>
+      </p:sp>
+      <p:sp>
+        <p:nvSpPr>
+          <p:cNvPr id="9" name="1 Marcador de número de diapositiva"/>
+          <p:cNvSpPr txBox="1">
+            <a:spLocks/>
+          </p:cNvSpPr>
+          <p:nvPr/>
+        </p:nvSpPr>
+        <p:spPr>
+          <a:xfrm>
+            <a:off x="7812360" y="6356350"/>
+            <a:ext cx="874440" cy="365125"/>
+          </a:xfrm>
+          <a:prstGeom prst="rect">
+            <a:avLst/>
+          </a:prstGeom>
+        </p:spPr>
+        <p:txBody>
+          <a:bodyPr/>
+          <a:lstStyle>
+            <a:defPPr>
+              <a:defRPr lang="es-ES"/>
+            </a:defPPr>
+            <a:lvl1pPr marL="0" algn="l" defTabSz="914400" rtl="0" eaLnBrk="1" latinLnBrk="0" hangingPunct="1">
+              <a:defRPr sz="1800" kern="1200">
+                <a:solidFill>
+                  <a:schemeClr val="tx1"/>
+                </a:solidFill>
+                <a:latin typeface="+mn-lt"/>
+                <a:ea typeface="+mn-ea"/>
+                <a:cs typeface="+mn-cs"/>
+              </a:defRPr>
+            </a:lvl1pPr>
+            <a:lvl2pPr marL="457200" algn="l" defTabSz="914400" rtl="0" eaLnBrk="1" latinLnBrk="0" hangingPunct="1">
+              <a:defRPr sz="1800" kern="1200">
+                <a:solidFill>
+                  <a:schemeClr val="tx1"/>
+                </a:solidFill>
+                <a:latin typeface="+mn-lt"/>
+                <a:ea typeface="+mn-ea"/>
+                <a:cs typeface="+mn-cs"/>
+              </a:defRPr>
+            </a:lvl2pPr>
+            <a:lvl3pPr marL="914400" algn="l" defTabSz="914400" rtl="0" eaLnBrk="1" latinLnBrk="0" hangingPunct="1">
+              <a:defRPr sz="1800" kern="1200">
+                <a:solidFill>
+                  <a:schemeClr val="tx1"/>
+                </a:solidFill>
+                <a:latin typeface="+mn-lt"/>
+                <a:ea typeface="+mn-ea"/>
+                <a:cs typeface="+mn-cs"/>
+              </a:defRPr>
+            </a:lvl3pPr>
+            <a:lvl4pPr marL="1371600" algn="l" defTabSz="914400" rtl="0" eaLnBrk="1" latinLnBrk="0" hangingPunct="1">
+              <a:defRPr sz="1800" kern="1200">
+                <a:solidFill>
+                  <a:schemeClr val="tx1"/>
+                </a:solidFill>
+                <a:latin typeface="+mn-lt"/>
+                <a:ea typeface="+mn-ea"/>
+                <a:cs typeface="+mn-cs"/>
+              </a:defRPr>
+            </a:lvl4pPr>
+            <a:lvl5pPr marL="1828800" algn="l" defTabSz="914400" rtl="0" eaLnBrk="1" latinLnBrk="0" hangingPunct="1">
+              <a:defRPr sz="1800" kern="1200">
+                <a:solidFill>
+                  <a:schemeClr val="tx1"/>
+                </a:solidFill>
+                <a:latin typeface="+mn-lt"/>
+                <a:ea typeface="+mn-ea"/>
+                <a:cs typeface="+mn-cs"/>
+              </a:defRPr>
+            </a:lvl5pPr>
+            <a:lvl6pPr marL="2286000" algn="l" defTabSz="914400" rtl="0" eaLnBrk="1" latinLnBrk="0" hangingPunct="1">
+              <a:defRPr sz="1800" kern="1200">
+                <a:solidFill>
+                  <a:schemeClr val="tx1"/>
+                </a:solidFill>
+                <a:latin typeface="+mn-lt"/>
+                <a:ea typeface="+mn-ea"/>
+                <a:cs typeface="+mn-cs"/>
+              </a:defRPr>
+            </a:lvl6pPr>
+            <a:lvl7pPr marL="2743200" algn="l" defTabSz="914400" rtl="0" eaLnBrk="1" latinLnBrk="0" hangingPunct="1">
+              <a:defRPr sz="1800" kern="1200">
+                <a:solidFill>
+                  <a:schemeClr val="tx1"/>
+                </a:solidFill>
+                <a:latin typeface="+mn-lt"/>
+                <a:ea typeface="+mn-ea"/>
+                <a:cs typeface="+mn-cs"/>
+              </a:defRPr>
+            </a:lvl7pPr>
+            <a:lvl8pPr marL="3200400" algn="l" defTabSz="914400" rtl="0" eaLnBrk="1" latinLnBrk="0" hangingPunct="1">
+              <a:defRPr sz="1800" kern="1200">
+                <a:solidFill>
+                  <a:schemeClr val="tx1"/>
+                </a:solidFill>
+                <a:latin typeface="+mn-lt"/>
+                <a:ea typeface="+mn-ea"/>
+                <a:cs typeface="+mn-cs"/>
+              </a:defRPr>
+            </a:lvl8pPr>
+            <a:lvl9pPr marL="3657600" algn="l" defTabSz="914400" rtl="0" eaLnBrk="1" latinLnBrk="0" hangingPunct="1">
+              <a:defRPr sz="1800" kern="1200">
+                <a:solidFill>
+                  <a:schemeClr val="tx1"/>
+                </a:solidFill>
+                <a:latin typeface="+mn-lt"/>
+                <a:ea typeface="+mn-ea"/>
+                <a:cs typeface="+mn-cs"/>
+              </a:defRPr>
+            </a:lvl9pPr>
+          </a:lstStyle>
+          <a:p>
+            <a:pPr algn="r"/>
+            <a:fld id="{ACFAEEE9-AD6A-4121-B8FF-B12D6A452F01}" type="slidenum">
+              <a:rPr lang="es-ES" smtClean="0">
+                <a:solidFill>
+                  <a:schemeClr val="bg1"/>
+                </a:solidFill>
+              </a:rPr>
+              <a:pPr algn="r"/>
+              <a:t>12</a:t>
             </a:fld>
             <a:endParaRPr lang="es-ES" dirty="0">
               <a:solidFill>
@@ -9190,1021 +8936,6 @@
 </p:sld>
 </file>
 
-<file path=ppt/slides/slide12.xml><?xml version="1.0" encoding="utf-8"?>
-<p:sld xmlns:a="http://schemas.openxmlformats.org/drawingml/2006/main" xmlns:r="http://schemas.openxmlformats.org/officeDocument/2006/relationships" xmlns:p="http://schemas.openxmlformats.org/presentationml/2006/main">
-  <p:cSld>
-    <p:spTree>
-      <p:nvGrpSpPr>
-        <p:cNvPr id="1" name=""/>
-        <p:cNvGrpSpPr/>
-        <p:nvPr/>
-      </p:nvGrpSpPr>
-      <p:grpSpPr>
-        <a:xfrm>
-          <a:off x="0" y="0"/>
-          <a:ext cx="0" cy="0"/>
-          <a:chOff x="0" y="0"/>
-          <a:chExt cx="0" cy="0"/>
-        </a:xfrm>
-      </p:grpSpPr>
-      <p:sp>
-        <p:nvSpPr>
-          <p:cNvPr id="3" name="2 Marcador de texto"/>
-          <p:cNvSpPr>
-            <a:spLocks noGrp="1"/>
-          </p:cNvSpPr>
-          <p:nvPr>
-            <p:ph type="body" sz="quarter" idx="4294967295"/>
-          </p:nvPr>
-        </p:nvSpPr>
-        <p:spPr>
-          <a:xfrm>
-            <a:off x="683568" y="476672"/>
-            <a:ext cx="5832475" cy="504205"/>
-          </a:xfrm>
-          <a:prstGeom prst="rect">
-            <a:avLst/>
-          </a:prstGeom>
-        </p:spPr>
-        <p:txBody>
-          <a:bodyPr>
-            <a:normAutofit fontScale="92500" lnSpcReduction="10000"/>
-          </a:bodyPr>
-          <a:lstStyle/>
-          <a:p>
-            <a:pPr marL="0" indent="0">
-              <a:buNone/>
-            </a:pPr>
-            <a:r>
-              <a:rPr lang="es-ES" b="1" dirty="0" err="1" smtClean="0">
-                <a:solidFill>
-                  <a:srgbClr val="00B0F0"/>
-                </a:solidFill>
-                <a:latin typeface="+mj-lt"/>
-              </a:rPr>
-              <a:t>Git</a:t>
-            </a:r>
-            <a:r>
-              <a:rPr lang="es-ES" b="1" dirty="0" smtClean="0">
-                <a:solidFill>
-                  <a:srgbClr val="00B0F0"/>
-                </a:solidFill>
-                <a:latin typeface="+mj-lt"/>
-              </a:rPr>
-              <a:t>: </a:t>
-            </a:r>
-            <a:r>
-              <a:rPr lang="es-ES" b="1" dirty="0" err="1" smtClean="0">
-                <a:solidFill>
-                  <a:srgbClr val="00B0F0"/>
-                </a:solidFill>
-                <a:latin typeface="+mj-lt"/>
-              </a:rPr>
-              <a:t>Branches</a:t>
-            </a:r>
-            <a:endParaRPr lang="es-ES" b="1" dirty="0">
-              <a:solidFill>
-                <a:srgbClr val="00B0F0"/>
-              </a:solidFill>
-              <a:latin typeface="+mj-lt"/>
-            </a:endParaRPr>
-          </a:p>
-        </p:txBody>
-      </p:sp>
-      <p:sp>
-        <p:nvSpPr>
-          <p:cNvPr id="9" name="1 Marcador de número de diapositiva"/>
-          <p:cNvSpPr txBox="1">
-            <a:spLocks/>
-          </p:cNvSpPr>
-          <p:nvPr/>
-        </p:nvSpPr>
-        <p:spPr>
-          <a:xfrm>
-            <a:off x="7812360" y="6356350"/>
-            <a:ext cx="874440" cy="365125"/>
-          </a:xfrm>
-          <a:prstGeom prst="rect">
-            <a:avLst/>
-          </a:prstGeom>
-        </p:spPr>
-        <p:txBody>
-          <a:bodyPr/>
-          <a:lstStyle>
-            <a:defPPr>
-              <a:defRPr lang="es-ES"/>
-            </a:defPPr>
-            <a:lvl1pPr marL="0" algn="l" defTabSz="914400" rtl="0" eaLnBrk="1" latinLnBrk="0" hangingPunct="1">
-              <a:defRPr sz="1800" kern="1200">
-                <a:solidFill>
-                  <a:schemeClr val="tx1"/>
-                </a:solidFill>
-                <a:latin typeface="+mn-lt"/>
-                <a:ea typeface="+mn-ea"/>
-                <a:cs typeface="+mn-cs"/>
-              </a:defRPr>
-            </a:lvl1pPr>
-            <a:lvl2pPr marL="457200" algn="l" defTabSz="914400" rtl="0" eaLnBrk="1" latinLnBrk="0" hangingPunct="1">
-              <a:defRPr sz="1800" kern="1200">
-                <a:solidFill>
-                  <a:schemeClr val="tx1"/>
-                </a:solidFill>
-                <a:latin typeface="+mn-lt"/>
-                <a:ea typeface="+mn-ea"/>
-                <a:cs typeface="+mn-cs"/>
-              </a:defRPr>
-            </a:lvl2pPr>
-            <a:lvl3pPr marL="914400" algn="l" defTabSz="914400" rtl="0" eaLnBrk="1" latinLnBrk="0" hangingPunct="1">
-              <a:defRPr sz="1800" kern="1200">
-                <a:solidFill>
-                  <a:schemeClr val="tx1"/>
-                </a:solidFill>
-                <a:latin typeface="+mn-lt"/>
-                <a:ea typeface="+mn-ea"/>
-                <a:cs typeface="+mn-cs"/>
-              </a:defRPr>
-            </a:lvl3pPr>
-            <a:lvl4pPr marL="1371600" algn="l" defTabSz="914400" rtl="0" eaLnBrk="1" latinLnBrk="0" hangingPunct="1">
-              <a:defRPr sz="1800" kern="1200">
-                <a:solidFill>
-                  <a:schemeClr val="tx1"/>
-                </a:solidFill>
-                <a:latin typeface="+mn-lt"/>
-                <a:ea typeface="+mn-ea"/>
-                <a:cs typeface="+mn-cs"/>
-              </a:defRPr>
-            </a:lvl4pPr>
-            <a:lvl5pPr marL="1828800" algn="l" defTabSz="914400" rtl="0" eaLnBrk="1" latinLnBrk="0" hangingPunct="1">
-              <a:defRPr sz="1800" kern="1200">
-                <a:solidFill>
-                  <a:schemeClr val="tx1"/>
-                </a:solidFill>
-                <a:latin typeface="+mn-lt"/>
-                <a:ea typeface="+mn-ea"/>
-                <a:cs typeface="+mn-cs"/>
-              </a:defRPr>
-            </a:lvl5pPr>
-            <a:lvl6pPr marL="2286000" algn="l" defTabSz="914400" rtl="0" eaLnBrk="1" latinLnBrk="0" hangingPunct="1">
-              <a:defRPr sz="1800" kern="1200">
-                <a:solidFill>
-                  <a:schemeClr val="tx1"/>
-                </a:solidFill>
-                <a:latin typeface="+mn-lt"/>
-                <a:ea typeface="+mn-ea"/>
-                <a:cs typeface="+mn-cs"/>
-              </a:defRPr>
-            </a:lvl6pPr>
-            <a:lvl7pPr marL="2743200" algn="l" defTabSz="914400" rtl="0" eaLnBrk="1" latinLnBrk="0" hangingPunct="1">
-              <a:defRPr sz="1800" kern="1200">
-                <a:solidFill>
-                  <a:schemeClr val="tx1"/>
-                </a:solidFill>
-                <a:latin typeface="+mn-lt"/>
-                <a:ea typeface="+mn-ea"/>
-                <a:cs typeface="+mn-cs"/>
-              </a:defRPr>
-            </a:lvl7pPr>
-            <a:lvl8pPr marL="3200400" algn="l" defTabSz="914400" rtl="0" eaLnBrk="1" latinLnBrk="0" hangingPunct="1">
-              <a:defRPr sz="1800" kern="1200">
-                <a:solidFill>
-                  <a:schemeClr val="tx1"/>
-                </a:solidFill>
-                <a:latin typeface="+mn-lt"/>
-                <a:ea typeface="+mn-ea"/>
-                <a:cs typeface="+mn-cs"/>
-              </a:defRPr>
-            </a:lvl8pPr>
-            <a:lvl9pPr marL="3657600" algn="l" defTabSz="914400" rtl="0" eaLnBrk="1" latinLnBrk="0" hangingPunct="1">
-              <a:defRPr sz="1800" kern="1200">
-                <a:solidFill>
-                  <a:schemeClr val="tx1"/>
-                </a:solidFill>
-                <a:latin typeface="+mn-lt"/>
-                <a:ea typeface="+mn-ea"/>
-                <a:cs typeface="+mn-cs"/>
-              </a:defRPr>
-            </a:lvl9pPr>
-          </a:lstStyle>
-          <a:p>
-            <a:pPr algn="r"/>
-            <a:fld id="{ACFAEEE9-AD6A-4121-B8FF-B12D6A452F01}" type="slidenum">
-              <a:rPr lang="es-ES" smtClean="0">
-                <a:solidFill>
-                  <a:schemeClr val="bg1"/>
-                </a:solidFill>
-              </a:rPr>
-              <a:pPr algn="r"/>
-              <a:t>12</a:t>
-            </a:fld>
-            <a:endParaRPr lang="es-ES" dirty="0">
-              <a:solidFill>
-                <a:schemeClr val="bg1"/>
-              </a:solidFill>
-            </a:endParaRPr>
-          </a:p>
-        </p:txBody>
-      </p:sp>
-      <p:sp>
-        <p:nvSpPr>
-          <p:cNvPr id="10" name="4 Marcador de contenido"/>
-          <p:cNvSpPr txBox="1">
-            <a:spLocks/>
-          </p:cNvSpPr>
-          <p:nvPr/>
-        </p:nvSpPr>
-        <p:spPr>
-          <a:xfrm>
-            <a:off x="683568" y="1282651"/>
-            <a:ext cx="8003232" cy="4176464"/>
-          </a:xfrm>
-          <a:prstGeom prst="rect">
-            <a:avLst/>
-          </a:prstGeom>
-        </p:spPr>
-        <p:txBody>
-          <a:bodyPr numCol="1">
-            <a:noAutofit/>
-          </a:bodyPr>
-          <a:lstStyle>
-            <a:lvl1pPr marL="342900" indent="-342900" algn="l" defTabSz="914400" rtl="0" eaLnBrk="1" latinLnBrk="0" hangingPunct="1">
-              <a:spcBef>
-                <a:spcPct val="20000"/>
-              </a:spcBef>
-              <a:buFont typeface="Arial" pitchFamily="34" charset="0"/>
-              <a:buChar char="•"/>
-              <a:defRPr sz="3200" kern="1200">
-                <a:solidFill>
-                  <a:schemeClr val="tx1"/>
-                </a:solidFill>
-                <a:latin typeface="+mn-lt"/>
-                <a:ea typeface="+mn-ea"/>
-                <a:cs typeface="+mn-cs"/>
-              </a:defRPr>
-            </a:lvl1pPr>
-            <a:lvl2pPr marL="742950" indent="-285750" algn="l" defTabSz="914400" rtl="0" eaLnBrk="1" latinLnBrk="0" hangingPunct="1">
-              <a:spcBef>
-                <a:spcPct val="20000"/>
-              </a:spcBef>
-              <a:buFont typeface="Arial" pitchFamily="34" charset="0"/>
-              <a:buChar char="–"/>
-              <a:defRPr sz="2800" kern="1200">
-                <a:solidFill>
-                  <a:schemeClr val="tx1"/>
-                </a:solidFill>
-                <a:latin typeface="+mn-lt"/>
-                <a:ea typeface="+mn-ea"/>
-                <a:cs typeface="+mn-cs"/>
-              </a:defRPr>
-            </a:lvl2pPr>
-            <a:lvl3pPr marL="1143000" indent="-228600" algn="l" defTabSz="914400" rtl="0" eaLnBrk="1" latinLnBrk="0" hangingPunct="1">
-              <a:spcBef>
-                <a:spcPct val="20000"/>
-              </a:spcBef>
-              <a:buFont typeface="Arial" pitchFamily="34" charset="0"/>
-              <a:buChar char="•"/>
-              <a:defRPr sz="2400" kern="1200">
-                <a:solidFill>
-                  <a:schemeClr val="tx1"/>
-                </a:solidFill>
-                <a:latin typeface="+mn-lt"/>
-                <a:ea typeface="+mn-ea"/>
-                <a:cs typeface="+mn-cs"/>
-              </a:defRPr>
-            </a:lvl3pPr>
-            <a:lvl4pPr marL="1600200" indent="-228600" algn="l" defTabSz="914400" rtl="0" eaLnBrk="1" latinLnBrk="0" hangingPunct="1">
-              <a:spcBef>
-                <a:spcPct val="20000"/>
-              </a:spcBef>
-              <a:buFont typeface="Arial" pitchFamily="34" charset="0"/>
-              <a:buChar char="–"/>
-              <a:defRPr sz="2000" kern="1200">
-                <a:solidFill>
-                  <a:schemeClr val="tx1"/>
-                </a:solidFill>
-                <a:latin typeface="+mn-lt"/>
-                <a:ea typeface="+mn-ea"/>
-                <a:cs typeface="+mn-cs"/>
-              </a:defRPr>
-            </a:lvl4pPr>
-            <a:lvl5pPr marL="2057400" indent="-228600" algn="l" defTabSz="914400" rtl="0" eaLnBrk="1" latinLnBrk="0" hangingPunct="1">
-              <a:spcBef>
-                <a:spcPct val="20000"/>
-              </a:spcBef>
-              <a:buFont typeface="Arial" pitchFamily="34" charset="0"/>
-              <a:buChar char="»"/>
-              <a:defRPr sz="2000" kern="1200">
-                <a:solidFill>
-                  <a:schemeClr val="tx1"/>
-                </a:solidFill>
-                <a:latin typeface="+mn-lt"/>
-                <a:ea typeface="+mn-ea"/>
-                <a:cs typeface="+mn-cs"/>
-              </a:defRPr>
-            </a:lvl5pPr>
-            <a:lvl6pPr marL="2514600" indent="-228600" algn="l" defTabSz="914400" rtl="0" eaLnBrk="1" latinLnBrk="0" hangingPunct="1">
-              <a:spcBef>
-                <a:spcPct val="20000"/>
-              </a:spcBef>
-              <a:buFont typeface="Arial" pitchFamily="34" charset="0"/>
-              <a:buChar char="•"/>
-              <a:defRPr sz="2000" kern="1200">
-                <a:solidFill>
-                  <a:schemeClr val="tx1"/>
-                </a:solidFill>
-                <a:latin typeface="+mn-lt"/>
-                <a:ea typeface="+mn-ea"/>
-                <a:cs typeface="+mn-cs"/>
-              </a:defRPr>
-            </a:lvl6pPr>
-            <a:lvl7pPr marL="2971800" indent="-228600" algn="l" defTabSz="914400" rtl="0" eaLnBrk="1" latinLnBrk="0" hangingPunct="1">
-              <a:spcBef>
-                <a:spcPct val="20000"/>
-              </a:spcBef>
-              <a:buFont typeface="Arial" pitchFamily="34" charset="0"/>
-              <a:buChar char="•"/>
-              <a:defRPr sz="2000" kern="1200">
-                <a:solidFill>
-                  <a:schemeClr val="tx1"/>
-                </a:solidFill>
-                <a:latin typeface="+mn-lt"/>
-                <a:ea typeface="+mn-ea"/>
-                <a:cs typeface="+mn-cs"/>
-              </a:defRPr>
-            </a:lvl7pPr>
-            <a:lvl8pPr marL="3429000" indent="-228600" algn="l" defTabSz="914400" rtl="0" eaLnBrk="1" latinLnBrk="0" hangingPunct="1">
-              <a:spcBef>
-                <a:spcPct val="20000"/>
-              </a:spcBef>
-              <a:buFont typeface="Arial" pitchFamily="34" charset="0"/>
-              <a:buChar char="•"/>
-              <a:defRPr sz="2000" kern="1200">
-                <a:solidFill>
-                  <a:schemeClr val="tx1"/>
-                </a:solidFill>
-                <a:latin typeface="+mn-lt"/>
-                <a:ea typeface="+mn-ea"/>
-                <a:cs typeface="+mn-cs"/>
-              </a:defRPr>
-            </a:lvl8pPr>
-            <a:lvl9pPr marL="3886200" indent="-228600" algn="l" defTabSz="914400" rtl="0" eaLnBrk="1" latinLnBrk="0" hangingPunct="1">
-              <a:spcBef>
-                <a:spcPct val="20000"/>
-              </a:spcBef>
-              <a:buFont typeface="Arial" pitchFamily="34" charset="0"/>
-              <a:buChar char="•"/>
-              <a:defRPr sz="2000" kern="1200">
-                <a:solidFill>
-                  <a:schemeClr val="tx1"/>
-                </a:solidFill>
-                <a:latin typeface="+mn-lt"/>
-                <a:ea typeface="+mn-ea"/>
-                <a:cs typeface="+mn-cs"/>
-              </a:defRPr>
-            </a:lvl9pPr>
-          </a:lstStyle>
-          <a:p>
-            <a:pPr marL="344488">
-              <a:spcBef>
-                <a:spcPts val="0"/>
-              </a:spcBef>
-              <a:spcAft>
-                <a:spcPts val="600"/>
-              </a:spcAft>
-            </a:pPr>
-            <a:endParaRPr lang="es-ES" sz="2000" dirty="0" smtClean="0">
-              <a:solidFill>
-                <a:schemeClr val="accent1">
-                  <a:lumMod val="60000"/>
-                  <a:lumOff val="40000"/>
-                </a:schemeClr>
-              </a:solidFill>
-            </a:endParaRPr>
-          </a:p>
-        </p:txBody>
-      </p:sp>
-      <p:sp>
-        <p:nvSpPr>
-          <p:cNvPr id="7" name="4 Marcador de contenido"/>
-          <p:cNvSpPr txBox="1">
-            <a:spLocks/>
-          </p:cNvSpPr>
-          <p:nvPr/>
-        </p:nvSpPr>
-        <p:spPr>
-          <a:xfrm>
-            <a:off x="683568" y="1124743"/>
-            <a:ext cx="8003232" cy="5596731"/>
-          </a:xfrm>
-          <a:prstGeom prst="rect">
-            <a:avLst/>
-          </a:prstGeom>
-        </p:spPr>
-        <p:txBody>
-          <a:bodyPr numCol="1">
-            <a:noAutofit/>
-          </a:bodyPr>
-          <a:lstStyle>
-            <a:lvl1pPr marL="342900" indent="-342900" algn="l" defTabSz="914400" rtl="0" eaLnBrk="1" latinLnBrk="0" hangingPunct="1">
-              <a:spcBef>
-                <a:spcPct val="20000"/>
-              </a:spcBef>
-              <a:buFont typeface="Arial" pitchFamily="34" charset="0"/>
-              <a:buChar char="•"/>
-              <a:defRPr sz="3200" kern="1200">
-                <a:solidFill>
-                  <a:schemeClr val="tx1"/>
-                </a:solidFill>
-                <a:latin typeface="+mn-lt"/>
-                <a:ea typeface="+mn-ea"/>
-                <a:cs typeface="+mn-cs"/>
-              </a:defRPr>
-            </a:lvl1pPr>
-            <a:lvl2pPr marL="742950" indent="-285750" algn="l" defTabSz="914400" rtl="0" eaLnBrk="1" latinLnBrk="0" hangingPunct="1">
-              <a:spcBef>
-                <a:spcPct val="20000"/>
-              </a:spcBef>
-              <a:buFont typeface="Arial" pitchFamily="34" charset="0"/>
-              <a:buChar char="–"/>
-              <a:defRPr sz="2800" kern="1200">
-                <a:solidFill>
-                  <a:schemeClr val="tx1"/>
-                </a:solidFill>
-                <a:latin typeface="+mn-lt"/>
-                <a:ea typeface="+mn-ea"/>
-                <a:cs typeface="+mn-cs"/>
-              </a:defRPr>
-            </a:lvl2pPr>
-            <a:lvl3pPr marL="1143000" indent="-228600" algn="l" defTabSz="914400" rtl="0" eaLnBrk="1" latinLnBrk="0" hangingPunct="1">
-              <a:spcBef>
-                <a:spcPct val="20000"/>
-              </a:spcBef>
-              <a:buFont typeface="Arial" pitchFamily="34" charset="0"/>
-              <a:buChar char="•"/>
-              <a:defRPr sz="2400" kern="1200">
-                <a:solidFill>
-                  <a:schemeClr val="tx1"/>
-                </a:solidFill>
-                <a:latin typeface="+mn-lt"/>
-                <a:ea typeface="+mn-ea"/>
-                <a:cs typeface="+mn-cs"/>
-              </a:defRPr>
-            </a:lvl3pPr>
-            <a:lvl4pPr marL="1600200" indent="-228600" algn="l" defTabSz="914400" rtl="0" eaLnBrk="1" latinLnBrk="0" hangingPunct="1">
-              <a:spcBef>
-                <a:spcPct val="20000"/>
-              </a:spcBef>
-              <a:buFont typeface="Arial" pitchFamily="34" charset="0"/>
-              <a:buChar char="–"/>
-              <a:defRPr sz="2000" kern="1200">
-                <a:solidFill>
-                  <a:schemeClr val="tx1"/>
-                </a:solidFill>
-                <a:latin typeface="+mn-lt"/>
-                <a:ea typeface="+mn-ea"/>
-                <a:cs typeface="+mn-cs"/>
-              </a:defRPr>
-            </a:lvl4pPr>
-            <a:lvl5pPr marL="2057400" indent="-228600" algn="l" defTabSz="914400" rtl="0" eaLnBrk="1" latinLnBrk="0" hangingPunct="1">
-              <a:spcBef>
-                <a:spcPct val="20000"/>
-              </a:spcBef>
-              <a:buFont typeface="Arial" pitchFamily="34" charset="0"/>
-              <a:buChar char="»"/>
-              <a:defRPr sz="2000" kern="1200">
-                <a:solidFill>
-                  <a:schemeClr val="tx1"/>
-                </a:solidFill>
-                <a:latin typeface="+mn-lt"/>
-                <a:ea typeface="+mn-ea"/>
-                <a:cs typeface="+mn-cs"/>
-              </a:defRPr>
-            </a:lvl5pPr>
-            <a:lvl6pPr marL="2514600" indent="-228600" algn="l" defTabSz="914400" rtl="0" eaLnBrk="1" latinLnBrk="0" hangingPunct="1">
-              <a:spcBef>
-                <a:spcPct val="20000"/>
-              </a:spcBef>
-              <a:buFont typeface="Arial" pitchFamily="34" charset="0"/>
-              <a:buChar char="•"/>
-              <a:defRPr sz="2000" kern="1200">
-                <a:solidFill>
-                  <a:schemeClr val="tx1"/>
-                </a:solidFill>
-                <a:latin typeface="+mn-lt"/>
-                <a:ea typeface="+mn-ea"/>
-                <a:cs typeface="+mn-cs"/>
-              </a:defRPr>
-            </a:lvl6pPr>
-            <a:lvl7pPr marL="2971800" indent="-228600" algn="l" defTabSz="914400" rtl="0" eaLnBrk="1" latinLnBrk="0" hangingPunct="1">
-              <a:spcBef>
-                <a:spcPct val="20000"/>
-              </a:spcBef>
-              <a:buFont typeface="Arial" pitchFamily="34" charset="0"/>
-              <a:buChar char="•"/>
-              <a:defRPr sz="2000" kern="1200">
-                <a:solidFill>
-                  <a:schemeClr val="tx1"/>
-                </a:solidFill>
-                <a:latin typeface="+mn-lt"/>
-                <a:ea typeface="+mn-ea"/>
-                <a:cs typeface="+mn-cs"/>
-              </a:defRPr>
-            </a:lvl7pPr>
-            <a:lvl8pPr marL="3429000" indent="-228600" algn="l" defTabSz="914400" rtl="0" eaLnBrk="1" latinLnBrk="0" hangingPunct="1">
-              <a:spcBef>
-                <a:spcPct val="20000"/>
-              </a:spcBef>
-              <a:buFont typeface="Arial" pitchFamily="34" charset="0"/>
-              <a:buChar char="•"/>
-              <a:defRPr sz="2000" kern="1200">
-                <a:solidFill>
-                  <a:schemeClr val="tx1"/>
-                </a:solidFill>
-                <a:latin typeface="+mn-lt"/>
-                <a:ea typeface="+mn-ea"/>
-                <a:cs typeface="+mn-cs"/>
-              </a:defRPr>
-            </a:lvl8pPr>
-            <a:lvl9pPr marL="3886200" indent="-228600" algn="l" defTabSz="914400" rtl="0" eaLnBrk="1" latinLnBrk="0" hangingPunct="1">
-              <a:spcBef>
-                <a:spcPct val="20000"/>
-              </a:spcBef>
-              <a:buFont typeface="Arial" pitchFamily="34" charset="0"/>
-              <a:buChar char="•"/>
-              <a:defRPr sz="2000" kern="1200">
-                <a:solidFill>
-                  <a:schemeClr val="tx1"/>
-                </a:solidFill>
-                <a:latin typeface="+mn-lt"/>
-                <a:ea typeface="+mn-ea"/>
-                <a:cs typeface="+mn-cs"/>
-              </a:defRPr>
-            </a:lvl9pPr>
-          </a:lstStyle>
-          <a:p>
-            <a:endParaRPr lang="es-ES" sz="2000" b="1" dirty="0" smtClean="0">
-              <a:solidFill>
-                <a:schemeClr val="bg1"/>
-              </a:solidFill>
-            </a:endParaRPr>
-          </a:p>
-          <a:p>
-            <a:endParaRPr lang="es-ES" sz="2000" b="1" dirty="0">
-              <a:solidFill>
-                <a:schemeClr val="bg1"/>
-              </a:solidFill>
-            </a:endParaRPr>
-          </a:p>
-          <a:p>
-            <a:r>
-              <a:rPr lang="es-ES" sz="2000" b="1" dirty="0" smtClean="0">
-                <a:solidFill>
-                  <a:schemeClr val="bg1"/>
-                </a:solidFill>
-              </a:rPr>
-              <a:t>Crear ramas: </a:t>
-            </a:r>
-            <a:r>
-              <a:rPr lang="es-ES" sz="2000" dirty="0">
-                <a:solidFill>
-                  <a:schemeClr val="bg1"/>
-                </a:solidFill>
-              </a:rPr>
-              <a:t>Crea una nueva rama llamada "</a:t>
-            </a:r>
-            <a:r>
-              <a:rPr lang="es-ES" sz="2000" dirty="0" err="1">
-                <a:solidFill>
-                  <a:schemeClr val="bg1"/>
-                </a:solidFill>
-              </a:rPr>
-              <a:t>feature_x</a:t>
-            </a:r>
-            <a:r>
-              <a:rPr lang="es-ES" sz="2000" dirty="0">
-                <a:solidFill>
-                  <a:schemeClr val="bg1"/>
-                </a:solidFill>
-              </a:rPr>
-              <a:t>" y cámbiate a ella </a:t>
-            </a:r>
-            <a:r>
-              <a:rPr lang="es-ES" sz="2000" dirty="0" smtClean="0">
-                <a:solidFill>
-                  <a:schemeClr val="bg1"/>
-                </a:solidFill>
-              </a:rPr>
-              <a:t>usando:</a:t>
-            </a:r>
-          </a:p>
-          <a:p>
-            <a:pPr marL="0" indent="0" algn="ctr">
-              <a:buNone/>
-            </a:pPr>
-            <a:r>
-              <a:rPr lang="es-ES" sz="2000" dirty="0" err="1">
-                <a:solidFill>
-                  <a:schemeClr val="accent1"/>
-                </a:solidFill>
-              </a:rPr>
-              <a:t>git</a:t>
-            </a:r>
-            <a:r>
-              <a:rPr lang="es-ES" sz="2000" dirty="0">
-                <a:solidFill>
-                  <a:schemeClr val="accent1"/>
-                </a:solidFill>
-              </a:rPr>
-              <a:t> </a:t>
-            </a:r>
-            <a:r>
-              <a:rPr lang="es-ES" sz="2000" dirty="0" err="1">
-                <a:solidFill>
-                  <a:schemeClr val="accent1"/>
-                </a:solidFill>
-              </a:rPr>
-              <a:t>checkout</a:t>
-            </a:r>
-            <a:r>
-              <a:rPr lang="es-ES" sz="2000" dirty="0">
-                <a:solidFill>
-                  <a:schemeClr val="accent1"/>
-                </a:solidFill>
-              </a:rPr>
-              <a:t> -b </a:t>
-            </a:r>
-            <a:r>
-              <a:rPr lang="es-ES" sz="2000" dirty="0" err="1" smtClean="0">
-                <a:solidFill>
-                  <a:schemeClr val="accent1"/>
-                </a:solidFill>
-              </a:rPr>
-              <a:t>feature_x</a:t>
-            </a:r>
-            <a:endParaRPr lang="es-ES" sz="2000" dirty="0" smtClean="0">
-              <a:solidFill>
-                <a:schemeClr val="accent1"/>
-              </a:solidFill>
-            </a:endParaRPr>
-          </a:p>
-          <a:p>
-            <a:pPr marL="0" indent="0" algn="ctr">
-              <a:buNone/>
-            </a:pPr>
-            <a:endParaRPr lang="es-ES" sz="2000" dirty="0" smtClean="0">
-              <a:solidFill>
-                <a:schemeClr val="accent1"/>
-              </a:solidFill>
-            </a:endParaRPr>
-          </a:p>
-          <a:p>
-            <a:r>
-              <a:rPr lang="es-ES" sz="2000" b="1" dirty="0" smtClean="0">
-                <a:solidFill>
-                  <a:schemeClr val="bg1"/>
-                </a:solidFill>
-              </a:rPr>
-              <a:t>Cambiar de ramas</a:t>
-            </a:r>
-            <a:r>
-              <a:rPr lang="es-ES" sz="2000" b="1" dirty="0">
-                <a:solidFill>
-                  <a:schemeClr val="bg1"/>
-                </a:solidFill>
-              </a:rPr>
-              <a:t>: </a:t>
-            </a:r>
-            <a:r>
-              <a:rPr lang="es-ES" sz="2000" b="1" dirty="0" smtClean="0">
-                <a:solidFill>
-                  <a:schemeClr val="bg1"/>
-                </a:solidFill>
-              </a:rPr>
-              <a:t>Puedes cambiar de ramas utilizando</a:t>
-            </a:r>
-            <a:r>
-              <a:rPr lang="es-ES" sz="2000" dirty="0" smtClean="0">
-                <a:solidFill>
-                  <a:schemeClr val="bg1"/>
-                </a:solidFill>
-              </a:rPr>
-              <a:t>:</a:t>
-            </a:r>
-            <a:endParaRPr lang="es-ES" sz="2000" dirty="0">
-              <a:solidFill>
-                <a:schemeClr val="bg1"/>
-              </a:solidFill>
-            </a:endParaRPr>
-          </a:p>
-          <a:p>
-            <a:pPr marL="0" indent="0" algn="ctr">
-              <a:buNone/>
-            </a:pPr>
-            <a:r>
-              <a:rPr lang="es-ES" sz="2000" dirty="0" err="1">
-                <a:solidFill>
-                  <a:schemeClr val="accent1"/>
-                </a:solidFill>
-              </a:rPr>
-              <a:t>git</a:t>
-            </a:r>
-            <a:r>
-              <a:rPr lang="es-ES" sz="2000" dirty="0">
-                <a:solidFill>
-                  <a:schemeClr val="accent1"/>
-                </a:solidFill>
-              </a:rPr>
-              <a:t> </a:t>
-            </a:r>
-            <a:r>
-              <a:rPr lang="es-ES" sz="2000" dirty="0" err="1">
-                <a:solidFill>
-                  <a:schemeClr val="accent1"/>
-                </a:solidFill>
-              </a:rPr>
-              <a:t>checkout</a:t>
-            </a:r>
-            <a:r>
-              <a:rPr lang="es-ES" sz="2000" dirty="0">
-                <a:solidFill>
-                  <a:schemeClr val="accent1"/>
-                </a:solidFill>
-              </a:rPr>
-              <a:t> master</a:t>
-            </a:r>
-          </a:p>
-          <a:p>
-            <a:pPr marL="0" indent="0" algn="ctr">
-              <a:buNone/>
-            </a:pPr>
-            <a:endParaRPr lang="es-ES" sz="2000" dirty="0" smtClean="0">
-              <a:solidFill>
-                <a:schemeClr val="accent1"/>
-              </a:solidFill>
-            </a:endParaRPr>
-          </a:p>
-          <a:p>
-            <a:r>
-              <a:rPr lang="es-ES" sz="2000" b="1" dirty="0" smtClean="0">
-                <a:solidFill>
-                  <a:schemeClr val="bg1"/>
-                </a:solidFill>
-              </a:rPr>
-              <a:t>Borrar ramas</a:t>
-            </a:r>
-            <a:r>
-              <a:rPr lang="es-ES" sz="2000" b="1" dirty="0">
-                <a:solidFill>
-                  <a:schemeClr val="bg1"/>
-                </a:solidFill>
-              </a:rPr>
-              <a:t>: Puedes cambiar de ramas utilizando</a:t>
-            </a:r>
-            <a:r>
-              <a:rPr lang="es-ES" sz="2000" dirty="0">
-                <a:solidFill>
-                  <a:schemeClr val="bg1"/>
-                </a:solidFill>
-              </a:rPr>
-              <a:t>:</a:t>
-            </a:r>
-          </a:p>
-          <a:p>
-            <a:pPr marL="0" indent="0" algn="ctr">
-              <a:buNone/>
-            </a:pPr>
-            <a:r>
-              <a:rPr lang="es-ES" sz="2000" dirty="0" err="1">
-                <a:solidFill>
-                  <a:schemeClr val="accent1"/>
-                </a:solidFill>
-              </a:rPr>
-              <a:t>git</a:t>
-            </a:r>
-            <a:r>
-              <a:rPr lang="es-ES" sz="2000" dirty="0">
-                <a:solidFill>
-                  <a:schemeClr val="accent1"/>
-                </a:solidFill>
-              </a:rPr>
-              <a:t> </a:t>
-            </a:r>
-            <a:r>
-              <a:rPr lang="es-ES" sz="2000" dirty="0" err="1">
-                <a:solidFill>
-                  <a:schemeClr val="accent1"/>
-                </a:solidFill>
-              </a:rPr>
-              <a:t>branch</a:t>
-            </a:r>
-            <a:r>
-              <a:rPr lang="es-ES" sz="2000" dirty="0">
-                <a:solidFill>
-                  <a:schemeClr val="accent1"/>
-                </a:solidFill>
-              </a:rPr>
-              <a:t> -d </a:t>
-            </a:r>
-            <a:r>
-              <a:rPr lang="es-ES" sz="2000" dirty="0" err="1">
-                <a:solidFill>
-                  <a:schemeClr val="accent1"/>
-                </a:solidFill>
-              </a:rPr>
-              <a:t>feature_x</a:t>
-            </a:r>
-            <a:r>
-              <a:rPr lang="es-ES" sz="2000" dirty="0">
-                <a:solidFill>
-                  <a:schemeClr val="accent1"/>
-                </a:solidFill>
-              </a:rPr>
-              <a:t/>
-            </a:r>
-            <a:br>
-              <a:rPr lang="es-ES" sz="2000" dirty="0">
-                <a:solidFill>
-                  <a:schemeClr val="accent1"/>
-                </a:solidFill>
-              </a:rPr>
-            </a:br>
-            <a:endParaRPr lang="es-ES" sz="2000" dirty="0" smtClean="0">
-              <a:solidFill>
-                <a:schemeClr val="accent1"/>
-              </a:solidFill>
-            </a:endParaRPr>
-          </a:p>
-          <a:p>
-            <a:pPr algn="ctr"/>
-            <a:r>
-              <a:rPr lang="es-ES" sz="2000" dirty="0">
-                <a:solidFill>
-                  <a:schemeClr val="bg1"/>
-                </a:solidFill>
-              </a:rPr>
-              <a:t>Una rama nueva no estará disponible para los demás a menos que subas (</a:t>
-            </a:r>
-            <a:r>
-              <a:rPr lang="es-ES" sz="2000" dirty="0" err="1">
-                <a:solidFill>
-                  <a:schemeClr val="bg1"/>
-                </a:solidFill>
-              </a:rPr>
-              <a:t>push</a:t>
-            </a:r>
-            <a:r>
-              <a:rPr lang="es-ES" sz="2000" dirty="0">
-                <a:solidFill>
-                  <a:schemeClr val="bg1"/>
-                </a:solidFill>
-              </a:rPr>
-              <a:t>) la rama a tu repositorio remoto</a:t>
-            </a:r>
-          </a:p>
-          <a:p>
-            <a:pPr marL="0" indent="0" algn="ctr">
-              <a:buNone/>
-            </a:pPr>
-            <a:r>
-              <a:rPr lang="es-ES" sz="2000" dirty="0" err="1">
-                <a:solidFill>
-                  <a:schemeClr val="accent1"/>
-                </a:solidFill>
-              </a:rPr>
-              <a:t>git</a:t>
-            </a:r>
-            <a:r>
-              <a:rPr lang="es-ES" sz="2000" dirty="0">
-                <a:solidFill>
-                  <a:schemeClr val="accent1"/>
-                </a:solidFill>
-              </a:rPr>
-              <a:t> </a:t>
-            </a:r>
-            <a:r>
-              <a:rPr lang="es-ES" sz="2000" dirty="0" err="1">
-                <a:solidFill>
-                  <a:schemeClr val="accent1"/>
-                </a:solidFill>
-              </a:rPr>
-              <a:t>push</a:t>
-            </a:r>
-            <a:r>
-              <a:rPr lang="es-ES" sz="2000" dirty="0">
-                <a:solidFill>
-                  <a:schemeClr val="accent1"/>
-                </a:solidFill>
-              </a:rPr>
-              <a:t> </a:t>
-            </a:r>
-            <a:r>
-              <a:rPr lang="es-ES" sz="2000" dirty="0" smtClean="0">
-                <a:solidFill>
-                  <a:schemeClr val="accent1"/>
-                </a:solidFill>
-              </a:rPr>
-              <a:t>&lt;</a:t>
-            </a:r>
-            <a:r>
-              <a:rPr lang="es-ES" sz="2000" dirty="0" err="1" smtClean="0">
-                <a:solidFill>
-                  <a:schemeClr val="accent1"/>
-                </a:solidFill>
-              </a:rPr>
-              <a:t>nombre_repositorio</a:t>
-            </a:r>
-            <a:r>
-              <a:rPr lang="es-ES" sz="2000" dirty="0" smtClean="0">
-                <a:solidFill>
-                  <a:schemeClr val="accent1"/>
-                </a:solidFill>
-              </a:rPr>
-              <a:t>&gt; &lt;</a:t>
-            </a:r>
-            <a:r>
-              <a:rPr lang="es-ES" sz="2000" dirty="0" err="1" smtClean="0">
-                <a:solidFill>
-                  <a:schemeClr val="accent1"/>
-                </a:solidFill>
-              </a:rPr>
-              <a:t>nombre_branch</a:t>
-            </a:r>
-            <a:r>
-              <a:rPr lang="es-ES" sz="2000" dirty="0" smtClean="0">
-                <a:solidFill>
-                  <a:schemeClr val="accent1"/>
-                </a:solidFill>
-              </a:rPr>
-              <a:t>&gt;</a:t>
-            </a:r>
-            <a:endParaRPr lang="es-ES" sz="2000" dirty="0">
-              <a:solidFill>
-                <a:schemeClr val="accent1"/>
-              </a:solidFill>
-            </a:endParaRPr>
-          </a:p>
-        </p:txBody>
-      </p:sp>
-      <p:pic>
-        <p:nvPicPr>
-          <p:cNvPr id="3074" name="Picture 2" descr="Resultado de imagen de branch git"/>
-          <p:cNvPicPr>
-            <a:picLocks noChangeAspect="1" noChangeArrowheads="1"/>
-          </p:cNvPicPr>
-          <p:nvPr/>
-        </p:nvPicPr>
-        <p:blipFill>
-          <a:blip r:embed="rId3">
-            <a:extLst>
-              <a:ext uri="{28A0092B-C50C-407E-A947-70E740481C1C}">
-                <a14:useLocalDpi xmlns:a14="http://schemas.microsoft.com/office/drawing/2010/main" val="0"/>
-              </a:ext>
-            </a:extLst>
-          </a:blip>
-          <a:srcRect/>
-          <a:stretch>
-            <a:fillRect/>
-          </a:stretch>
-        </p:blipFill>
-        <p:spPr bwMode="auto">
-          <a:xfrm>
-            <a:off x="3779912" y="291304"/>
-            <a:ext cx="4762500" cy="1666875"/>
-          </a:xfrm>
-          <a:prstGeom prst="rect">
-            <a:avLst/>
-          </a:prstGeom>
-          <a:noFill/>
-          <a:extLst>
-            <a:ext uri="{909E8E84-426E-40DD-AFC4-6F175D3DCCD1}">
-              <a14:hiddenFill xmlns:a14="http://schemas.microsoft.com/office/drawing/2010/main">
-                <a:solidFill>
-                  <a:srgbClr val="FFFFFF"/>
-                </a:solidFill>
-              </a14:hiddenFill>
-            </a:ext>
-          </a:extLst>
-        </p:spPr>
-      </p:pic>
-    </p:spTree>
-    <p:extLst>
-      <p:ext uri="{BB962C8B-B14F-4D97-AF65-F5344CB8AC3E}">
-        <p14:creationId xmlns:p14="http://schemas.microsoft.com/office/powerpoint/2010/main" val="56500650"/>
-      </p:ext>
-    </p:extLst>
-  </p:cSld>
-  <p:clrMapOvr>
-    <a:masterClrMapping/>
-  </p:clrMapOvr>
-  <p:timing>
-    <p:tnLst>
-      <p:par>
-        <p:cTn id="1" dur="indefinite" restart="never" nodeType="tmRoot"/>
-      </p:par>
-    </p:tnLst>
-  </p:timing>
-</p:sld>
-</file>
-
 <file path=ppt/slides/slide13.xml><?xml version="1.0" encoding="utf-8"?>
 <p:sld xmlns:a="http://schemas.openxmlformats.org/drawingml/2006/main" xmlns:r="http://schemas.openxmlformats.org/officeDocument/2006/relationships" xmlns:p="http://schemas.openxmlformats.org/presentationml/2006/main">
   <p:cSld>
@@ -10266,7 +8997,16 @@
                 </a:solidFill>
                 <a:latin typeface="+mj-lt"/>
               </a:rPr>
-              <a:t>: Actualiza y fusiona</a:t>
+              <a:t>: </a:t>
+            </a:r>
+            <a:r>
+              <a:rPr lang="es-ES" b="1" dirty="0" err="1" smtClean="0">
+                <a:solidFill>
+                  <a:srgbClr val="00B0F0"/>
+                </a:solidFill>
+                <a:latin typeface="+mj-lt"/>
+              </a:rPr>
+              <a:t>Branches</a:t>
             </a:r>
             <a:endParaRPr lang="es-ES" b="1" dirty="0">
               <a:solidFill>
@@ -10747,252 +9487,110 @@
             </a:lvl9pPr>
           </a:lstStyle>
           <a:p>
-            <a:r>
-              <a:rPr lang="es-ES" sz="2000" b="1" dirty="0" smtClean="0">
-                <a:solidFill>
-                  <a:schemeClr val="bg1"/>
-                </a:solidFill>
-              </a:rPr>
-              <a:t>Para fusionar otra rama a tu rama activa: Tienes que posicionarte previamente en la rama destino con un </a:t>
-            </a:r>
-            <a:r>
-              <a:rPr lang="es-ES" sz="2000" b="1" dirty="0" err="1" smtClean="0">
-                <a:solidFill>
-                  <a:schemeClr val="bg1"/>
-                </a:solidFill>
-              </a:rPr>
-              <a:t>checkout</a:t>
-            </a:r>
-            <a:r>
-              <a:rPr lang="es-ES" sz="2000" b="1" dirty="0" smtClean="0">
-                <a:solidFill>
-                  <a:schemeClr val="bg1"/>
-                </a:solidFill>
-              </a:rPr>
-              <a:t> y posteriormente:</a:t>
-            </a:r>
-            <a:endParaRPr lang="es-ES" sz="2000" dirty="0" smtClean="0">
+            <a:endParaRPr lang="es-ES" sz="2000" b="1" dirty="0" smtClean="0">
               <a:solidFill>
                 <a:schemeClr val="bg1"/>
               </a:solidFill>
             </a:endParaRPr>
           </a:p>
           <a:p>
+            <a:endParaRPr lang="es-ES" sz="2000" b="1" dirty="0">
+              <a:solidFill>
+                <a:schemeClr val="bg1"/>
+              </a:solidFill>
+            </a:endParaRPr>
+          </a:p>
+          <a:p>
+            <a:r>
+              <a:rPr lang="es-ES" sz="2000" b="1" dirty="0" smtClean="0">
+                <a:solidFill>
+                  <a:schemeClr val="bg1"/>
+                </a:solidFill>
+              </a:rPr>
+              <a:t>Crear ramas: </a:t>
+            </a:r>
+            <a:r>
+              <a:rPr lang="es-ES" sz="2000" dirty="0">
+                <a:solidFill>
+                  <a:schemeClr val="bg1"/>
+                </a:solidFill>
+              </a:rPr>
+              <a:t>Crea una nueva rama llamada "</a:t>
+            </a:r>
+            <a:r>
+              <a:rPr lang="es-ES" sz="2000" dirty="0" err="1">
+                <a:solidFill>
+                  <a:schemeClr val="bg1"/>
+                </a:solidFill>
+              </a:rPr>
+              <a:t>feature_x</a:t>
+            </a:r>
+            <a:r>
+              <a:rPr lang="es-ES" sz="2000" dirty="0">
+                <a:solidFill>
+                  <a:schemeClr val="bg1"/>
+                </a:solidFill>
+              </a:rPr>
+              <a:t>" y cámbiate a ella </a:t>
+            </a:r>
+            <a:r>
+              <a:rPr lang="es-ES" sz="2000" dirty="0" smtClean="0">
+                <a:solidFill>
+                  <a:schemeClr val="bg1"/>
+                </a:solidFill>
+              </a:rPr>
+              <a:t>usando:</a:t>
+            </a:r>
+          </a:p>
+          <a:p>
             <a:pPr marL="0" indent="0" algn="ctr">
               <a:buNone/>
             </a:pPr>
             <a:r>
+              <a:rPr lang="es-ES" sz="2000" dirty="0" err="1">
+                <a:solidFill>
+                  <a:schemeClr val="accent1"/>
+                </a:solidFill>
+              </a:rPr>
+              <a:t>git</a:t>
+            </a:r>
+            <a:r>
+              <a:rPr lang="es-ES" sz="2000" dirty="0">
+                <a:solidFill>
+                  <a:schemeClr val="accent1"/>
+                </a:solidFill>
+              </a:rPr>
+              <a:t> </a:t>
+            </a:r>
+            <a:r>
+              <a:rPr lang="es-ES" sz="2000" dirty="0" err="1">
+                <a:solidFill>
+                  <a:schemeClr val="accent1"/>
+                </a:solidFill>
+              </a:rPr>
+              <a:t>checkout</a:t>
+            </a:r>
+            <a:r>
+              <a:rPr lang="es-ES" sz="2000" dirty="0">
+                <a:solidFill>
+                  <a:schemeClr val="accent1"/>
+                </a:solidFill>
+              </a:rPr>
+              <a:t> -b </a:t>
+            </a:r>
+            <a:r>
               <a:rPr lang="es-ES" sz="2000" dirty="0" err="1" smtClean="0">
                 <a:solidFill>
                   <a:schemeClr val="accent1"/>
                 </a:solidFill>
               </a:rPr>
-              <a:t>git</a:t>
-            </a:r>
-            <a:r>
-              <a:rPr lang="es-ES" sz="2000" dirty="0" smtClean="0">
-                <a:solidFill>
-                  <a:schemeClr val="accent1"/>
-                </a:solidFill>
-              </a:rPr>
-              <a:t> </a:t>
-            </a:r>
-            <a:r>
-              <a:rPr lang="es-ES" sz="2000" dirty="0" err="1" smtClean="0">
-                <a:solidFill>
-                  <a:schemeClr val="accent1"/>
-                </a:solidFill>
-              </a:rPr>
-              <a:t>merge</a:t>
-            </a:r>
-            <a:r>
-              <a:rPr lang="es-ES" sz="2000" dirty="0" smtClean="0">
-                <a:solidFill>
-                  <a:schemeClr val="accent1"/>
-                </a:solidFill>
-              </a:rPr>
-              <a:t> &lt;</a:t>
-            </a:r>
-            <a:r>
-              <a:rPr lang="es-ES" sz="2000" dirty="0" err="1" smtClean="0">
-                <a:solidFill>
-                  <a:schemeClr val="accent1"/>
-                </a:solidFill>
-              </a:rPr>
-              <a:t>nombre_branch</a:t>
-            </a:r>
-            <a:r>
-              <a:rPr lang="es-ES" sz="2000" dirty="0" smtClean="0">
-                <a:solidFill>
-                  <a:schemeClr val="accent1"/>
-                </a:solidFill>
-              </a:rPr>
-              <a:t>&gt;</a:t>
-            </a:r>
-            <a:endParaRPr lang="es-ES" sz="2000" dirty="0">
+              <a:t>feature_x</a:t>
+            </a:r>
+            <a:endParaRPr lang="es-ES" sz="2000" dirty="0" smtClean="0">
               <a:solidFill>
                 <a:schemeClr val="accent1"/>
               </a:solidFill>
             </a:endParaRPr>
-          </a:p>
-          <a:p>
-            <a:pPr marL="0" indent="0" algn="ctr">
-              <a:buNone/>
-            </a:pPr>
-            <a:r>
-              <a:rPr lang="es-ES" sz="2000" dirty="0">
-                <a:solidFill>
-                  <a:schemeClr val="bg1"/>
-                </a:solidFill>
-              </a:rPr>
-              <a:t>			</a:t>
-            </a:r>
-          </a:p>
-          <a:p>
-            <a:r>
-              <a:rPr lang="es-ES" sz="2000" dirty="0">
-                <a:solidFill>
-                  <a:schemeClr val="bg1"/>
-                </a:solidFill>
-              </a:rPr>
-              <a:t>Después de modificarlos, necesitas marcarlos como fusionados con: </a:t>
-            </a:r>
-            <a:endParaRPr lang="es-ES" sz="1600" dirty="0">
-              <a:solidFill>
-                <a:schemeClr val="bg1"/>
-              </a:solidFill>
-            </a:endParaRPr>
-          </a:p>
-          <a:p>
-            <a:pPr marL="0" indent="0" algn="ctr">
-              <a:buNone/>
-            </a:pPr>
-            <a:r>
-              <a:rPr lang="es-ES" sz="2000" dirty="0" err="1">
-                <a:solidFill>
-                  <a:schemeClr val="accent1"/>
-                </a:solidFill>
-              </a:rPr>
-              <a:t>git</a:t>
-            </a:r>
-            <a:r>
-              <a:rPr lang="es-ES" sz="2000" dirty="0">
-                <a:solidFill>
-                  <a:schemeClr val="accent1"/>
-                </a:solidFill>
-              </a:rPr>
-              <a:t> </a:t>
-            </a:r>
-            <a:r>
-              <a:rPr lang="es-ES" sz="2000" dirty="0" err="1">
-                <a:solidFill>
-                  <a:schemeClr val="accent1"/>
-                </a:solidFill>
-              </a:rPr>
-              <a:t>add</a:t>
-            </a:r>
-            <a:r>
-              <a:rPr lang="es-ES" sz="2000" dirty="0">
-                <a:solidFill>
-                  <a:schemeClr val="accent1"/>
-                </a:solidFill>
-              </a:rPr>
-              <a:t> &lt;</a:t>
-            </a:r>
-            <a:r>
-              <a:rPr lang="es-ES" sz="2000" dirty="0" err="1">
-                <a:solidFill>
-                  <a:schemeClr val="accent1"/>
-                </a:solidFill>
-              </a:rPr>
-              <a:t>filename</a:t>
-            </a:r>
-            <a:r>
-              <a:rPr lang="es-ES" sz="2000" dirty="0" smtClean="0">
-                <a:solidFill>
-                  <a:schemeClr val="accent1"/>
-                </a:solidFill>
-              </a:rPr>
-              <a:t>&gt;</a:t>
-            </a:r>
-          </a:p>
-          <a:p>
-            <a:pPr marL="0" indent="0" algn="ctr">
-              <a:buNone/>
-            </a:pPr>
-            <a:endParaRPr lang="es-ES" sz="2000" dirty="0">
-              <a:solidFill>
-                <a:schemeClr val="accent1"/>
-              </a:solidFill>
-            </a:endParaRPr>
-          </a:p>
-          <a:p>
-            <a:r>
-              <a:rPr lang="es-ES" sz="2000" dirty="0">
-                <a:solidFill>
-                  <a:schemeClr val="bg1"/>
-                </a:solidFill>
-              </a:rPr>
-              <a:t>Por ultimo cierra el proceso de </a:t>
-            </a:r>
-            <a:r>
-              <a:rPr lang="es-ES" sz="2000" dirty="0" err="1">
-                <a:solidFill>
-                  <a:schemeClr val="bg1"/>
-                </a:solidFill>
-              </a:rPr>
-              <a:t>merge</a:t>
-            </a:r>
-            <a:r>
-              <a:rPr lang="es-ES" sz="2000" dirty="0">
-                <a:solidFill>
-                  <a:schemeClr val="bg1"/>
-                </a:solidFill>
-              </a:rPr>
-              <a:t> con: </a:t>
-            </a:r>
-            <a:endParaRPr lang="es-ES" sz="1600" dirty="0">
-              <a:solidFill>
-                <a:schemeClr val="bg1"/>
-              </a:solidFill>
-            </a:endParaRPr>
-          </a:p>
-          <a:p>
-            <a:pPr marL="0" indent="0" algn="ctr">
-              <a:buNone/>
-            </a:pPr>
-            <a:r>
-              <a:rPr lang="es-ES" sz="2000" dirty="0" err="1">
-                <a:solidFill>
-                  <a:schemeClr val="accent1"/>
-                </a:solidFill>
-              </a:rPr>
-              <a:t>git</a:t>
-            </a:r>
-            <a:r>
-              <a:rPr lang="es-ES" sz="2000" dirty="0">
-                <a:solidFill>
-                  <a:schemeClr val="accent1"/>
-                </a:solidFill>
-              </a:rPr>
-              <a:t> </a:t>
-            </a:r>
-            <a:r>
-              <a:rPr lang="es-ES" sz="2000" dirty="0" err="1">
-                <a:solidFill>
-                  <a:schemeClr val="accent1"/>
-                </a:solidFill>
-              </a:rPr>
-              <a:t>commit</a:t>
-            </a:r>
-            <a:r>
-              <a:rPr lang="es-ES" sz="2000" dirty="0">
-                <a:solidFill>
-                  <a:schemeClr val="accent1"/>
-                </a:solidFill>
-              </a:rPr>
-              <a:t> –m “comentario”</a:t>
-            </a:r>
           </a:p>
           <a:p>
             <a:pPr marL="0" indent="0" algn="ctr">
@@ -11004,12 +9602,339 @@
               </a:solidFill>
             </a:endParaRPr>
           </a:p>
+          <a:p>
+            <a:r>
+              <a:rPr lang="es-ES" sz="2000" b="1" dirty="0" smtClean="0">
+                <a:solidFill>
+                  <a:schemeClr val="bg1"/>
+                </a:solidFill>
+              </a:rPr>
+              <a:t>Cambiar de ramas</a:t>
+            </a:r>
+            <a:r>
+              <a:rPr lang="es-ES" sz="2000" b="1" dirty="0">
+                <a:solidFill>
+                  <a:schemeClr val="bg1"/>
+                </a:solidFill>
+              </a:rPr>
+              <a:t>: </a:t>
+            </a:r>
+            <a:r>
+              <a:rPr lang="es-ES" sz="2000" b="1" dirty="0" smtClean="0">
+                <a:solidFill>
+                  <a:schemeClr val="bg1"/>
+                </a:solidFill>
+              </a:rPr>
+              <a:t>Puedes cambiar de ramas utilizando</a:t>
+            </a:r>
+            <a:r>
+              <a:rPr lang="es-ES" sz="2000" dirty="0" smtClean="0">
+                <a:solidFill>
+                  <a:schemeClr val="bg1"/>
+                </a:solidFill>
+              </a:rPr>
+              <a:t>:</a:t>
+            </a:r>
+            <a:endParaRPr lang="es-ES" sz="2000" dirty="0">
+              <a:solidFill>
+                <a:schemeClr val="bg1"/>
+              </a:solidFill>
+            </a:endParaRPr>
+          </a:p>
+          <a:p>
+            <a:pPr marL="0" indent="0" algn="ctr">
+              <a:buNone/>
+            </a:pPr>
+            <a:r>
+              <a:rPr lang="es-ES" sz="2000" dirty="0" err="1">
+                <a:solidFill>
+                  <a:schemeClr val="accent1"/>
+                </a:solidFill>
+              </a:rPr>
+              <a:t>git</a:t>
+            </a:r>
+            <a:r>
+              <a:rPr lang="es-ES" sz="2000" dirty="0">
+                <a:solidFill>
+                  <a:schemeClr val="accent1"/>
+                </a:solidFill>
+              </a:rPr>
+              <a:t> </a:t>
+            </a:r>
+            <a:r>
+              <a:rPr lang="es-ES" sz="2000" dirty="0" err="1">
+                <a:solidFill>
+                  <a:schemeClr val="accent1"/>
+                </a:solidFill>
+              </a:rPr>
+              <a:t>checkout</a:t>
+            </a:r>
+            <a:r>
+              <a:rPr lang="es-ES" sz="2000" dirty="0">
+                <a:solidFill>
+                  <a:schemeClr val="accent1"/>
+                </a:solidFill>
+              </a:rPr>
+              <a:t> master</a:t>
+            </a:r>
+          </a:p>
+          <a:p>
+            <a:pPr marL="0" indent="0" algn="ctr">
+              <a:buNone/>
+            </a:pPr>
+            <a:endParaRPr lang="es-ES" sz="2000" dirty="0" smtClean="0">
+              <a:solidFill>
+                <a:schemeClr val="accent1"/>
+              </a:solidFill>
+            </a:endParaRPr>
+          </a:p>
+          <a:p>
+            <a:r>
+              <a:rPr lang="es-ES" sz="2000" b="1" dirty="0" smtClean="0">
+                <a:solidFill>
+                  <a:schemeClr val="bg1"/>
+                </a:solidFill>
+              </a:rPr>
+              <a:t>Borrar ramas</a:t>
+            </a:r>
+            <a:r>
+              <a:rPr lang="es-ES" sz="2000" b="1" dirty="0">
+                <a:solidFill>
+                  <a:schemeClr val="bg1"/>
+                </a:solidFill>
+              </a:rPr>
+              <a:t>: Puedes cambiar de ramas utilizando</a:t>
+            </a:r>
+            <a:r>
+              <a:rPr lang="es-ES" sz="2000" dirty="0">
+                <a:solidFill>
+                  <a:schemeClr val="bg1"/>
+                </a:solidFill>
+              </a:rPr>
+              <a:t>:</a:t>
+            </a:r>
+          </a:p>
+          <a:p>
+            <a:pPr marL="0" indent="0" algn="ctr">
+              <a:buNone/>
+            </a:pPr>
+            <a:r>
+              <a:rPr lang="es-ES" sz="2000" dirty="0" err="1">
+                <a:solidFill>
+                  <a:schemeClr val="accent1"/>
+                </a:solidFill>
+              </a:rPr>
+              <a:t>git</a:t>
+            </a:r>
+            <a:r>
+              <a:rPr lang="es-ES" sz="2000" dirty="0">
+                <a:solidFill>
+                  <a:schemeClr val="accent1"/>
+                </a:solidFill>
+              </a:rPr>
+              <a:t> </a:t>
+            </a:r>
+            <a:r>
+              <a:rPr lang="es-ES" sz="2000" dirty="0" err="1">
+                <a:solidFill>
+                  <a:schemeClr val="accent1"/>
+                </a:solidFill>
+              </a:rPr>
+              <a:t>branch</a:t>
+            </a:r>
+            <a:r>
+              <a:rPr lang="es-ES" sz="2000" dirty="0">
+                <a:solidFill>
+                  <a:schemeClr val="accent1"/>
+                </a:solidFill>
+              </a:rPr>
+              <a:t> -d </a:t>
+            </a:r>
+            <a:r>
+              <a:rPr lang="es-ES" sz="2000" dirty="0" err="1">
+                <a:solidFill>
+                  <a:schemeClr val="accent1"/>
+                </a:solidFill>
+              </a:rPr>
+              <a:t>feature_x</a:t>
+            </a:r>
+            <a:r>
+              <a:rPr lang="es-ES" sz="2000" dirty="0">
+                <a:solidFill>
+                  <a:schemeClr val="accent1"/>
+                </a:solidFill>
+              </a:rPr>
+              <a:t/>
+            </a:r>
+            <a:br>
+              <a:rPr lang="es-ES" sz="2000" dirty="0">
+                <a:solidFill>
+                  <a:schemeClr val="accent1"/>
+                </a:solidFill>
+              </a:rPr>
+            </a:br>
+            <a:endParaRPr lang="es-ES" sz="2000" dirty="0" smtClean="0">
+              <a:solidFill>
+                <a:schemeClr val="accent1"/>
+              </a:solidFill>
+            </a:endParaRPr>
+          </a:p>
+          <a:p>
+            <a:pPr algn="ctr"/>
+            <a:r>
+              <a:rPr lang="es-ES" sz="2000" dirty="0">
+                <a:solidFill>
+                  <a:schemeClr val="bg1"/>
+                </a:solidFill>
+              </a:rPr>
+              <a:t>Una rama nueva no estará disponible para los demás a menos que subas (</a:t>
+            </a:r>
+            <a:r>
+              <a:rPr lang="es-ES" sz="2000" dirty="0" err="1">
+                <a:solidFill>
+                  <a:schemeClr val="bg1"/>
+                </a:solidFill>
+              </a:rPr>
+              <a:t>push</a:t>
+            </a:r>
+            <a:r>
+              <a:rPr lang="es-ES" sz="2000" dirty="0">
+                <a:solidFill>
+                  <a:schemeClr val="bg1"/>
+                </a:solidFill>
+              </a:rPr>
+              <a:t>) la rama a tu repositorio remoto</a:t>
+            </a:r>
+          </a:p>
+          <a:p>
+            <a:pPr marL="0" indent="0" algn="ctr">
+              <a:buNone/>
+            </a:pPr>
+            <a:r>
+              <a:rPr lang="es-ES" sz="2000" dirty="0" err="1">
+                <a:solidFill>
+                  <a:schemeClr val="accent1"/>
+                </a:solidFill>
+              </a:rPr>
+              <a:t>git</a:t>
+            </a:r>
+            <a:r>
+              <a:rPr lang="es-ES" sz="2000" dirty="0">
+                <a:solidFill>
+                  <a:schemeClr val="accent1"/>
+                </a:solidFill>
+              </a:rPr>
+              <a:t> </a:t>
+            </a:r>
+            <a:r>
+              <a:rPr lang="es-ES" sz="2000" dirty="0" err="1">
+                <a:solidFill>
+                  <a:schemeClr val="accent1"/>
+                </a:solidFill>
+              </a:rPr>
+              <a:t>push</a:t>
+            </a:r>
+            <a:r>
+              <a:rPr lang="es-ES" sz="2000" dirty="0">
+                <a:solidFill>
+                  <a:schemeClr val="accent1"/>
+                </a:solidFill>
+              </a:rPr>
+              <a:t> </a:t>
+            </a:r>
+            <a:r>
+              <a:rPr lang="es-ES" sz="2000" dirty="0" smtClean="0">
+                <a:solidFill>
+                  <a:schemeClr val="accent1"/>
+                </a:solidFill>
+              </a:rPr>
+              <a:t>&lt;</a:t>
+            </a:r>
+            <a:r>
+              <a:rPr lang="es-ES" sz="2000" dirty="0" err="1" smtClean="0">
+                <a:solidFill>
+                  <a:schemeClr val="accent1"/>
+                </a:solidFill>
+              </a:rPr>
+              <a:t>nombre_repositorio</a:t>
+            </a:r>
+            <a:r>
+              <a:rPr lang="es-ES" sz="2000" dirty="0" smtClean="0">
+                <a:solidFill>
+                  <a:schemeClr val="accent1"/>
+                </a:solidFill>
+              </a:rPr>
+              <a:t>&gt; &lt;</a:t>
+            </a:r>
+            <a:r>
+              <a:rPr lang="es-ES" sz="2000" dirty="0" err="1" smtClean="0">
+                <a:solidFill>
+                  <a:schemeClr val="accent1"/>
+                </a:solidFill>
+              </a:rPr>
+              <a:t>nombre_branch</a:t>
+            </a:r>
+            <a:r>
+              <a:rPr lang="es-ES" sz="2000" dirty="0" smtClean="0">
+                <a:solidFill>
+                  <a:schemeClr val="accent1"/>
+                </a:solidFill>
+              </a:rPr>
+              <a:t>&gt;</a:t>
+            </a:r>
+            <a:endParaRPr lang="es-ES" sz="2000" dirty="0">
+              <a:solidFill>
+                <a:schemeClr val="accent1"/>
+              </a:solidFill>
+            </a:endParaRPr>
+          </a:p>
         </p:txBody>
       </p:sp>
+      <p:pic>
+        <p:nvPicPr>
+          <p:cNvPr id="3074" name="Picture 2" descr="Resultado de imagen de branch git"/>
+          <p:cNvPicPr>
+            <a:picLocks noChangeAspect="1" noChangeArrowheads="1"/>
+          </p:cNvPicPr>
+          <p:nvPr/>
+        </p:nvPicPr>
+        <p:blipFill>
+          <a:blip r:embed="rId3">
+            <a:extLst>
+              <a:ext uri="{28A0092B-C50C-407E-A947-70E740481C1C}">
+                <a14:useLocalDpi xmlns:a14="http://schemas.microsoft.com/office/drawing/2010/main" val="0"/>
+              </a:ext>
+            </a:extLst>
+          </a:blip>
+          <a:srcRect/>
+          <a:stretch>
+            <a:fillRect/>
+          </a:stretch>
+        </p:blipFill>
+        <p:spPr bwMode="auto">
+          <a:xfrm>
+            <a:off x="3779912" y="291304"/>
+            <a:ext cx="4762500" cy="1666875"/>
+          </a:xfrm>
+          <a:prstGeom prst="rect">
+            <a:avLst/>
+          </a:prstGeom>
+          <a:noFill/>
+          <a:extLst>
+            <a:ext uri="{909E8E84-426E-40DD-AFC4-6F175D3DCCD1}">
+              <a14:hiddenFill xmlns:a14="http://schemas.microsoft.com/office/drawing/2010/main">
+                <a:solidFill>
+                  <a:srgbClr val="FFFFFF"/>
+                </a:solidFill>
+              </a14:hiddenFill>
+            </a:ext>
+          </a:extLst>
+        </p:spPr>
+      </p:pic>
     </p:spTree>
     <p:extLst>
       <p:ext uri="{BB962C8B-B14F-4D97-AF65-F5344CB8AC3E}">
-        <p14:creationId xmlns:p14="http://schemas.microsoft.com/office/powerpoint/2010/main" val="3867518874"/>
+        <p14:creationId xmlns:p14="http://schemas.microsoft.com/office/powerpoint/2010/main" val="56500650"/>
       </p:ext>
     </p:extLst>
   </p:cSld>
@@ -11087,25 +10012,7 @@
                 </a:solidFill>
                 <a:latin typeface="+mj-lt"/>
               </a:rPr>
-              <a:t>: </a:t>
-            </a:r>
-            <a:r>
-              <a:rPr lang="es-ES" b="1" dirty="0" err="1" smtClean="0">
-                <a:solidFill>
-                  <a:srgbClr val="00B0F0"/>
-                </a:solidFill>
-                <a:latin typeface="+mj-lt"/>
-              </a:rPr>
-              <a:t>Tags</a:t>
-            </a:r>
-            <a:r>
-              <a:rPr lang="es-ES" b="1" dirty="0" smtClean="0">
-                <a:solidFill>
-                  <a:srgbClr val="00B0F0"/>
-                </a:solidFill>
-                <a:latin typeface="+mj-lt"/>
-              </a:rPr>
-              <a:t> </a:t>
+              <a:t>: Actualiza y fusiona</a:t>
             </a:r>
             <a:endParaRPr lang="es-ES" b="1" dirty="0">
               <a:solidFill>
@@ -11587,36 +10494,29 @@
           </a:lstStyle>
           <a:p>
             <a:r>
-              <a:rPr lang="es-ES" sz="2000" dirty="0">
-                <a:solidFill>
-                  <a:schemeClr val="bg1"/>
-                </a:solidFill>
-              </a:rPr>
-              <a:t>Se recomienda crear etiquetas para cada nueva versión publicada de un software. Este concepto no es nuevo, ya que estaba disponible en SVN. Puedes crear una nueva etiqueta llamada </a:t>
-            </a:r>
-            <a:r>
-              <a:rPr lang="es-ES" sz="2000" i="1" dirty="0">
-                <a:solidFill>
-                  <a:schemeClr val="bg1"/>
-                </a:solidFill>
-              </a:rPr>
-              <a:t>1.0.0</a:t>
-            </a:r>
-            <a:r>
-              <a:rPr lang="es-ES" sz="2000" dirty="0">
-                <a:solidFill>
-                  <a:schemeClr val="bg1"/>
-                </a:solidFill>
-              </a:rPr>
-              <a:t> ejecutando</a:t>
-            </a:r>
-            <a:r>
-              <a:rPr lang="es-ES" sz="2000" dirty="0"/>
-              <a:t/>
-            </a:r>
-            <a:br>
-              <a:rPr lang="es-ES" sz="2000" dirty="0"/>
-            </a:br>
+              <a:rPr lang="es-ES" sz="2000" b="1" dirty="0" smtClean="0">
+                <a:solidFill>
+                  <a:schemeClr val="bg1"/>
+                </a:solidFill>
+              </a:rPr>
+              <a:t>Para fusionar otra rama a tu rama activa: Tienes que posicionarte previamente en la rama destino con un </a:t>
+            </a:r>
+            <a:r>
+              <a:rPr lang="es-ES" sz="2000" b="1" dirty="0" err="1" smtClean="0">
+                <a:solidFill>
+                  <a:schemeClr val="bg1"/>
+                </a:solidFill>
+              </a:rPr>
+              <a:t>checkout</a:t>
+            </a:r>
+            <a:r>
+              <a:rPr lang="es-ES" sz="2000" b="1" dirty="0" smtClean="0">
+                <a:solidFill>
+                  <a:schemeClr val="bg1"/>
+                </a:solidFill>
+              </a:rPr>
+              <a:t> y posteriormente:</a:t>
+            </a:r>
             <a:endParaRPr lang="es-ES" sz="2000" dirty="0" smtClean="0">
               <a:solidFill>
                 <a:schemeClr val="bg1"/>
@@ -11624,12 +10524,70 @@
             </a:endParaRPr>
           </a:p>
           <a:p>
-            <a:pPr marL="0" indent="0">
+            <a:pPr marL="0" indent="0" algn="ctr">
               <a:buNone/>
             </a:pPr>
             <a:r>
+              <a:rPr lang="es-ES" sz="2000" dirty="0" err="1" smtClean="0">
+                <a:solidFill>
+                  <a:schemeClr val="accent1"/>
+                </a:solidFill>
+              </a:rPr>
+              <a:t>git</a:t>
+            </a:r>
+            <a:r>
               <a:rPr lang="es-ES" sz="2000" dirty="0" smtClean="0">
                 <a:solidFill>
+                  <a:schemeClr val="accent1"/>
+                </a:solidFill>
+              </a:rPr>
+              <a:t> </a:t>
+            </a:r>
+            <a:r>
+              <a:rPr lang="es-ES" sz="2000" dirty="0" err="1" smtClean="0">
+                <a:solidFill>
+                  <a:schemeClr val="accent1"/>
+                </a:solidFill>
+              </a:rPr>
+              <a:t>merge</a:t>
+            </a:r>
+            <a:r>
+              <a:rPr lang="es-ES" sz="2000" dirty="0" smtClean="0">
+                <a:solidFill>
+                  <a:schemeClr val="accent1"/>
+                </a:solidFill>
+              </a:rPr>
+              <a:t> &lt;</a:t>
+            </a:r>
+            <a:r>
+              <a:rPr lang="es-ES" sz="2000" dirty="0" err="1" smtClean="0">
+                <a:solidFill>
+                  <a:schemeClr val="accent1"/>
+                </a:solidFill>
+              </a:rPr>
+              <a:t>nombre_branch</a:t>
+            </a:r>
+            <a:r>
+              <a:rPr lang="es-ES" sz="2000" dirty="0" smtClean="0">
+                <a:solidFill>
+                  <a:schemeClr val="accent1"/>
+                </a:solidFill>
+              </a:rPr>
+              <a:t>&gt;</a:t>
+            </a:r>
+            <a:endParaRPr lang="es-ES" sz="2000" dirty="0">
+              <a:solidFill>
+                <a:schemeClr val="accent1"/>
+              </a:solidFill>
+            </a:endParaRPr>
+          </a:p>
+          <a:p>
+            <a:pPr marL="0" indent="0" algn="ctr">
+              <a:buNone/>
+            </a:pPr>
+            <a:r>
+              <a:rPr lang="es-ES" sz="2000" dirty="0">
+                <a:solidFill>
                   <a:schemeClr val="bg1"/>
                 </a:solidFill>
               </a:rPr>
@@ -11638,14 +10596,14 @@
           </a:p>
           <a:p>
             <a:r>
-              <a:rPr lang="es-ES" sz="2000" dirty="0" smtClean="0">
-                <a:solidFill>
-                  <a:schemeClr val="bg1"/>
-                </a:solidFill>
-              </a:rPr>
-              <a:t>Crear una nueva etiqueta con : </a:t>
-            </a:r>
-            <a:endParaRPr lang="es-ES" sz="1600" dirty="0" smtClean="0">
+              <a:rPr lang="es-ES" sz="2000" dirty="0">
+                <a:solidFill>
+                  <a:schemeClr val="bg1"/>
+                </a:solidFill>
+              </a:rPr>
+              <a:t>Después de modificarlos, necesitas marcarlos como fusionados con: </a:t>
+            </a:r>
+            <a:endParaRPr lang="es-ES" sz="1600" dirty="0">
               <a:solidFill>
                 <a:schemeClr val="bg1"/>
               </a:solidFill>
@@ -11656,12 +10614,44 @@
               <a:buNone/>
             </a:pPr>
             <a:r>
-              <a:rPr lang="es-ES" sz="2000" dirty="0" err="1" smtClean="0">
+              <a:rPr lang="es-ES" sz="2000" dirty="0" err="1">
                 <a:solidFill>
                   <a:schemeClr val="accent1"/>
                 </a:solidFill>
               </a:rPr>
-              <a:t>tag</a:t>
+              <a:t>git</a:t>
+            </a:r>
+            <a:r>
+              <a:rPr lang="es-ES" sz="2000" dirty="0">
+                <a:solidFill>
+                  <a:schemeClr val="accent1"/>
+                </a:solidFill>
+              </a:rPr>
+              <a:t> </a:t>
+            </a:r>
+            <a:r>
+              <a:rPr lang="es-ES" sz="2000" dirty="0" err="1">
+                <a:solidFill>
+                  <a:schemeClr val="accent1"/>
+                </a:solidFill>
+              </a:rPr>
+              <a:t>add</a:t>
+            </a:r>
+            <a:r>
+              <a:rPr lang="es-ES" sz="2000" dirty="0">
+                <a:solidFill>
+                  <a:schemeClr val="accent1"/>
+                </a:solidFill>
+              </a:rPr>
+              <a:t> &lt;</a:t>
+            </a:r>
+            <a:r>
+              <a:rPr lang="es-ES" sz="2000" dirty="0" err="1">
+                <a:solidFill>
+                  <a:schemeClr val="accent1"/>
+                </a:solidFill>
+              </a:rPr>
+              <a:t>filename</a:t>
             </a:r>
             <a:r>
               <a:rPr lang="es-ES" sz="2000" dirty="0" smtClean="0">
@@ -11669,23 +10659,85 @@
                   <a:schemeClr val="accent1"/>
                 </a:solidFill>
               </a:rPr>
+              <a:t>&gt;</a:t>
+            </a:r>
+          </a:p>
+          <a:p>
+            <a:pPr marL="0" indent="0" algn="ctr">
+              <a:buNone/>
+            </a:pPr>
+            <a:endParaRPr lang="es-ES" sz="2000" dirty="0">
+              <a:solidFill>
+                <a:schemeClr val="accent1"/>
+              </a:solidFill>
+            </a:endParaRPr>
+          </a:p>
+          <a:p>
+            <a:r>
+              <a:rPr lang="es-ES" sz="2000" dirty="0">
+                <a:solidFill>
+                  <a:schemeClr val="bg1"/>
+                </a:solidFill>
+              </a:rPr>
+              <a:t>Por ultimo cierra el proceso de </a:t>
+            </a:r>
+            <a:r>
+              <a:rPr lang="es-ES" sz="2000" dirty="0" err="1">
+                <a:solidFill>
+                  <a:schemeClr val="bg1"/>
+                </a:solidFill>
+              </a:rPr>
+              <a:t>merge</a:t>
+            </a:r>
+            <a:r>
+              <a:rPr lang="es-ES" sz="2000" dirty="0">
+                <a:solidFill>
+                  <a:schemeClr val="bg1"/>
+                </a:solidFill>
+              </a:rPr>
+              <a:t> con: </a:t>
+            </a:r>
+            <a:endParaRPr lang="es-ES" sz="1600" dirty="0">
+              <a:solidFill>
+                <a:schemeClr val="bg1"/>
+              </a:solidFill>
+            </a:endParaRPr>
+          </a:p>
+          <a:p>
+            <a:pPr marL="0" indent="0" algn="ctr">
+              <a:buNone/>
+            </a:pPr>
+            <a:r>
+              <a:rPr lang="es-ES" sz="2000" dirty="0" err="1">
+                <a:solidFill>
+                  <a:schemeClr val="accent1"/>
+                </a:solidFill>
+              </a:rPr>
+              <a:t>git</a:t>
+            </a:r>
+            <a:r>
+              <a:rPr lang="es-ES" sz="2000" dirty="0">
+                <a:solidFill>
+                  <a:schemeClr val="accent1"/>
+                </a:solidFill>
+              </a:rPr>
               <a:t> </a:t>
             </a:r>
             <a:r>
+              <a:rPr lang="es-ES" sz="2000" dirty="0" err="1">
+                <a:solidFill>
+                  <a:schemeClr val="accent1"/>
+                </a:solidFill>
+              </a:rPr>
+              <a:t>commit</a:t>
+            </a:r>
+            <a:r>
               <a:rPr lang="es-ES" sz="2000" dirty="0">
                 <a:solidFill>
                   <a:schemeClr val="accent1"/>
                 </a:solidFill>
               </a:rPr>
-              <a:t>1.0.0 </a:t>
-            </a:r>
-            <a:r>
-              <a:rPr lang="es-ES" sz="2000" dirty="0" smtClean="0">
-                <a:solidFill>
-                  <a:schemeClr val="accent1"/>
-                </a:solidFill>
-              </a:rPr>
-              <a:t>1b2e1d63ff</a:t>
+              <a:t> –m “comentario”</a:t>
             </a:r>
           </a:p>
           <a:p>
@@ -11698,86 +10750,12 @@
               </a:solidFill>
             </a:endParaRPr>
           </a:p>
-          <a:p>
-            <a:pPr marL="0" indent="0" algn="ctr">
-              <a:buNone/>
-            </a:pPr>
-            <a:r>
-              <a:rPr lang="es-ES" sz="2000" dirty="0" smtClean="0">
-                <a:solidFill>
-                  <a:schemeClr val="bg1"/>
-                </a:solidFill>
-              </a:rPr>
-              <a:t>1b2e1d63ff </a:t>
-            </a:r>
-            <a:r>
-              <a:rPr lang="es-ES" sz="2000" dirty="0">
-                <a:solidFill>
-                  <a:schemeClr val="bg1"/>
-                </a:solidFill>
-              </a:rPr>
-              <a:t>se refiere a los 10 caracteres del </a:t>
-            </a:r>
-            <a:r>
-              <a:rPr lang="es-ES" sz="2000" dirty="0" err="1">
-                <a:solidFill>
-                  <a:schemeClr val="bg1"/>
-                </a:solidFill>
-              </a:rPr>
-              <a:t>commit</a:t>
-            </a:r>
-            <a:r>
-              <a:rPr lang="es-ES" sz="2000" dirty="0">
-                <a:solidFill>
-                  <a:schemeClr val="bg1"/>
-                </a:solidFill>
-              </a:rPr>
-              <a:t> id al cual quieres referirte con tu etiqueta. Puedes obtener el </a:t>
-            </a:r>
-            <a:r>
-              <a:rPr lang="es-ES" sz="2000" dirty="0" err="1">
-                <a:solidFill>
-                  <a:schemeClr val="bg1"/>
-                </a:solidFill>
-              </a:rPr>
-              <a:t>commit</a:t>
-            </a:r>
-            <a:r>
-              <a:rPr lang="es-ES" sz="2000" dirty="0">
-                <a:solidFill>
-                  <a:schemeClr val="bg1"/>
-                </a:solidFill>
-              </a:rPr>
-              <a:t> id con </a:t>
-            </a:r>
-          </a:p>
-          <a:p>
-            <a:pPr marL="0" indent="0" algn="ctr">
-              <a:buNone/>
-            </a:pPr>
-            <a:r>
-              <a:rPr lang="es-ES" sz="2000" dirty="0" err="1">
-                <a:solidFill>
-                  <a:schemeClr val="accent1"/>
-                </a:solidFill>
-              </a:rPr>
-              <a:t>git</a:t>
-            </a:r>
-            <a:r>
-              <a:rPr lang="es-ES" sz="2000" dirty="0">
-                <a:solidFill>
-                  <a:schemeClr val="accent1"/>
-                </a:solidFill>
-              </a:rPr>
-              <a:t> log</a:t>
-            </a:r>
-          </a:p>
         </p:txBody>
       </p:sp>
     </p:spTree>
     <p:extLst>
       <p:ext uri="{BB962C8B-B14F-4D97-AF65-F5344CB8AC3E}">
-        <p14:creationId xmlns:p14="http://schemas.microsoft.com/office/powerpoint/2010/main" val="1778481961"/>
+        <p14:creationId xmlns:p14="http://schemas.microsoft.com/office/powerpoint/2010/main" val="3867518874"/>
       </p:ext>
     </p:extLst>
   </p:cSld>
@@ -11855,7 +10833,25 @@
                 </a:solidFill>
                 <a:latin typeface="+mj-lt"/>
               </a:rPr>
-              <a:t>: Revertir cambios</a:t>
+              <a:t>: </a:t>
+            </a:r>
+            <a:r>
+              <a:rPr lang="es-ES" b="1" dirty="0" err="1" smtClean="0">
+                <a:solidFill>
+                  <a:srgbClr val="00B0F0"/>
+                </a:solidFill>
+                <a:latin typeface="+mj-lt"/>
+              </a:rPr>
+              <a:t>Tags</a:t>
+            </a:r>
+            <a:r>
+              <a:rPr lang="es-ES" b="1" dirty="0" smtClean="0">
+                <a:solidFill>
+                  <a:srgbClr val="00B0F0"/>
+                </a:solidFill>
+                <a:latin typeface="+mj-lt"/>
+              </a:rPr>
+              <a:t> </a:t>
             </a:r>
             <a:endParaRPr lang="es-ES" b="1" dirty="0">
               <a:solidFill>
@@ -12342,15 +11338,15 @@
                   <a:schemeClr val="bg1"/>
                 </a:solidFill>
               </a:rPr>
-              <a:t>En caso de que hagas algo mal </a:t>
-            </a:r>
-            <a:r>
-              <a:rPr lang="es-ES" sz="2000" dirty="0" smtClean="0">
-                <a:solidFill>
-                  <a:schemeClr val="bg1"/>
-                </a:solidFill>
-              </a:rPr>
-              <a:t>puedes </a:t>
+              <a:t>Se recomienda crear etiquetas para cada nueva versión publicada de un software. Este concepto no es nuevo, ya que estaba disponible en SVN. Puedes crear una nueva etiqueta llamada </a:t>
+            </a:r>
+            <a:r>
+              <a:rPr lang="es-ES" sz="2000" i="1" dirty="0">
+                <a:solidFill>
+                  <a:schemeClr val="bg1"/>
+                </a:solidFill>
+              </a:rPr>
+              <a:t>1.0.0</a:t>
             </a:r>
             <a:r>
               <a:rPr lang="es-ES" sz="2000" dirty="0">
@@ -12358,97 +11354,15 @@
                   <a:schemeClr val="bg1"/>
                 </a:solidFill>
               </a:rPr>
-              <a:t>reemplazar cambios locales usando el </a:t>
-            </a:r>
-            <a:r>
-              <a:rPr lang="es-ES" sz="2000" dirty="0" smtClean="0">
-                <a:solidFill>
-                  <a:schemeClr val="bg1"/>
-                </a:solidFill>
-              </a:rPr>
-              <a:t>comando.</a:t>
-            </a:r>
-            <a:r>
-              <a:rPr lang="es-ES" sz="2000" dirty="0">
-                <a:solidFill>
-                  <a:schemeClr val="bg1"/>
-                </a:solidFill>
-              </a:rPr>
+              <a:t> ejecutando</a:t>
+            </a:r>
+            <a:r>
+              <a:rPr lang="es-ES" sz="2000" dirty="0"/>
               <a:t/>
             </a:r>
             <a:br>
-              <a:rPr lang="es-ES" sz="2000" dirty="0">
-                <a:solidFill>
-                  <a:schemeClr val="bg1"/>
-                </a:solidFill>
-              </a:rPr>
+              <a:rPr lang="es-ES" sz="2000" dirty="0"/>
             </a:br>
-            <a:r>
-              <a:rPr lang="es-ES" sz="2000" dirty="0" smtClean="0">
-                <a:solidFill>
-                  <a:schemeClr val="bg1"/>
-                </a:solidFill>
-              </a:rPr>
-              <a:t>		</a:t>
-            </a:r>
-            <a:r>
-              <a:rPr lang="es-ES" sz="2000" dirty="0">
-                <a:solidFill>
-                  <a:schemeClr val="bg1"/>
-                </a:solidFill>
-              </a:rPr>
-              <a:t>	</a:t>
-            </a:r>
-            <a:r>
-              <a:rPr lang="es-ES" sz="2000" dirty="0" err="1">
-                <a:solidFill>
-                  <a:schemeClr val="accent1"/>
-                </a:solidFill>
-              </a:rPr>
-              <a:t>git</a:t>
-            </a:r>
-            <a:r>
-              <a:rPr lang="es-ES" sz="2000" dirty="0">
-                <a:solidFill>
-                  <a:schemeClr val="accent1"/>
-                </a:solidFill>
-              </a:rPr>
-              <a:t> </a:t>
-            </a:r>
-            <a:r>
-              <a:rPr lang="es-ES" sz="2000" dirty="0" err="1">
-                <a:solidFill>
-                  <a:schemeClr val="accent1"/>
-                </a:solidFill>
-              </a:rPr>
-              <a:t>checkout</a:t>
-            </a:r>
-            <a:r>
-              <a:rPr lang="es-ES" sz="2000" dirty="0">
-                <a:solidFill>
-                  <a:schemeClr val="accent1"/>
-                </a:solidFill>
-              </a:rPr>
-              <a:t> -- &lt;</a:t>
-            </a:r>
-            <a:r>
-              <a:rPr lang="es-ES" sz="2000" dirty="0" err="1">
-                <a:solidFill>
-                  <a:schemeClr val="accent1"/>
-                </a:solidFill>
-              </a:rPr>
-              <a:t>filename</a:t>
-            </a:r>
-            <a:r>
-              <a:rPr lang="es-ES" sz="2000" dirty="0">
-                <a:solidFill>
-                  <a:schemeClr val="accent1"/>
-                </a:solidFill>
-              </a:rPr>
-              <a:t>&gt;</a:t>
-            </a:r>
-          </a:p>
-          <a:p>
             <a:endParaRPr lang="es-ES" sz="2000" dirty="0" smtClean="0">
               <a:solidFill>
                 <a:schemeClr val="bg1"/>
@@ -12456,37 +11370,26 @@
             </a:endParaRPr>
           </a:p>
           <a:p>
-            <a:r>
-              <a:rPr lang="es-ES" sz="2000" dirty="0">
-                <a:solidFill>
-                  <a:schemeClr val="bg1"/>
-                </a:solidFill>
-              </a:rPr>
-              <a:t>Por otro lado, si quieres deshacer todos los cambios locales y </a:t>
-            </a:r>
-            <a:r>
-              <a:rPr lang="es-ES" sz="2000" dirty="0" err="1">
-                <a:solidFill>
-                  <a:schemeClr val="bg1"/>
-                </a:solidFill>
-              </a:rPr>
-              <a:t>commits</a:t>
-            </a:r>
-            <a:r>
-              <a:rPr lang="es-ES" sz="2000" dirty="0">
-                <a:solidFill>
-                  <a:schemeClr val="bg1"/>
-                </a:solidFill>
-              </a:rPr>
-              <a:t>, puedes traer la última versión del servidor y apuntar a tu copia local principal de esta </a:t>
-            </a:r>
+            <a:pPr marL="0" indent="0">
+              <a:buNone/>
+            </a:pPr>
             <a:r>
               <a:rPr lang="es-ES" sz="2000" dirty="0" smtClean="0">
                 <a:solidFill>
                   <a:schemeClr val="bg1"/>
                 </a:solidFill>
               </a:rPr>
-              <a:t>forma: </a:t>
+              <a:t>			</a:t>
+            </a:r>
+          </a:p>
+          <a:p>
+            <a:r>
+              <a:rPr lang="es-ES" sz="2000" dirty="0" smtClean="0">
+                <a:solidFill>
+                  <a:schemeClr val="bg1"/>
+                </a:solidFill>
+              </a:rPr>
+              <a:t>Crear una nueva etiqueta con : </a:t>
             </a:r>
             <a:endParaRPr lang="es-ES" sz="1600" dirty="0" smtClean="0">
               <a:solidFill>
@@ -12504,7 +11407,7 @@
                   <a:schemeClr val="accent1"/>
                 </a:solidFill>
               </a:rPr>
-              <a:t>git</a:t>
+              <a:t>tag</a:t>
             </a:r>
             <a:r>
               <a:rPr lang="es-ES" sz="2000" dirty="0" smtClean="0">
@@ -12515,12 +11418,12 @@
               <a:t> </a:t>
             </a:r>
             <a:r>
-              <a:rPr lang="es-ES" sz="2000" dirty="0" err="1" smtClean="0">
+              <a:rPr lang="es-ES" sz="2000" dirty="0">
                 <a:solidFill>
                   <a:schemeClr val="accent1"/>
                 </a:solidFill>
               </a:rPr>
-              <a:t>fetch</a:t>
+              <a:t>1.0.0 </a:t>
             </a:r>
             <a:r>
               <a:rPr lang="es-ES" sz="2000" dirty="0" smtClean="0">
@@ -12528,107 +11431,7 @@
                   <a:schemeClr val="accent1"/>
                 </a:solidFill>
               </a:rPr>
-              <a:t> </a:t>
-            </a:r>
-            <a:r>
-              <a:rPr lang="es-ES" sz="2000" dirty="0" err="1" smtClean="0">
-                <a:solidFill>
-                  <a:schemeClr val="accent1"/>
-                </a:solidFill>
-              </a:rPr>
-              <a:t>origin</a:t>
-            </a:r>
-            <a:endParaRPr lang="es-ES" sz="2000" dirty="0" smtClean="0">
-              <a:solidFill>
-                <a:schemeClr val="accent1"/>
-              </a:solidFill>
-            </a:endParaRPr>
-          </a:p>
-          <a:p>
-            <a:pPr marL="0" indent="0" algn="ctr">
-              <a:buNone/>
-            </a:pPr>
-            <a:r>
-              <a:rPr lang="es-ES" sz="2000" dirty="0" err="1">
-                <a:solidFill>
-                  <a:schemeClr val="accent1"/>
-                </a:solidFill>
-              </a:rPr>
-              <a:t>ó</a:t>
-            </a:r>
-            <a:endParaRPr lang="es-ES" sz="2000" dirty="0" smtClean="0">
-              <a:solidFill>
-                <a:schemeClr val="accent1"/>
-              </a:solidFill>
-            </a:endParaRPr>
-          </a:p>
-          <a:p>
-            <a:pPr marL="0" indent="0" algn="ctr">
-              <a:buNone/>
-            </a:pPr>
-            <a:r>
-              <a:rPr lang="es-ES" sz="2000" dirty="0" err="1">
-                <a:solidFill>
-                  <a:schemeClr val="accent1"/>
-                </a:solidFill>
-              </a:rPr>
-              <a:t>git</a:t>
-            </a:r>
-            <a:r>
-              <a:rPr lang="es-ES" sz="2000" dirty="0">
-                <a:solidFill>
-                  <a:schemeClr val="accent1"/>
-                </a:solidFill>
-              </a:rPr>
-              <a:t> </a:t>
-            </a:r>
-            <a:r>
-              <a:rPr lang="es-ES" sz="2000" dirty="0" err="1">
-                <a:solidFill>
-                  <a:schemeClr val="accent1"/>
-                </a:solidFill>
-              </a:rPr>
-              <a:t>reset</a:t>
-            </a:r>
-            <a:r>
-              <a:rPr lang="es-ES" sz="2000" dirty="0">
-                <a:solidFill>
-                  <a:schemeClr val="accent1"/>
-                </a:solidFill>
-              </a:rPr>
-              <a:t> --</a:t>
-            </a:r>
-            <a:r>
-              <a:rPr lang="es-ES" sz="2000" dirty="0" err="1">
-                <a:solidFill>
-                  <a:schemeClr val="accent1"/>
-                </a:solidFill>
-              </a:rPr>
-              <a:t>hard</a:t>
-            </a:r>
-            <a:r>
-              <a:rPr lang="es-ES" sz="2000" dirty="0">
-                <a:solidFill>
-                  <a:schemeClr val="accent1"/>
-                </a:solidFill>
-              </a:rPr>
-              <a:t> </a:t>
-            </a:r>
-            <a:r>
-              <a:rPr lang="es-ES" sz="2000" dirty="0" err="1" smtClean="0">
-                <a:solidFill>
-                  <a:schemeClr val="accent1"/>
-                </a:solidFill>
-              </a:rPr>
-              <a:t>origin</a:t>
-            </a:r>
-            <a:r>
-              <a:rPr lang="es-ES" sz="2000" dirty="0" smtClean="0">
-                <a:solidFill>
-                  <a:schemeClr val="accent1"/>
-                </a:solidFill>
-              </a:rPr>
-              <a:t>/master</a:t>
+              <a:t>1b2e1d63ff</a:t>
             </a:r>
           </a:p>
           <a:p>
@@ -12641,12 +11444,86 @@
               </a:solidFill>
             </a:endParaRPr>
           </a:p>
+          <a:p>
+            <a:pPr marL="0" indent="0" algn="ctr">
+              <a:buNone/>
+            </a:pPr>
+            <a:r>
+              <a:rPr lang="es-ES" sz="2000" dirty="0" smtClean="0">
+                <a:solidFill>
+                  <a:schemeClr val="bg1"/>
+                </a:solidFill>
+              </a:rPr>
+              <a:t>1b2e1d63ff </a:t>
+            </a:r>
+            <a:r>
+              <a:rPr lang="es-ES" sz="2000" dirty="0">
+                <a:solidFill>
+                  <a:schemeClr val="bg1"/>
+                </a:solidFill>
+              </a:rPr>
+              <a:t>se refiere a los 10 caracteres del </a:t>
+            </a:r>
+            <a:r>
+              <a:rPr lang="es-ES" sz="2000" dirty="0" err="1">
+                <a:solidFill>
+                  <a:schemeClr val="bg1"/>
+                </a:solidFill>
+              </a:rPr>
+              <a:t>commit</a:t>
+            </a:r>
+            <a:r>
+              <a:rPr lang="es-ES" sz="2000" dirty="0">
+                <a:solidFill>
+                  <a:schemeClr val="bg1"/>
+                </a:solidFill>
+              </a:rPr>
+              <a:t> id al cual quieres referirte con tu etiqueta. Puedes obtener el </a:t>
+            </a:r>
+            <a:r>
+              <a:rPr lang="es-ES" sz="2000" dirty="0" err="1">
+                <a:solidFill>
+                  <a:schemeClr val="bg1"/>
+                </a:solidFill>
+              </a:rPr>
+              <a:t>commit</a:t>
+            </a:r>
+            <a:r>
+              <a:rPr lang="es-ES" sz="2000" dirty="0">
+                <a:solidFill>
+                  <a:schemeClr val="bg1"/>
+                </a:solidFill>
+              </a:rPr>
+              <a:t> id con </a:t>
+            </a:r>
+          </a:p>
+          <a:p>
+            <a:pPr marL="0" indent="0" algn="ctr">
+              <a:buNone/>
+            </a:pPr>
+            <a:r>
+              <a:rPr lang="es-ES" sz="2000" dirty="0" err="1">
+                <a:solidFill>
+                  <a:schemeClr val="accent1"/>
+                </a:solidFill>
+              </a:rPr>
+              <a:t>git</a:t>
+            </a:r>
+            <a:r>
+              <a:rPr lang="es-ES" sz="2000" dirty="0">
+                <a:solidFill>
+                  <a:schemeClr val="accent1"/>
+                </a:solidFill>
+              </a:rPr>
+              <a:t> log</a:t>
+            </a:r>
+          </a:p>
         </p:txBody>
       </p:sp>
     </p:spTree>
     <p:extLst>
       <p:ext uri="{BB962C8B-B14F-4D97-AF65-F5344CB8AC3E}">
-        <p14:creationId xmlns:p14="http://schemas.microsoft.com/office/powerpoint/2010/main" val="1284471226"/>
+        <p14:creationId xmlns:p14="http://schemas.microsoft.com/office/powerpoint/2010/main" val="1778481961"/>
       </p:ext>
     </p:extLst>
   </p:cSld>
@@ -12664,7 +11541,7 @@
 </file>
 
 <file path=ppt/slides/slide16.xml><?xml version="1.0" encoding="utf-8"?>
-<p:sld xmlns:a="http://schemas.openxmlformats.org/drawingml/2006/main" xmlns:r="http://schemas.openxmlformats.org/officeDocument/2006/relationships" xmlns:p="http://schemas.openxmlformats.org/presentationml/2006/main">
+<p:sld xmlns:a="http://schemas.openxmlformats.org/drawingml/2006/main" xmlns:r="http://schemas.openxmlformats.org/officeDocument/2006/relationships" xmlns:p="http://schemas.openxmlformats.org/presentationml/2006/main" show="0">
   <p:cSld>
     <p:spTree>
       <p:nvGrpSpPr>
@@ -12724,7 +11601,7 @@
                 </a:solidFill>
                 <a:latin typeface="+mj-lt"/>
               </a:rPr>
-              <a:t>: Clientes gráficos</a:t>
+              <a:t>: Revertir cambios</a:t>
             </a:r>
             <a:endParaRPr lang="es-ES" b="1" dirty="0">
               <a:solidFill>
@@ -13206,12 +12083,12 @@
           </a:lstStyle>
           <a:p>
             <a:r>
-              <a:rPr lang="es-ES" sz="2000" dirty="0" err="1" smtClean="0">
-                <a:solidFill>
-                  <a:schemeClr val="bg1"/>
-                </a:solidFill>
-              </a:rPr>
-              <a:t>GitX</a:t>
+              <a:rPr lang="es-ES" sz="2000" dirty="0">
+                <a:solidFill>
+                  <a:schemeClr val="bg1"/>
+                </a:solidFill>
+              </a:rPr>
+              <a:t>En caso de que hagas algo mal </a:t>
             </a:r>
             <a:r>
               <a:rPr lang="es-ES" sz="2000" dirty="0" smtClean="0">
@@ -13219,9 +12096,106 @@
                   <a:schemeClr val="bg1"/>
                 </a:solidFill>
               </a:rPr>
+              <a:t>puedes </a:t>
+            </a:r>
+            <a:r>
+              <a:rPr lang="es-ES" sz="2000" dirty="0">
+                <a:solidFill>
+                  <a:schemeClr val="bg1"/>
+                </a:solidFill>
+              </a:rPr>
+              <a:t>reemplazar cambios locales usando el </a:t>
+            </a:r>
+            <a:r>
+              <a:rPr lang="es-ES" sz="2000" dirty="0" smtClean="0">
+                <a:solidFill>
+                  <a:schemeClr val="bg1"/>
+                </a:solidFill>
+              </a:rPr>
+              <a:t>comando.</a:t>
+            </a:r>
+            <a:r>
+              <a:rPr lang="es-ES" sz="2000" dirty="0">
+                <a:solidFill>
+                  <a:schemeClr val="bg1"/>
+                </a:solidFill>
+              </a:rPr>
+              <a:t/>
+            </a:r>
+            <a:br>
+              <a:rPr lang="es-ES" sz="2000" dirty="0">
+                <a:solidFill>
+                  <a:schemeClr val="bg1"/>
+                </a:solidFill>
+              </a:rPr>
+            </a:br>
+            <a:r>
+              <a:rPr lang="es-ES" sz="2000" dirty="0" smtClean="0">
+                <a:solidFill>
+                  <a:schemeClr val="bg1"/>
+                </a:solidFill>
+              </a:rPr>
+              <a:t>		</a:t>
+            </a:r>
+            <a:r>
+              <a:rPr lang="es-ES" sz="2000" dirty="0">
+                <a:solidFill>
+                  <a:schemeClr val="bg1"/>
+                </a:solidFill>
+              </a:rPr>
+              <a:t>	</a:t>
+            </a:r>
+            <a:r>
+              <a:rPr lang="es-ES" sz="2000" dirty="0" err="1">
+                <a:solidFill>
+                  <a:schemeClr val="accent1"/>
+                </a:solidFill>
+              </a:rPr>
+              <a:t>git</a:t>
+            </a:r>
+            <a:r>
+              <a:rPr lang="es-ES" sz="2000" dirty="0">
+                <a:solidFill>
+                  <a:schemeClr val="accent1"/>
+                </a:solidFill>
+              </a:rPr>
               <a:t> </a:t>
             </a:r>
-            <a:endParaRPr lang="es-ES" sz="2000" dirty="0">
+            <a:r>
+              <a:rPr lang="es-ES" sz="2000" dirty="0" err="1">
+                <a:solidFill>
+                  <a:schemeClr val="accent1"/>
+                </a:solidFill>
+              </a:rPr>
+              <a:t>checkout</a:t>
+            </a:r>
+            <a:r>
+              <a:rPr lang="es-ES" sz="2000" dirty="0">
+                <a:solidFill>
+                  <a:schemeClr val="accent1"/>
+                </a:solidFill>
+              </a:rPr>
+              <a:t> -- &lt;</a:t>
+            </a:r>
+            <a:r>
+              <a:rPr lang="es-ES" sz="2000" dirty="0" err="1">
+                <a:solidFill>
+                  <a:schemeClr val="accent1"/>
+                </a:solidFill>
+              </a:rPr>
+              <a:t>filename</a:t>
+            </a:r>
+            <a:r>
+              <a:rPr lang="es-ES" sz="2000" dirty="0">
+                <a:solidFill>
+                  <a:schemeClr val="accent1"/>
+                </a:solidFill>
+              </a:rPr>
+              <a:t>&gt;</a:t>
+            </a:r>
+          </a:p>
+          <a:p>
+            <a:endParaRPr lang="es-ES" sz="2000" dirty="0" smtClean="0">
               <a:solidFill>
                 <a:schemeClr val="bg1"/>
               </a:solidFill>
@@ -13229,155 +12203,86 @@
           </a:p>
           <a:p>
             <a:r>
+              <a:rPr lang="es-ES" sz="2000" dirty="0">
+                <a:solidFill>
+                  <a:schemeClr val="bg1"/>
+                </a:solidFill>
+              </a:rPr>
+              <a:t>Por otro lado, si quieres deshacer todos los cambios locales y </a:t>
+            </a:r>
+            <a:r>
+              <a:rPr lang="es-ES" sz="2000" dirty="0" err="1">
+                <a:solidFill>
+                  <a:schemeClr val="bg1"/>
+                </a:solidFill>
+              </a:rPr>
+              <a:t>commits</a:t>
+            </a:r>
+            <a:r>
+              <a:rPr lang="es-ES" sz="2000" dirty="0">
+                <a:solidFill>
+                  <a:schemeClr val="bg1"/>
+                </a:solidFill>
+              </a:rPr>
+              <a:t>, puedes traer la última versión del servidor y apuntar a tu copia local principal de esta </a:t>
+            </a:r>
+            <a:r>
               <a:rPr lang="es-ES" sz="2000" dirty="0" smtClean="0">
                 <a:solidFill>
                   <a:schemeClr val="bg1"/>
                 </a:solidFill>
               </a:rPr>
-              <a:t>Tower </a:t>
-            </a:r>
-          </a:p>
-          <a:p>
-            <a:r>
-              <a:rPr lang="es-ES" sz="2000" dirty="0" err="1" smtClean="0">
-                <a:solidFill>
-                  <a:schemeClr val="bg1"/>
-                </a:solidFill>
-              </a:rPr>
-              <a:t>Tortoise</a:t>
-            </a:r>
-            <a:r>
-              <a:rPr lang="es-ES" sz="2000" dirty="0" smtClean="0">
-                <a:solidFill>
-                  <a:schemeClr val="bg1"/>
-                </a:solidFill>
-              </a:rPr>
-              <a:t> </a:t>
-            </a:r>
-            <a:r>
-              <a:rPr lang="es-ES" sz="2000" dirty="0" err="1" smtClean="0">
-                <a:solidFill>
-                  <a:schemeClr val="bg1"/>
-                </a:solidFill>
-              </a:rPr>
-              <a:t>Git</a:t>
-            </a:r>
-            <a:r>
-              <a:rPr lang="es-ES" sz="2000" dirty="0" smtClean="0">
-                <a:solidFill>
-                  <a:schemeClr val="bg1"/>
-                </a:solidFill>
-              </a:rPr>
-              <a:t> </a:t>
-            </a:r>
-            <a:endParaRPr lang="es-ES" sz="2000" dirty="0">
+              <a:t>forma: </a:t>
+            </a:r>
+            <a:endParaRPr lang="es-ES" sz="1600" dirty="0" smtClean="0">
               <a:solidFill>
                 <a:schemeClr val="bg1"/>
               </a:solidFill>
             </a:endParaRPr>
           </a:p>
           <a:p>
-            <a:r>
-              <a:rPr lang="es-ES" sz="2000" dirty="0" err="1">
-                <a:solidFill>
-                  <a:schemeClr val="bg1"/>
-                </a:solidFill>
-              </a:rPr>
-              <a:t>Source</a:t>
-            </a:r>
-            <a:r>
-              <a:rPr lang="es-ES" sz="2000" dirty="0">
-                <a:solidFill>
-                  <a:schemeClr val="bg1"/>
+            <a:pPr marL="0" indent="0" algn="ctr">
+              <a:buNone/>
+            </a:pPr>
+            <a:r>
+              <a:rPr lang="es-ES" sz="2000" dirty="0" err="1" smtClean="0">
+                <a:solidFill>
+                  <a:schemeClr val="accent1"/>
+                </a:solidFill>
+              </a:rPr>
+              <a:t>git</a:t>
+            </a:r>
+            <a:r>
+              <a:rPr lang="es-ES" sz="2000" dirty="0" smtClean="0">
+                <a:solidFill>
+                  <a:schemeClr val="accent1"/>
                 </a:solidFill>
               </a:rPr>
               <a:t> </a:t>
             </a:r>
             <a:r>
-              <a:rPr lang="es-ES" sz="2000" dirty="0" err="1">
-                <a:solidFill>
-                  <a:schemeClr val="bg1"/>
-                </a:solidFill>
-              </a:rPr>
-              <a:t>Tree</a:t>
-            </a:r>
-            <a:r>
-              <a:rPr lang="es-ES" sz="2000" dirty="0">
-                <a:solidFill>
-                  <a:schemeClr val="bg1"/>
+              <a:rPr lang="es-ES" sz="2000" dirty="0" err="1" smtClean="0">
+                <a:solidFill>
+                  <a:schemeClr val="accent1"/>
+                </a:solidFill>
+              </a:rPr>
+              <a:t>fetch</a:t>
+            </a:r>
+            <a:r>
+              <a:rPr lang="es-ES" sz="2000" dirty="0" smtClean="0">
+                <a:solidFill>
+                  <a:schemeClr val="accent1"/>
                 </a:solidFill>
               </a:rPr>
               <a:t> </a:t>
             </a:r>
-            <a:endParaRPr lang="es-ES" sz="2000" dirty="0">
-              <a:solidFill>
-                <a:schemeClr val="bg1"/>
-              </a:solidFill>
-            </a:endParaRPr>
-          </a:p>
-          <a:p>
             <a:r>
               <a:rPr lang="es-ES" sz="2000" dirty="0" err="1" smtClean="0">
                 <a:solidFill>
-                  <a:schemeClr val="bg1"/>
-                </a:solidFill>
-              </a:rPr>
-              <a:t>GitHub</a:t>
-            </a:r>
-            <a:r>
-              <a:rPr lang="es-ES" sz="2000" dirty="0" smtClean="0">
-                <a:solidFill>
-                  <a:schemeClr val="bg1"/>
-                </a:solidFill>
-              </a:rPr>
-              <a:t> </a:t>
-            </a:r>
-            <a:r>
-              <a:rPr lang="es-ES" sz="2000" dirty="0" err="1">
-                <a:solidFill>
-                  <a:schemeClr val="bg1"/>
-                </a:solidFill>
-              </a:rPr>
-              <a:t>for</a:t>
-            </a:r>
-            <a:r>
-              <a:rPr lang="es-ES" sz="2000" dirty="0">
-                <a:solidFill>
-                  <a:schemeClr val="bg1"/>
-                </a:solidFill>
-              </a:rPr>
-              <a:t> </a:t>
-            </a:r>
-            <a:r>
-              <a:rPr lang="es-ES" sz="2000" dirty="0" smtClean="0">
-                <a:solidFill>
-                  <a:schemeClr val="bg1"/>
-                </a:solidFill>
-              </a:rPr>
-              <a:t>Mac</a:t>
-            </a:r>
-            <a:endParaRPr lang="es-ES" sz="2000" dirty="0">
-              <a:solidFill>
-                <a:schemeClr val="bg1"/>
-              </a:solidFill>
-            </a:endParaRPr>
-          </a:p>
-          <a:p>
-            <a:r>
-              <a:rPr lang="es-ES" sz="2000" dirty="0" err="1">
-                <a:solidFill>
-                  <a:schemeClr val="bg1"/>
-                </a:solidFill>
-              </a:rPr>
-              <a:t>GitBox</a:t>
-            </a:r>
-            <a:r>
-              <a:rPr lang="es-ES" sz="2000" dirty="0">
-                <a:solidFill>
-                  <a:schemeClr val="bg1"/>
-                </a:solidFill>
-              </a:rPr>
-              <a:t> </a:t>
+                  <a:schemeClr val="accent1"/>
+                </a:solidFill>
+              </a:rPr>
+              <a:t>origin</a:t>
             </a:r>
             <a:endParaRPr lang="es-ES" sz="2000" dirty="0" smtClean="0">
               <a:solidFill>
@@ -13385,18 +12290,123 @@
               </a:solidFill>
             </a:endParaRPr>
           </a:p>
+          <a:p>
+            <a:pPr marL="0" indent="0" algn="ctr">
+              <a:buNone/>
+            </a:pPr>
+            <a:r>
+              <a:rPr lang="es-ES" sz="2000" dirty="0" err="1">
+                <a:solidFill>
+                  <a:schemeClr val="accent1"/>
+                </a:solidFill>
+              </a:rPr>
+              <a:t>ó</a:t>
+            </a:r>
+            <a:endParaRPr lang="es-ES" sz="2000" dirty="0" smtClean="0">
+              <a:solidFill>
+                <a:schemeClr val="accent1"/>
+              </a:solidFill>
+            </a:endParaRPr>
+          </a:p>
+          <a:p>
+            <a:pPr marL="0" indent="0" algn="ctr">
+              <a:buNone/>
+            </a:pPr>
+            <a:r>
+              <a:rPr lang="es-ES" sz="2000" dirty="0" err="1">
+                <a:solidFill>
+                  <a:schemeClr val="accent1"/>
+                </a:solidFill>
+              </a:rPr>
+              <a:t>git</a:t>
+            </a:r>
+            <a:r>
+              <a:rPr lang="es-ES" sz="2000" dirty="0">
+                <a:solidFill>
+                  <a:schemeClr val="accent1"/>
+                </a:solidFill>
+              </a:rPr>
+              <a:t> </a:t>
+            </a:r>
+            <a:r>
+              <a:rPr lang="es-ES" sz="2000" dirty="0" err="1">
+                <a:solidFill>
+                  <a:schemeClr val="accent1"/>
+                </a:solidFill>
+              </a:rPr>
+              <a:t>reset</a:t>
+            </a:r>
+            <a:r>
+              <a:rPr lang="es-ES" sz="2000" dirty="0">
+                <a:solidFill>
+                  <a:schemeClr val="accent1"/>
+                </a:solidFill>
+              </a:rPr>
+              <a:t> --</a:t>
+            </a:r>
+            <a:r>
+              <a:rPr lang="es-ES" sz="2000" dirty="0" err="1">
+                <a:solidFill>
+                  <a:schemeClr val="accent1"/>
+                </a:solidFill>
+              </a:rPr>
+              <a:t>hard</a:t>
+            </a:r>
+            <a:r>
+              <a:rPr lang="es-ES" sz="2000" dirty="0">
+                <a:solidFill>
+                  <a:schemeClr val="accent1"/>
+                </a:solidFill>
+              </a:rPr>
+              <a:t> </a:t>
+            </a:r>
+            <a:r>
+              <a:rPr lang="es-ES" sz="2000" dirty="0" err="1" smtClean="0">
+                <a:solidFill>
+                  <a:schemeClr val="accent1"/>
+                </a:solidFill>
+              </a:rPr>
+              <a:t>origin</a:t>
+            </a:r>
+            <a:r>
+              <a:rPr lang="es-ES" sz="2000" dirty="0" smtClean="0">
+                <a:solidFill>
+                  <a:schemeClr val="accent1"/>
+                </a:solidFill>
+              </a:rPr>
+              <a:t>/master</a:t>
+            </a:r>
+          </a:p>
+          <a:p>
+            <a:pPr marL="0" indent="0" algn="ctr">
+              <a:buNone/>
+            </a:pPr>
+            <a:endParaRPr lang="es-ES" sz="2000" dirty="0" smtClean="0">
+              <a:solidFill>
+                <a:schemeClr val="accent1"/>
+              </a:solidFill>
+            </a:endParaRPr>
+          </a:p>
         </p:txBody>
       </p:sp>
     </p:spTree>
     <p:extLst>
       <p:ext uri="{BB962C8B-B14F-4D97-AF65-F5344CB8AC3E}">
-        <p14:creationId xmlns:p14="http://schemas.microsoft.com/office/powerpoint/2010/main" val="2075839368"/>
+        <p14:creationId xmlns:p14="http://schemas.microsoft.com/office/powerpoint/2010/main" val="1284471226"/>
       </p:ext>
     </p:extLst>
   </p:cSld>
   <p:clrMapOvr>
     <a:masterClrMapping/>
   </p:clrMapOvr>
+  <mc:AlternateContent xmlns:mc="http://schemas.openxmlformats.org/markup-compatibility/2006">
+    <mc:Choice xmlns:p14="http://schemas.microsoft.com/office/powerpoint/2010/main" Requires="p14">
+      <p:transition spd="slow" p14:dur="2000"/>
+    </mc:Choice>
+    <mc:Fallback>
+      <p:transition spd="slow"/>
+    </mc:Fallback>
+  </mc:AlternateContent>
   <p:timing>
     <p:tnLst>
       <p:par>
@@ -13906,17 +12916,7 @@
                   </a:schemeClr>
                 </a:solidFill>
               </a:rPr>
-              <a:t>¿</a:t>
-            </a:r>
-            <a:r>
-              <a:rPr lang="es-ES" sz="2000" dirty="0" smtClean="0">
-                <a:solidFill>
-                  <a:schemeClr val="bg1">
-                    <a:lumMod val="95000"/>
-                  </a:schemeClr>
-                </a:solidFill>
-              </a:rPr>
-              <a:t>Qué es un Sistema de Control de Versiones (SCV)?</a:t>
+              <a:t>¿Qué es un Sistema de Control de Versiones (SCV)?</a:t>
             </a:r>
           </a:p>
           <a:p>
@@ -17766,7 +16766,7 @@
         </p:spPr>
         <p:txBody>
           <a:bodyPr>
-            <a:normAutofit fontScale="85000" lnSpcReduction="10000"/>
+            <a:normAutofit fontScale="92500" lnSpcReduction="10000"/>
           </a:bodyPr>
           <a:lstStyle/>
           <a:p>
@@ -17774,13 +16774,22 @@
               <a:buNone/>
             </a:pPr>
             <a:r>
+              <a:rPr lang="es-ES" b="1" dirty="0" err="1" smtClean="0">
+                <a:solidFill>
+                  <a:srgbClr val="00B0F0"/>
+                </a:solidFill>
+                <a:latin typeface="+mj-lt"/>
+              </a:rPr>
+              <a:t>Git</a:t>
+            </a:r>
+            <a:r>
               <a:rPr lang="es-ES" b="1" dirty="0" smtClean="0">
                 <a:solidFill>
                   <a:srgbClr val="00B0F0"/>
                 </a:solidFill>
                 <a:latin typeface="+mj-lt"/>
               </a:rPr>
-              <a:t>¿Ya está bien de tantos conceptos no?</a:t>
+              <a:t>: Clientes gráficos</a:t>
             </a:r>
             <a:endParaRPr lang="es-ES" b="1" dirty="0">
               <a:solidFill>
@@ -18102,40 +17111,346 @@
           </a:p>
         </p:txBody>
       </p:sp>
-      <p:pic>
-        <p:nvPicPr>
-          <p:cNvPr id="2" name="Imagen 1"/>
-          <p:cNvPicPr>
-            <a:picLocks noChangeAspect="1"/>
-          </p:cNvPicPr>
+      <p:sp>
+        <p:nvSpPr>
+          <p:cNvPr id="7" name="4 Marcador de contenido"/>
+          <p:cNvSpPr txBox="1">
+            <a:spLocks/>
+          </p:cNvSpPr>
           <p:nvPr/>
-        </p:nvPicPr>
-        <p:blipFill>
-          <a:blip r:embed="rId3">
-            <a:extLst>
-              <a:ext uri="{28A0092B-C50C-407E-A947-70E740481C1C}">
-                <a14:useLocalDpi xmlns:a14="http://schemas.microsoft.com/office/drawing/2010/main" val="0"/>
-              </a:ext>
-            </a:extLst>
-          </a:blip>
-          <a:stretch>
-            <a:fillRect/>
-          </a:stretch>
-        </p:blipFill>
+        </p:nvSpPr>
         <p:spPr>
           <a:xfrm>
-            <a:off x="3059832" y="1844824"/>
-            <a:ext cx="3096344" cy="3096344"/>
+            <a:off x="683568" y="1124743"/>
+            <a:ext cx="8003232" cy="5596731"/>
           </a:xfrm>
           <a:prstGeom prst="rect">
             <a:avLst/>
           </a:prstGeom>
         </p:spPr>
-      </p:pic>
+        <p:txBody>
+          <a:bodyPr numCol="1">
+            <a:noAutofit/>
+          </a:bodyPr>
+          <a:lstStyle>
+            <a:lvl1pPr marL="342900" indent="-342900" algn="l" defTabSz="914400" rtl="0" eaLnBrk="1" latinLnBrk="0" hangingPunct="1">
+              <a:spcBef>
+                <a:spcPct val="20000"/>
+              </a:spcBef>
+              <a:buFont typeface="Arial" pitchFamily="34" charset="0"/>
+              <a:buChar char="•"/>
+              <a:defRPr sz="3200" kern="1200">
+                <a:solidFill>
+                  <a:schemeClr val="tx1"/>
+                </a:solidFill>
+                <a:latin typeface="+mn-lt"/>
+                <a:ea typeface="+mn-ea"/>
+                <a:cs typeface="+mn-cs"/>
+              </a:defRPr>
+            </a:lvl1pPr>
+            <a:lvl2pPr marL="742950" indent="-285750" algn="l" defTabSz="914400" rtl="0" eaLnBrk="1" latinLnBrk="0" hangingPunct="1">
+              <a:spcBef>
+                <a:spcPct val="20000"/>
+              </a:spcBef>
+              <a:buFont typeface="Arial" pitchFamily="34" charset="0"/>
+              <a:buChar char="–"/>
+              <a:defRPr sz="2800" kern="1200">
+                <a:solidFill>
+                  <a:schemeClr val="tx1"/>
+                </a:solidFill>
+                <a:latin typeface="+mn-lt"/>
+                <a:ea typeface="+mn-ea"/>
+                <a:cs typeface="+mn-cs"/>
+              </a:defRPr>
+            </a:lvl2pPr>
+            <a:lvl3pPr marL="1143000" indent="-228600" algn="l" defTabSz="914400" rtl="0" eaLnBrk="1" latinLnBrk="0" hangingPunct="1">
+              <a:spcBef>
+                <a:spcPct val="20000"/>
+              </a:spcBef>
+              <a:buFont typeface="Arial" pitchFamily="34" charset="0"/>
+              <a:buChar char="•"/>
+              <a:defRPr sz="2400" kern="1200">
+                <a:solidFill>
+                  <a:schemeClr val="tx1"/>
+                </a:solidFill>
+                <a:latin typeface="+mn-lt"/>
+                <a:ea typeface="+mn-ea"/>
+                <a:cs typeface="+mn-cs"/>
+              </a:defRPr>
+            </a:lvl3pPr>
+            <a:lvl4pPr marL="1600200" indent="-228600" algn="l" defTabSz="914400" rtl="0" eaLnBrk="1" latinLnBrk="0" hangingPunct="1">
+              <a:spcBef>
+                <a:spcPct val="20000"/>
+              </a:spcBef>
+              <a:buFont typeface="Arial" pitchFamily="34" charset="0"/>
+              <a:buChar char="–"/>
+              <a:defRPr sz="2000" kern="1200">
+                <a:solidFill>
+                  <a:schemeClr val="tx1"/>
+                </a:solidFill>
+                <a:latin typeface="+mn-lt"/>
+                <a:ea typeface="+mn-ea"/>
+                <a:cs typeface="+mn-cs"/>
+              </a:defRPr>
+            </a:lvl4pPr>
+            <a:lvl5pPr marL="2057400" indent="-228600" algn="l" defTabSz="914400" rtl="0" eaLnBrk="1" latinLnBrk="0" hangingPunct="1">
+              <a:spcBef>
+                <a:spcPct val="20000"/>
+              </a:spcBef>
+              <a:buFont typeface="Arial" pitchFamily="34" charset="0"/>
+              <a:buChar char="»"/>
+              <a:defRPr sz="2000" kern="1200">
+                <a:solidFill>
+                  <a:schemeClr val="tx1"/>
+                </a:solidFill>
+                <a:latin typeface="+mn-lt"/>
+                <a:ea typeface="+mn-ea"/>
+                <a:cs typeface="+mn-cs"/>
+              </a:defRPr>
+            </a:lvl5pPr>
+            <a:lvl6pPr marL="2514600" indent="-228600" algn="l" defTabSz="914400" rtl="0" eaLnBrk="1" latinLnBrk="0" hangingPunct="1">
+              <a:spcBef>
+                <a:spcPct val="20000"/>
+              </a:spcBef>
+              <a:buFont typeface="Arial" pitchFamily="34" charset="0"/>
+              <a:buChar char="•"/>
+              <a:defRPr sz="2000" kern="1200">
+                <a:solidFill>
+                  <a:schemeClr val="tx1"/>
+                </a:solidFill>
+                <a:latin typeface="+mn-lt"/>
+                <a:ea typeface="+mn-ea"/>
+                <a:cs typeface="+mn-cs"/>
+              </a:defRPr>
+            </a:lvl6pPr>
+            <a:lvl7pPr marL="2971800" indent="-228600" algn="l" defTabSz="914400" rtl="0" eaLnBrk="1" latinLnBrk="0" hangingPunct="1">
+              <a:spcBef>
+                <a:spcPct val="20000"/>
+              </a:spcBef>
+              <a:buFont typeface="Arial" pitchFamily="34" charset="0"/>
+              <a:buChar char="•"/>
+              <a:defRPr sz="2000" kern="1200">
+                <a:solidFill>
+                  <a:schemeClr val="tx1"/>
+                </a:solidFill>
+                <a:latin typeface="+mn-lt"/>
+                <a:ea typeface="+mn-ea"/>
+                <a:cs typeface="+mn-cs"/>
+              </a:defRPr>
+            </a:lvl7pPr>
+            <a:lvl8pPr marL="3429000" indent="-228600" algn="l" defTabSz="914400" rtl="0" eaLnBrk="1" latinLnBrk="0" hangingPunct="1">
+              <a:spcBef>
+                <a:spcPct val="20000"/>
+              </a:spcBef>
+              <a:buFont typeface="Arial" pitchFamily="34" charset="0"/>
+              <a:buChar char="•"/>
+              <a:defRPr sz="2000" kern="1200">
+                <a:solidFill>
+                  <a:schemeClr val="tx1"/>
+                </a:solidFill>
+                <a:latin typeface="+mn-lt"/>
+                <a:ea typeface="+mn-ea"/>
+                <a:cs typeface="+mn-cs"/>
+              </a:defRPr>
+            </a:lvl8pPr>
+            <a:lvl9pPr marL="3886200" indent="-228600" algn="l" defTabSz="914400" rtl="0" eaLnBrk="1" latinLnBrk="0" hangingPunct="1">
+              <a:spcBef>
+                <a:spcPct val="20000"/>
+              </a:spcBef>
+              <a:buFont typeface="Arial" pitchFamily="34" charset="0"/>
+              <a:buChar char="•"/>
+              <a:defRPr sz="2000" kern="1200">
+                <a:solidFill>
+                  <a:schemeClr val="tx1"/>
+                </a:solidFill>
+                <a:latin typeface="+mn-lt"/>
+                <a:ea typeface="+mn-ea"/>
+                <a:cs typeface="+mn-cs"/>
+              </a:defRPr>
+            </a:lvl9pPr>
+          </a:lstStyle>
+          <a:p>
+            <a:r>
+              <a:rPr lang="es-ES" sz="2000" dirty="0" err="1" smtClean="0">
+                <a:solidFill>
+                  <a:schemeClr val="bg1"/>
+                </a:solidFill>
+              </a:rPr>
+              <a:t>GitX</a:t>
+            </a:r>
+            <a:r>
+              <a:rPr lang="es-ES" sz="2000" dirty="0" smtClean="0">
+                <a:solidFill>
+                  <a:schemeClr val="bg1"/>
+                </a:solidFill>
+              </a:rPr>
+              <a:t> </a:t>
+            </a:r>
+            <a:endParaRPr lang="es-ES" sz="2000" dirty="0">
+              <a:solidFill>
+                <a:schemeClr val="bg1"/>
+              </a:solidFill>
+            </a:endParaRPr>
+          </a:p>
+          <a:p>
+            <a:r>
+              <a:rPr lang="es-ES" sz="2000" dirty="0" smtClean="0">
+                <a:solidFill>
+                  <a:schemeClr val="bg1"/>
+                </a:solidFill>
+              </a:rPr>
+              <a:t>Tower </a:t>
+            </a:r>
+          </a:p>
+          <a:p>
+            <a:r>
+              <a:rPr lang="es-ES" sz="2000" dirty="0" err="1" smtClean="0">
+                <a:solidFill>
+                  <a:schemeClr val="bg1"/>
+                </a:solidFill>
+              </a:rPr>
+              <a:t>Tortoise</a:t>
+            </a:r>
+            <a:r>
+              <a:rPr lang="es-ES" sz="2000" dirty="0" smtClean="0">
+                <a:solidFill>
+                  <a:schemeClr val="bg1"/>
+                </a:solidFill>
+              </a:rPr>
+              <a:t> </a:t>
+            </a:r>
+            <a:r>
+              <a:rPr lang="es-ES" sz="2000" dirty="0" err="1" smtClean="0">
+                <a:solidFill>
+                  <a:schemeClr val="bg1"/>
+                </a:solidFill>
+              </a:rPr>
+              <a:t>Git</a:t>
+            </a:r>
+            <a:r>
+              <a:rPr lang="es-ES" sz="2000" dirty="0" smtClean="0">
+                <a:solidFill>
+                  <a:schemeClr val="bg1"/>
+                </a:solidFill>
+              </a:rPr>
+              <a:t> </a:t>
+            </a:r>
+            <a:endParaRPr lang="es-ES" sz="2000" dirty="0">
+              <a:solidFill>
+                <a:schemeClr val="bg1"/>
+              </a:solidFill>
+            </a:endParaRPr>
+          </a:p>
+          <a:p>
+            <a:r>
+              <a:rPr lang="es-ES" sz="2000" dirty="0" err="1">
+                <a:solidFill>
+                  <a:schemeClr val="bg1"/>
+                </a:solidFill>
+              </a:rPr>
+              <a:t>Source</a:t>
+            </a:r>
+            <a:r>
+              <a:rPr lang="es-ES" sz="2000" dirty="0">
+                <a:solidFill>
+                  <a:schemeClr val="bg1"/>
+                </a:solidFill>
+              </a:rPr>
+              <a:t> </a:t>
+            </a:r>
+            <a:r>
+              <a:rPr lang="es-ES" sz="2000" dirty="0" err="1">
+                <a:solidFill>
+                  <a:schemeClr val="bg1"/>
+                </a:solidFill>
+              </a:rPr>
+              <a:t>Tree</a:t>
+            </a:r>
+            <a:r>
+              <a:rPr lang="es-ES" sz="2000" dirty="0">
+                <a:solidFill>
+                  <a:schemeClr val="bg1"/>
+                </a:solidFill>
+              </a:rPr>
+              <a:t> </a:t>
+            </a:r>
+          </a:p>
+          <a:p>
+            <a:r>
+              <a:rPr lang="es-ES" sz="2000" dirty="0" err="1" smtClean="0">
+                <a:solidFill>
+                  <a:schemeClr val="bg1"/>
+                </a:solidFill>
+              </a:rPr>
+              <a:t>GitHub</a:t>
+            </a:r>
+            <a:r>
+              <a:rPr lang="es-ES" sz="2000" dirty="0" smtClean="0">
+                <a:solidFill>
+                  <a:schemeClr val="bg1"/>
+                </a:solidFill>
+              </a:rPr>
+              <a:t> </a:t>
+            </a:r>
+            <a:r>
+              <a:rPr lang="es-ES" sz="2000" dirty="0" err="1">
+                <a:solidFill>
+                  <a:schemeClr val="bg1"/>
+                </a:solidFill>
+              </a:rPr>
+              <a:t>for</a:t>
+            </a:r>
+            <a:r>
+              <a:rPr lang="es-ES" sz="2000" dirty="0">
+                <a:solidFill>
+                  <a:schemeClr val="bg1"/>
+                </a:solidFill>
+              </a:rPr>
+              <a:t> </a:t>
+            </a:r>
+            <a:r>
+              <a:rPr lang="es-ES" sz="2000" dirty="0" smtClean="0">
+                <a:solidFill>
+                  <a:schemeClr val="bg1"/>
+                </a:solidFill>
+              </a:rPr>
+              <a:t>Mac</a:t>
+            </a:r>
+            <a:endParaRPr lang="es-ES" sz="2000" dirty="0">
+              <a:solidFill>
+                <a:schemeClr val="bg1"/>
+              </a:solidFill>
+            </a:endParaRPr>
+          </a:p>
+          <a:p>
+            <a:r>
+              <a:rPr lang="es-ES" sz="2000" dirty="0" err="1">
+                <a:solidFill>
+                  <a:schemeClr val="bg1"/>
+                </a:solidFill>
+              </a:rPr>
+              <a:t>GitBox</a:t>
+            </a:r>
+            <a:r>
+              <a:rPr lang="es-ES" sz="2000" dirty="0">
+                <a:solidFill>
+                  <a:schemeClr val="bg1"/>
+                </a:solidFill>
+              </a:rPr>
+              <a:t> </a:t>
+            </a:r>
+            <a:endParaRPr lang="es-ES" sz="2000" dirty="0" smtClean="0">
+              <a:solidFill>
+                <a:schemeClr val="accent1"/>
+              </a:solidFill>
+            </a:endParaRPr>
+          </a:p>
+        </p:txBody>
+      </p:sp>
     </p:spTree>
     <p:extLst>
       <p:ext uri="{BB962C8B-B14F-4D97-AF65-F5344CB8AC3E}">
-        <p14:creationId xmlns:p14="http://schemas.microsoft.com/office/powerpoint/2010/main" val="1470521515"/>
+        <p14:creationId xmlns:p14="http://schemas.microsoft.com/office/powerpoint/2010/main" val="2075839368"/>
       </p:ext>
     </p:extLst>
   </p:cSld>
@@ -18182,7 +17497,7 @@
         <p:spPr>
           <a:xfrm>
             <a:off x="683568" y="476672"/>
-            <a:ext cx="5832475" cy="504205"/>
+            <a:ext cx="7560840" cy="504205"/>
           </a:xfrm>
           <a:prstGeom prst="rect">
             <a:avLst/>
@@ -18198,13 +17513,13 @@
               <a:buNone/>
             </a:pPr>
             <a:r>
-              <a:rPr lang="es-ES" b="1" dirty="0" err="1" smtClean="0">
+              <a:rPr lang="es-ES" b="1" dirty="0" smtClean="0">
                 <a:solidFill>
                   <a:srgbClr val="00B0F0"/>
                 </a:solidFill>
                 <a:latin typeface="+mj-lt"/>
               </a:rPr>
-              <a:t>Git</a:t>
+              <a:t>¿Ya está bien de tantos conceptos </a:t>
             </a:r>
             <a:r>
               <a:rPr lang="es-ES" b="1" dirty="0" smtClean="0">
@@ -18213,7 +17528,7 @@
                 </a:solidFill>
                 <a:latin typeface="+mj-lt"/>
               </a:rPr>
-              <a:t>: </a:t>
+              <a:t>teóricos no</a:t>
             </a:r>
             <a:r>
               <a:rPr lang="es-ES" b="1" dirty="0" smtClean="0">
@@ -18222,7 +17537,7 @@
                 </a:solidFill>
                 <a:latin typeface="+mj-lt"/>
               </a:rPr>
-              <a:t>Conectar con repositorios</a:t>
+              <a:t>?</a:t>
             </a:r>
             <a:endParaRPr lang="es-ES" b="1" dirty="0">
               <a:solidFill>
@@ -18544,547 +17859,40 @@
           </a:p>
         </p:txBody>
       </p:sp>
-      <p:sp>
-        <p:nvSpPr>
-          <p:cNvPr id="7" name="4 Marcador de contenido"/>
-          <p:cNvSpPr txBox="1">
-            <a:spLocks/>
-          </p:cNvSpPr>
+      <p:pic>
+        <p:nvPicPr>
+          <p:cNvPr id="2" name="Imagen 1"/>
+          <p:cNvPicPr>
+            <a:picLocks noChangeAspect="1"/>
+          </p:cNvPicPr>
           <p:nvPr/>
-        </p:nvSpPr>
+        </p:nvPicPr>
+        <p:blipFill>
+          <a:blip r:embed="rId3">
+            <a:extLst>
+              <a:ext uri="{28A0092B-C50C-407E-A947-70E740481C1C}">
+                <a14:useLocalDpi xmlns:a14="http://schemas.microsoft.com/office/drawing/2010/main" val="0"/>
+              </a:ext>
+            </a:extLst>
+          </a:blip>
+          <a:stretch>
+            <a:fillRect/>
+          </a:stretch>
+        </p:blipFill>
         <p:spPr>
           <a:xfrm>
-            <a:off x="683568" y="1124743"/>
-            <a:ext cx="8003232" cy="5596731"/>
+            <a:off x="3059832" y="1844824"/>
+            <a:ext cx="3096344" cy="3096344"/>
           </a:xfrm>
           <a:prstGeom prst="rect">
             <a:avLst/>
           </a:prstGeom>
         </p:spPr>
-        <p:txBody>
-          <a:bodyPr numCol="1">
-            <a:noAutofit/>
-          </a:bodyPr>
-          <a:lstStyle>
-            <a:lvl1pPr marL="342900" indent="-342900" algn="l" defTabSz="914400" rtl="0" eaLnBrk="1" latinLnBrk="0" hangingPunct="1">
-              <a:spcBef>
-                <a:spcPct val="20000"/>
-              </a:spcBef>
-              <a:buFont typeface="Arial" pitchFamily="34" charset="0"/>
-              <a:buChar char="•"/>
-              <a:defRPr sz="3200" kern="1200">
-                <a:solidFill>
-                  <a:schemeClr val="tx1"/>
-                </a:solidFill>
-                <a:latin typeface="+mn-lt"/>
-                <a:ea typeface="+mn-ea"/>
-                <a:cs typeface="+mn-cs"/>
-              </a:defRPr>
-            </a:lvl1pPr>
-            <a:lvl2pPr marL="742950" indent="-285750" algn="l" defTabSz="914400" rtl="0" eaLnBrk="1" latinLnBrk="0" hangingPunct="1">
-              <a:spcBef>
-                <a:spcPct val="20000"/>
-              </a:spcBef>
-              <a:buFont typeface="Arial" pitchFamily="34" charset="0"/>
-              <a:buChar char="–"/>
-              <a:defRPr sz="2800" kern="1200">
-                <a:solidFill>
-                  <a:schemeClr val="tx1"/>
-                </a:solidFill>
-                <a:latin typeface="+mn-lt"/>
-                <a:ea typeface="+mn-ea"/>
-                <a:cs typeface="+mn-cs"/>
-              </a:defRPr>
-            </a:lvl2pPr>
-            <a:lvl3pPr marL="1143000" indent="-228600" algn="l" defTabSz="914400" rtl="0" eaLnBrk="1" latinLnBrk="0" hangingPunct="1">
-              <a:spcBef>
-                <a:spcPct val="20000"/>
-              </a:spcBef>
-              <a:buFont typeface="Arial" pitchFamily="34" charset="0"/>
-              <a:buChar char="•"/>
-              <a:defRPr sz="2400" kern="1200">
-                <a:solidFill>
-                  <a:schemeClr val="tx1"/>
-                </a:solidFill>
-                <a:latin typeface="+mn-lt"/>
-                <a:ea typeface="+mn-ea"/>
-                <a:cs typeface="+mn-cs"/>
-              </a:defRPr>
-            </a:lvl3pPr>
-            <a:lvl4pPr marL="1600200" indent="-228600" algn="l" defTabSz="914400" rtl="0" eaLnBrk="1" latinLnBrk="0" hangingPunct="1">
-              <a:spcBef>
-                <a:spcPct val="20000"/>
-              </a:spcBef>
-              <a:buFont typeface="Arial" pitchFamily="34" charset="0"/>
-              <a:buChar char="–"/>
-              <a:defRPr sz="2000" kern="1200">
-                <a:solidFill>
-                  <a:schemeClr val="tx1"/>
-                </a:solidFill>
-                <a:latin typeface="+mn-lt"/>
-                <a:ea typeface="+mn-ea"/>
-                <a:cs typeface="+mn-cs"/>
-              </a:defRPr>
-            </a:lvl4pPr>
-            <a:lvl5pPr marL="2057400" indent="-228600" algn="l" defTabSz="914400" rtl="0" eaLnBrk="1" latinLnBrk="0" hangingPunct="1">
-              <a:spcBef>
-                <a:spcPct val="20000"/>
-              </a:spcBef>
-              <a:buFont typeface="Arial" pitchFamily="34" charset="0"/>
-              <a:buChar char="»"/>
-              <a:defRPr sz="2000" kern="1200">
-                <a:solidFill>
-                  <a:schemeClr val="tx1"/>
-                </a:solidFill>
-                <a:latin typeface="+mn-lt"/>
-                <a:ea typeface="+mn-ea"/>
-                <a:cs typeface="+mn-cs"/>
-              </a:defRPr>
-            </a:lvl5pPr>
-            <a:lvl6pPr marL="2514600" indent="-228600" algn="l" defTabSz="914400" rtl="0" eaLnBrk="1" latinLnBrk="0" hangingPunct="1">
-              <a:spcBef>
-                <a:spcPct val="20000"/>
-              </a:spcBef>
-              <a:buFont typeface="Arial" pitchFamily="34" charset="0"/>
-              <a:buChar char="•"/>
-              <a:defRPr sz="2000" kern="1200">
-                <a:solidFill>
-                  <a:schemeClr val="tx1"/>
-                </a:solidFill>
-                <a:latin typeface="+mn-lt"/>
-                <a:ea typeface="+mn-ea"/>
-                <a:cs typeface="+mn-cs"/>
-              </a:defRPr>
-            </a:lvl6pPr>
-            <a:lvl7pPr marL="2971800" indent="-228600" algn="l" defTabSz="914400" rtl="0" eaLnBrk="1" latinLnBrk="0" hangingPunct="1">
-              <a:spcBef>
-                <a:spcPct val="20000"/>
-              </a:spcBef>
-              <a:buFont typeface="Arial" pitchFamily="34" charset="0"/>
-              <a:buChar char="•"/>
-              <a:defRPr sz="2000" kern="1200">
-                <a:solidFill>
-                  <a:schemeClr val="tx1"/>
-                </a:solidFill>
-                <a:latin typeface="+mn-lt"/>
-                <a:ea typeface="+mn-ea"/>
-                <a:cs typeface="+mn-cs"/>
-              </a:defRPr>
-            </a:lvl7pPr>
-            <a:lvl8pPr marL="3429000" indent="-228600" algn="l" defTabSz="914400" rtl="0" eaLnBrk="1" latinLnBrk="0" hangingPunct="1">
-              <a:spcBef>
-                <a:spcPct val="20000"/>
-              </a:spcBef>
-              <a:buFont typeface="Arial" pitchFamily="34" charset="0"/>
-              <a:buChar char="•"/>
-              <a:defRPr sz="2000" kern="1200">
-                <a:solidFill>
-                  <a:schemeClr val="tx1"/>
-                </a:solidFill>
-                <a:latin typeface="+mn-lt"/>
-                <a:ea typeface="+mn-ea"/>
-                <a:cs typeface="+mn-cs"/>
-              </a:defRPr>
-            </a:lvl8pPr>
-            <a:lvl9pPr marL="3886200" indent="-228600" algn="l" defTabSz="914400" rtl="0" eaLnBrk="1" latinLnBrk="0" hangingPunct="1">
-              <a:spcBef>
-                <a:spcPct val="20000"/>
-              </a:spcBef>
-              <a:buFont typeface="Arial" pitchFamily="34" charset="0"/>
-              <a:buChar char="•"/>
-              <a:defRPr sz="2000" kern="1200">
-                <a:solidFill>
-                  <a:schemeClr val="tx1"/>
-                </a:solidFill>
-                <a:latin typeface="+mn-lt"/>
-                <a:ea typeface="+mn-ea"/>
-                <a:cs typeface="+mn-cs"/>
-              </a:defRPr>
-            </a:lvl9pPr>
-          </a:lstStyle>
-          <a:p>
-            <a:r>
-              <a:rPr lang="es-ES" sz="2000" dirty="0" smtClean="0">
-                <a:solidFill>
-                  <a:schemeClr val="bg1"/>
-                </a:solidFill>
-              </a:rPr>
-              <a:t>Crear repositorios en </a:t>
-            </a:r>
-            <a:r>
-              <a:rPr lang="es-ES" sz="2000" dirty="0" err="1" smtClean="0">
-                <a:solidFill>
-                  <a:schemeClr val="bg1"/>
-                </a:solidFill>
-              </a:rPr>
-              <a:t>github</a:t>
-            </a:r>
-            <a:r>
-              <a:rPr lang="es-ES" sz="2000" dirty="0" smtClean="0">
-                <a:solidFill>
-                  <a:schemeClr val="bg1"/>
-                </a:solidFill>
-              </a:rPr>
-              <a:t>: Entra en la cuenta de </a:t>
-            </a:r>
-            <a:r>
-              <a:rPr lang="es-ES" sz="2000" dirty="0" err="1" smtClean="0">
-                <a:solidFill>
-                  <a:schemeClr val="bg1"/>
-                </a:solidFill>
-              </a:rPr>
-              <a:t>github</a:t>
-            </a:r>
-            <a:r>
-              <a:rPr lang="es-ES" sz="2000" dirty="0" smtClean="0">
-                <a:solidFill>
-                  <a:schemeClr val="bg1"/>
-                </a:solidFill>
-              </a:rPr>
-              <a:t> y añade </a:t>
-            </a:r>
-            <a:r>
-              <a:rPr lang="es-ES" sz="2000" dirty="0" smtClean="0">
-                <a:solidFill>
-                  <a:schemeClr val="bg1"/>
-                </a:solidFill>
-              </a:rPr>
-              <a:t>repositorio.</a:t>
-            </a:r>
-          </a:p>
-          <a:p>
-            <a:pPr marL="0" indent="0">
-              <a:buNone/>
-            </a:pPr>
-            <a:endParaRPr lang="es-ES" sz="2000" dirty="0" smtClean="0">
-              <a:solidFill>
-                <a:schemeClr val="bg1"/>
-              </a:solidFill>
-            </a:endParaRPr>
-          </a:p>
-          <a:p>
-            <a:r>
-              <a:rPr lang="es-ES" sz="2000" dirty="0" smtClean="0">
-                <a:solidFill>
-                  <a:schemeClr val="bg1"/>
-                </a:solidFill>
-              </a:rPr>
-              <a:t>Crea </a:t>
-            </a:r>
-            <a:r>
-              <a:rPr lang="es-ES" sz="2000" dirty="0" smtClean="0">
-                <a:solidFill>
-                  <a:schemeClr val="bg1"/>
-                </a:solidFill>
-              </a:rPr>
-              <a:t>un proyecto en tu local y conéctalo con </a:t>
-            </a:r>
-            <a:r>
-              <a:rPr lang="es-ES" sz="2000" dirty="0" err="1" smtClean="0">
-                <a:solidFill>
-                  <a:schemeClr val="bg1"/>
-                </a:solidFill>
-              </a:rPr>
-              <a:t>git</a:t>
-            </a:r>
-            <a:r>
-              <a:rPr lang="es-ES" sz="2000" dirty="0" smtClean="0">
-                <a:solidFill>
-                  <a:schemeClr val="bg1"/>
-                </a:solidFill>
-              </a:rPr>
-              <a:t> </a:t>
-            </a:r>
-            <a:endParaRPr lang="es-ES" sz="1600" dirty="0" smtClean="0">
-              <a:solidFill>
-                <a:schemeClr val="bg1"/>
-              </a:solidFill>
-            </a:endParaRPr>
-          </a:p>
-          <a:p>
-            <a:pPr marL="1588" indent="0" algn="ctr">
-              <a:spcBef>
-                <a:spcPts val="0"/>
-              </a:spcBef>
-              <a:spcAft>
-                <a:spcPts val="600"/>
-              </a:spcAft>
-              <a:buNone/>
-            </a:pPr>
-            <a:r>
-              <a:rPr lang="es-ES" sz="2000" b="1" dirty="0" err="1" smtClean="0">
-                <a:solidFill>
-                  <a:schemeClr val="accent1"/>
-                </a:solidFill>
-              </a:rPr>
-              <a:t>git</a:t>
-            </a:r>
-            <a:r>
-              <a:rPr lang="es-ES" sz="2000" b="1" dirty="0" smtClean="0">
-                <a:solidFill>
-                  <a:schemeClr val="accent1"/>
-                </a:solidFill>
-              </a:rPr>
-              <a:t> </a:t>
-            </a:r>
-            <a:r>
-              <a:rPr lang="es-ES" sz="2000" b="1" dirty="0" err="1" smtClean="0">
-                <a:solidFill>
-                  <a:schemeClr val="accent1"/>
-                </a:solidFill>
-              </a:rPr>
-              <a:t>init</a:t>
-            </a:r>
-            <a:endParaRPr lang="es-ES" sz="2000" b="1" dirty="0" smtClean="0">
-              <a:solidFill>
-                <a:schemeClr val="accent1"/>
-              </a:solidFill>
-            </a:endParaRPr>
-          </a:p>
-          <a:p>
-            <a:pPr marL="1588" indent="0" algn="ctr">
-              <a:spcBef>
-                <a:spcPts val="0"/>
-              </a:spcBef>
-              <a:spcAft>
-                <a:spcPts val="600"/>
-              </a:spcAft>
-              <a:buNone/>
-            </a:pPr>
-            <a:endParaRPr lang="es-ES" sz="2000" b="1" dirty="0" smtClean="0">
-              <a:solidFill>
-                <a:schemeClr val="accent1"/>
-              </a:solidFill>
-            </a:endParaRPr>
-          </a:p>
-          <a:p>
-            <a:r>
-              <a:rPr lang="es-ES" sz="2000" dirty="0" smtClean="0">
-                <a:solidFill>
-                  <a:schemeClr val="bg1"/>
-                </a:solidFill>
-              </a:rPr>
-              <a:t>Conectar un proyecto local </a:t>
-            </a:r>
-            <a:r>
-              <a:rPr lang="es-ES" sz="2000" dirty="0" smtClean="0">
-                <a:solidFill>
-                  <a:schemeClr val="bg1"/>
-                </a:solidFill>
-              </a:rPr>
-              <a:t>a un repositorio </a:t>
-            </a:r>
-            <a:r>
-              <a:rPr lang="es-ES" sz="2000" dirty="0" smtClean="0">
-                <a:solidFill>
-                  <a:schemeClr val="bg1"/>
-                </a:solidFill>
-              </a:rPr>
-              <a:t>remoto </a:t>
-            </a:r>
-            <a:endParaRPr lang="es-ES" sz="2000" dirty="0" smtClean="0">
-              <a:solidFill>
-                <a:schemeClr val="bg1"/>
-              </a:solidFill>
-            </a:endParaRPr>
-          </a:p>
-          <a:p>
-            <a:pPr marL="1588" indent="0" algn="ctr">
-              <a:spcBef>
-                <a:spcPts val="0"/>
-              </a:spcBef>
-              <a:spcAft>
-                <a:spcPts val="600"/>
-              </a:spcAft>
-              <a:buNone/>
-            </a:pPr>
-            <a:r>
-              <a:rPr lang="en-US" sz="2000" b="1" dirty="0" err="1">
-                <a:solidFill>
-                  <a:schemeClr val="accent1"/>
-                </a:solidFill>
-              </a:rPr>
-              <a:t>git</a:t>
-            </a:r>
-            <a:r>
-              <a:rPr lang="en-US" sz="2000" b="1" dirty="0">
-                <a:solidFill>
-                  <a:schemeClr val="accent1"/>
-                </a:solidFill>
-              </a:rPr>
-              <a:t> remote add origin https://github.com/dmcisneros/headingToCodefest.git</a:t>
-            </a:r>
-            <a:endParaRPr lang="es-ES" sz="2800" b="1" dirty="0" smtClean="0">
-              <a:solidFill>
-                <a:schemeClr val="accent1"/>
-              </a:solidFill>
-            </a:endParaRPr>
-          </a:p>
-          <a:p>
-            <a:pPr marL="1588" indent="0" algn="ctr">
-              <a:spcBef>
-                <a:spcPts val="0"/>
-              </a:spcBef>
-              <a:spcAft>
-                <a:spcPts val="600"/>
-              </a:spcAft>
-              <a:buNone/>
-            </a:pPr>
-            <a:r>
-              <a:rPr lang="es-ES" sz="2000" b="1" dirty="0" err="1">
-                <a:solidFill>
-                  <a:schemeClr val="accent1"/>
-                </a:solidFill>
-              </a:rPr>
-              <a:t>git</a:t>
-            </a:r>
-            <a:r>
-              <a:rPr lang="es-ES" sz="2000" b="1" dirty="0">
-                <a:solidFill>
-                  <a:schemeClr val="accent1"/>
-                </a:solidFill>
-              </a:rPr>
-              <a:t> </a:t>
-            </a:r>
-            <a:r>
-              <a:rPr lang="es-ES" sz="2000" b="1" dirty="0" err="1" smtClean="0">
-                <a:solidFill>
-                  <a:schemeClr val="accent1"/>
-                </a:solidFill>
-              </a:rPr>
-              <a:t>init</a:t>
-            </a:r>
-            <a:endParaRPr lang="es-ES" sz="2000" b="1" dirty="0" smtClean="0">
-              <a:solidFill>
-                <a:schemeClr val="accent1"/>
-              </a:solidFill>
-            </a:endParaRPr>
-          </a:p>
-          <a:p>
-            <a:pPr marL="1588" indent="0" algn="ctr">
-              <a:spcBef>
-                <a:spcPts val="0"/>
-              </a:spcBef>
-              <a:spcAft>
-                <a:spcPts val="600"/>
-              </a:spcAft>
-              <a:buNone/>
-            </a:pPr>
-            <a:endParaRPr lang="es-ES" sz="2000" b="1" dirty="0">
-              <a:solidFill>
-                <a:schemeClr val="accent1"/>
-              </a:solidFill>
-            </a:endParaRPr>
-          </a:p>
-          <a:p>
-            <a:r>
-              <a:rPr lang="es-ES" sz="2000" dirty="0" smtClean="0">
-                <a:solidFill>
-                  <a:schemeClr val="bg1"/>
-                </a:solidFill>
-              </a:rPr>
-              <a:t>Clonar un </a:t>
-            </a:r>
-            <a:r>
-              <a:rPr lang="es-ES" sz="2000" dirty="0">
-                <a:solidFill>
-                  <a:schemeClr val="bg1"/>
-                </a:solidFill>
-              </a:rPr>
-              <a:t>repositorio </a:t>
-            </a:r>
-            <a:r>
-              <a:rPr lang="es-ES" sz="2000" dirty="0" smtClean="0">
-                <a:solidFill>
-                  <a:schemeClr val="bg1"/>
-                </a:solidFill>
-              </a:rPr>
-              <a:t>remoto y partir de un proyecto ya iniciado:</a:t>
-            </a:r>
-          </a:p>
-          <a:p>
-            <a:pPr marL="0" indent="0">
-              <a:buNone/>
-            </a:pPr>
-            <a:endParaRPr lang="es-ES" sz="2000" dirty="0" smtClean="0">
-              <a:solidFill>
-                <a:schemeClr val="bg1"/>
-              </a:solidFill>
-            </a:endParaRPr>
-          </a:p>
-          <a:p>
-            <a:pPr marL="1588" indent="0" algn="ctr">
-              <a:spcBef>
-                <a:spcPts val="0"/>
-              </a:spcBef>
-              <a:spcAft>
-                <a:spcPts val="600"/>
-              </a:spcAft>
-              <a:buNone/>
-            </a:pPr>
-            <a:r>
-              <a:rPr lang="es-ES" sz="2000" b="1" dirty="0" err="1">
-                <a:solidFill>
-                  <a:schemeClr val="accent1"/>
-                </a:solidFill>
-              </a:rPr>
-              <a:t>git</a:t>
-            </a:r>
-            <a:r>
-              <a:rPr lang="es-ES" sz="2000" b="1" dirty="0">
-                <a:solidFill>
-                  <a:schemeClr val="accent1"/>
-                </a:solidFill>
-              </a:rPr>
-              <a:t> </a:t>
-            </a:r>
-            <a:r>
-              <a:rPr lang="es-ES" sz="2000" b="1" dirty="0">
-                <a:solidFill>
-                  <a:schemeClr val="accent1"/>
-                </a:solidFill>
-              </a:rPr>
-              <a:t>clone https://github.com/dmcisneros/headingToCodefest.git</a:t>
-            </a:r>
-          </a:p>
-          <a:p>
-            <a:pPr marL="1588" indent="0" algn="ctr">
-              <a:spcBef>
-                <a:spcPts val="0"/>
-              </a:spcBef>
-              <a:spcAft>
-                <a:spcPts val="600"/>
-              </a:spcAft>
-              <a:buNone/>
-            </a:pPr>
-            <a:endParaRPr lang="es-ES" sz="2000" dirty="0" smtClean="0">
-              <a:solidFill>
-                <a:schemeClr val="bg1"/>
-              </a:solidFill>
-            </a:endParaRPr>
-          </a:p>
-          <a:p>
-            <a:pPr marL="1588" indent="0" algn="ctr">
-              <a:spcBef>
-                <a:spcPts val="0"/>
-              </a:spcBef>
-              <a:spcAft>
-                <a:spcPts val="600"/>
-              </a:spcAft>
-              <a:buNone/>
-            </a:pPr>
-            <a:endParaRPr lang="es-ES" sz="2000" dirty="0">
-              <a:solidFill>
-                <a:schemeClr val="bg1"/>
-              </a:solidFill>
-            </a:endParaRPr>
-          </a:p>
-        </p:txBody>
-      </p:sp>
+      </p:pic>
     </p:spTree>
     <p:extLst>
       <p:ext uri="{BB962C8B-B14F-4D97-AF65-F5344CB8AC3E}">
-        <p14:creationId xmlns:p14="http://schemas.microsoft.com/office/powerpoint/2010/main" val="2777431"/>
+        <p14:creationId xmlns:p14="http://schemas.microsoft.com/office/powerpoint/2010/main" val="1470521515"/>
       </p:ext>
     </p:extLst>
   </p:cSld>

--- a/Introducción a GitHubV2.pptx
+++ b/Introducción a GitHubV2.pptx
@@ -5,10 +5,10 @@
     <p:sldMasterId id="2147483648" r:id="rId1"/>
   </p:sldMasterIdLst>
   <p:notesMasterIdLst>
-    <p:notesMasterId r:id="rId19"/>
+    <p:notesMasterId r:id="rId20"/>
   </p:notesMasterIdLst>
   <p:handoutMasterIdLst>
-    <p:handoutMasterId r:id="rId20"/>
+    <p:handoutMasterId r:id="rId21"/>
   </p:handoutMasterIdLst>
   <p:sldIdLst>
     <p:sldId id="308" r:id="rId2"/>
@@ -28,6 +28,7 @@
     <p:sldId id="410" r:id="rId16"/>
     <p:sldId id="411" r:id="rId17"/>
     <p:sldId id="359" r:id="rId18"/>
+    <p:sldId id="414" r:id="rId19"/>
   </p:sldIdLst>
   <p:sldSz cx="9144000" cy="6858000" type="screen4x3"/>
   <p:notesSz cx="6858000" cy="9144000"/>
@@ -1265,522 +1266,6 @@
       <dsp:cNvGrpSpPr/>
     </dsp:nvGrpSpPr>
     <dsp:grpSpPr/>
-    <dsp:sp modelId="{B472F448-813F-4F02-A8C6-EEF1F96E490E}">
-      <dsp:nvSpPr>
-        <dsp:cNvPr id="0" name=""/>
-        <dsp:cNvSpPr/>
-      </dsp:nvSpPr>
-      <dsp:spPr>
-        <a:xfrm>
-          <a:off x="1531095" y="115"/>
-          <a:ext cx="957916" cy="622645"/>
-        </a:xfrm>
-        <a:prstGeom prst="roundRect">
-          <a:avLst/>
-        </a:prstGeom>
-        <a:solidFill>
-          <a:schemeClr val="accent1">
-            <a:hueOff val="0"/>
-            <a:satOff val="0"/>
-            <a:lumOff val="0"/>
-            <a:alphaOff val="0"/>
-          </a:schemeClr>
-        </a:solidFill>
-        <a:ln w="25400" cap="flat" cmpd="sng" algn="ctr">
-          <a:solidFill>
-            <a:schemeClr val="lt1">
-              <a:hueOff val="0"/>
-              <a:satOff val="0"/>
-              <a:lumOff val="0"/>
-              <a:alphaOff val="0"/>
-            </a:schemeClr>
-          </a:solidFill>
-          <a:prstDash val="solid"/>
-        </a:ln>
-        <a:effectLst/>
-      </dsp:spPr>
-      <dsp:style>
-        <a:lnRef idx="2">
-          <a:scrgbClr r="0" g="0" b="0"/>
-        </a:lnRef>
-        <a:fillRef idx="1">
-          <a:scrgbClr r="0" g="0" b="0"/>
-        </a:fillRef>
-        <a:effectRef idx="0">
-          <a:scrgbClr r="0" g="0" b="0"/>
-        </a:effectRef>
-        <a:fontRef idx="minor">
-          <a:schemeClr val="lt1"/>
-        </a:fontRef>
-      </dsp:style>
-      <dsp:txBody>
-        <a:bodyPr spcFirstLastPara="0" vert="horz" wrap="square" lIns="60960" tIns="60960" rIns="60960" bIns="60960" numCol="1" spcCol="1270" anchor="ctr" anchorCtr="0">
-          <a:noAutofit/>
-        </a:bodyPr>
-        <a:lstStyle/>
-        <a:p>
-          <a:pPr lvl="0" algn="ctr" defTabSz="711200">
-            <a:lnSpc>
-              <a:spcPct val="90000"/>
-            </a:lnSpc>
-            <a:spcBef>
-              <a:spcPct val="0"/>
-            </a:spcBef>
-            <a:spcAft>
-              <a:spcPct val="35000"/>
-            </a:spcAft>
-          </a:pPr>
-          <a:r>
-            <a:rPr lang="es-ES" sz="1600" kern="1200" dirty="0" err="1" smtClean="0"/>
-            <a:t>Update</a:t>
-          </a:r>
-          <a:endParaRPr lang="es-ES" sz="1600" kern="1200" dirty="0"/>
-        </a:p>
-      </dsp:txBody>
-      <dsp:txXfrm>
-        <a:off x="1561490" y="30510"/>
-        <a:ext cx="897126" cy="561855"/>
-      </dsp:txXfrm>
-    </dsp:sp>
-    <dsp:sp modelId="{740A21DA-A4F0-4A30-9516-48DA477965D6}">
-      <dsp:nvSpPr>
-        <dsp:cNvPr id="0" name=""/>
-        <dsp:cNvSpPr/>
-      </dsp:nvSpPr>
-      <dsp:spPr>
-        <a:xfrm>
-          <a:off x="981455" y="311437"/>
-          <a:ext cx="2057196" cy="2057196"/>
-        </a:xfrm>
-        <a:custGeom>
-          <a:avLst/>
-          <a:gdLst/>
-          <a:ahLst/>
-          <a:cxnLst/>
-          <a:rect l="0" t="0" r="0" b="0"/>
-          <a:pathLst>
-            <a:path>
-              <a:moveTo>
-                <a:pt x="1514455" y="121979"/>
-              </a:moveTo>
-              <a:arcTo wR="1028598" hR="1028598" stAng="17891212" swAng="2625610"/>
-            </a:path>
-          </a:pathLst>
-        </a:custGeom>
-        <a:noFill/>
-        <a:ln w="9525" cap="flat" cmpd="sng" algn="ctr">
-          <a:solidFill>
-            <a:schemeClr val="accent1">
-              <a:hueOff val="0"/>
-              <a:satOff val="0"/>
-              <a:lumOff val="0"/>
-              <a:alphaOff val="0"/>
-            </a:schemeClr>
-          </a:solidFill>
-          <a:prstDash val="solid"/>
-        </a:ln>
-        <a:effectLst/>
-      </dsp:spPr>
-      <dsp:style>
-        <a:lnRef idx="1">
-          <a:scrgbClr r="0" g="0" b="0"/>
-        </a:lnRef>
-        <a:fillRef idx="0">
-          <a:scrgbClr r="0" g="0" b="0"/>
-        </a:fillRef>
-        <a:effectRef idx="0">
-          <a:scrgbClr r="0" g="0" b="0"/>
-        </a:effectRef>
-        <a:fontRef idx="minor"/>
-      </dsp:style>
-    </dsp:sp>
-    <dsp:sp modelId="{84C63A9A-A468-4C0E-A1AB-5044600AA5A1}">
-      <dsp:nvSpPr>
-        <dsp:cNvPr id="0" name=""/>
-        <dsp:cNvSpPr/>
-      </dsp:nvSpPr>
-      <dsp:spPr>
-        <a:xfrm>
-          <a:off x="2559693" y="1028713"/>
-          <a:ext cx="957916" cy="622645"/>
-        </a:xfrm>
-        <a:prstGeom prst="roundRect">
-          <a:avLst/>
-        </a:prstGeom>
-        <a:solidFill>
-          <a:schemeClr val="accent1">
-            <a:hueOff val="0"/>
-            <a:satOff val="0"/>
-            <a:lumOff val="0"/>
-            <a:alphaOff val="0"/>
-          </a:schemeClr>
-        </a:solidFill>
-        <a:ln w="25400" cap="flat" cmpd="sng" algn="ctr">
-          <a:solidFill>
-            <a:schemeClr val="lt1">
-              <a:hueOff val="0"/>
-              <a:satOff val="0"/>
-              <a:lumOff val="0"/>
-              <a:alphaOff val="0"/>
-            </a:schemeClr>
-          </a:solidFill>
-          <a:prstDash val="solid"/>
-        </a:ln>
-        <a:effectLst/>
-      </dsp:spPr>
-      <dsp:style>
-        <a:lnRef idx="2">
-          <a:scrgbClr r="0" g="0" b="0"/>
-        </a:lnRef>
-        <a:fillRef idx="1">
-          <a:scrgbClr r="0" g="0" b="0"/>
-        </a:fillRef>
-        <a:effectRef idx="0">
-          <a:scrgbClr r="0" g="0" b="0"/>
-        </a:effectRef>
-        <a:fontRef idx="minor">
-          <a:schemeClr val="lt1"/>
-        </a:fontRef>
-      </dsp:style>
-      <dsp:txBody>
-        <a:bodyPr spcFirstLastPara="0" vert="horz" wrap="square" lIns="60960" tIns="60960" rIns="60960" bIns="60960" numCol="1" spcCol="1270" anchor="ctr" anchorCtr="0">
-          <a:noAutofit/>
-        </a:bodyPr>
-        <a:lstStyle/>
-        <a:p>
-          <a:pPr lvl="0" algn="ctr" defTabSz="711200">
-            <a:lnSpc>
-              <a:spcPct val="90000"/>
-            </a:lnSpc>
-            <a:spcBef>
-              <a:spcPct val="0"/>
-            </a:spcBef>
-            <a:spcAft>
-              <a:spcPct val="35000"/>
-            </a:spcAft>
-          </a:pPr>
-          <a:r>
-            <a:rPr lang="es-ES" sz="1600" kern="1200" dirty="0" err="1" smtClean="0"/>
-            <a:t>Checkout</a:t>
-          </a:r>
-          <a:endParaRPr lang="es-ES" sz="1600" kern="1200" dirty="0"/>
-        </a:p>
-      </dsp:txBody>
-      <dsp:txXfrm>
-        <a:off x="2590088" y="1059108"/>
-        <a:ext cx="897126" cy="561855"/>
-      </dsp:txXfrm>
-    </dsp:sp>
-    <dsp:sp modelId="{F5F0C82D-AFB2-48B5-86D7-5B33E8888B22}">
-      <dsp:nvSpPr>
-        <dsp:cNvPr id="0" name=""/>
-        <dsp:cNvSpPr/>
-      </dsp:nvSpPr>
-      <dsp:spPr>
-        <a:xfrm>
-          <a:off x="981455" y="311437"/>
-          <a:ext cx="2057196" cy="2057196"/>
-        </a:xfrm>
-        <a:custGeom>
-          <a:avLst/>
-          <a:gdLst/>
-          <a:ahLst/>
-          <a:cxnLst/>
-          <a:rect l="0" t="0" r="0" b="0"/>
-          <a:pathLst>
-            <a:path>
-              <a:moveTo>
-                <a:pt x="2006558" y="1347356"/>
-              </a:moveTo>
-              <a:arcTo wR="1028598" hR="1028598" stAng="1083178" swAng="2625610"/>
-            </a:path>
-          </a:pathLst>
-        </a:custGeom>
-        <a:noFill/>
-        <a:ln w="9525" cap="flat" cmpd="sng" algn="ctr">
-          <a:solidFill>
-            <a:schemeClr val="accent1">
-              <a:hueOff val="0"/>
-              <a:satOff val="0"/>
-              <a:lumOff val="0"/>
-              <a:alphaOff val="0"/>
-            </a:schemeClr>
-          </a:solidFill>
-          <a:prstDash val="solid"/>
-        </a:ln>
-        <a:effectLst/>
-      </dsp:spPr>
-      <dsp:style>
-        <a:lnRef idx="1">
-          <a:scrgbClr r="0" g="0" b="0"/>
-        </a:lnRef>
-        <a:fillRef idx="0">
-          <a:scrgbClr r="0" g="0" b="0"/>
-        </a:fillRef>
-        <a:effectRef idx="0">
-          <a:scrgbClr r="0" g="0" b="0"/>
-        </a:effectRef>
-        <a:fontRef idx="minor"/>
-      </dsp:style>
-    </dsp:sp>
-    <dsp:sp modelId="{B4F5A82C-937A-4644-94E5-E6E953926197}">
-      <dsp:nvSpPr>
-        <dsp:cNvPr id="0" name=""/>
-        <dsp:cNvSpPr/>
-      </dsp:nvSpPr>
-      <dsp:spPr>
-        <a:xfrm>
-          <a:off x="1531095" y="2057311"/>
-          <a:ext cx="957916" cy="622645"/>
-        </a:xfrm>
-        <a:prstGeom prst="roundRect">
-          <a:avLst/>
-        </a:prstGeom>
-        <a:solidFill>
-          <a:schemeClr val="accent1">
-            <a:hueOff val="0"/>
-            <a:satOff val="0"/>
-            <a:lumOff val="0"/>
-            <a:alphaOff val="0"/>
-          </a:schemeClr>
-        </a:solidFill>
-        <a:ln w="25400" cap="flat" cmpd="sng" algn="ctr">
-          <a:solidFill>
-            <a:schemeClr val="lt1">
-              <a:hueOff val="0"/>
-              <a:satOff val="0"/>
-              <a:lumOff val="0"/>
-              <a:alphaOff val="0"/>
-            </a:schemeClr>
-          </a:solidFill>
-          <a:prstDash val="solid"/>
-        </a:ln>
-        <a:effectLst/>
-      </dsp:spPr>
-      <dsp:style>
-        <a:lnRef idx="2">
-          <a:scrgbClr r="0" g="0" b="0"/>
-        </a:lnRef>
-        <a:fillRef idx="1">
-          <a:scrgbClr r="0" g="0" b="0"/>
-        </a:fillRef>
-        <a:effectRef idx="0">
-          <a:scrgbClr r="0" g="0" b="0"/>
-        </a:effectRef>
-        <a:fontRef idx="minor">
-          <a:schemeClr val="lt1"/>
-        </a:fontRef>
-      </dsp:style>
-      <dsp:txBody>
-        <a:bodyPr spcFirstLastPara="0" vert="horz" wrap="square" lIns="60960" tIns="60960" rIns="60960" bIns="60960" numCol="1" spcCol="1270" anchor="ctr" anchorCtr="0">
-          <a:noAutofit/>
-        </a:bodyPr>
-        <a:lstStyle/>
-        <a:p>
-          <a:pPr lvl="0" algn="ctr" defTabSz="711200">
-            <a:lnSpc>
-              <a:spcPct val="90000"/>
-            </a:lnSpc>
-            <a:spcBef>
-              <a:spcPct val="0"/>
-            </a:spcBef>
-            <a:spcAft>
-              <a:spcPct val="35000"/>
-            </a:spcAft>
-          </a:pPr>
-          <a:r>
-            <a:rPr lang="es-ES" sz="1600" kern="1200" dirty="0" err="1" smtClean="0"/>
-            <a:t>Commit</a:t>
-          </a:r>
-          <a:endParaRPr lang="es-ES" sz="1600" kern="1200" dirty="0"/>
-        </a:p>
-      </dsp:txBody>
-      <dsp:txXfrm>
-        <a:off x="1561490" y="2087706"/>
-        <a:ext cx="897126" cy="561855"/>
-      </dsp:txXfrm>
-    </dsp:sp>
-    <dsp:sp modelId="{65462DF7-4203-40A2-844F-050B6162B8D2}">
-      <dsp:nvSpPr>
-        <dsp:cNvPr id="0" name=""/>
-        <dsp:cNvSpPr/>
-      </dsp:nvSpPr>
-      <dsp:spPr>
-        <a:xfrm>
-          <a:off x="981455" y="311437"/>
-          <a:ext cx="2057196" cy="2057196"/>
-        </a:xfrm>
-        <a:custGeom>
-          <a:avLst/>
-          <a:gdLst/>
-          <a:ahLst/>
-          <a:cxnLst/>
-          <a:rect l="0" t="0" r="0" b="0"/>
-          <a:pathLst>
-            <a:path>
-              <a:moveTo>
-                <a:pt x="542741" y="1935216"/>
-              </a:moveTo>
-              <a:arcTo wR="1028598" hR="1028598" stAng="7091212" swAng="2625610"/>
-            </a:path>
-          </a:pathLst>
-        </a:custGeom>
-        <a:noFill/>
-        <a:ln w="9525" cap="flat" cmpd="sng" algn="ctr">
-          <a:solidFill>
-            <a:schemeClr val="accent1">
-              <a:hueOff val="0"/>
-              <a:satOff val="0"/>
-              <a:lumOff val="0"/>
-              <a:alphaOff val="0"/>
-            </a:schemeClr>
-          </a:solidFill>
-          <a:prstDash val="solid"/>
-        </a:ln>
-        <a:effectLst/>
-      </dsp:spPr>
-      <dsp:style>
-        <a:lnRef idx="1">
-          <a:scrgbClr r="0" g="0" b="0"/>
-        </a:lnRef>
-        <a:fillRef idx="0">
-          <a:scrgbClr r="0" g="0" b="0"/>
-        </a:fillRef>
-        <a:effectRef idx="0">
-          <a:scrgbClr r="0" g="0" b="0"/>
-        </a:effectRef>
-        <a:fontRef idx="minor"/>
-      </dsp:style>
-    </dsp:sp>
-    <dsp:sp modelId="{A55B71C0-2FA6-45A0-B0F5-C272FECD8F68}">
-      <dsp:nvSpPr>
-        <dsp:cNvPr id="0" name=""/>
-        <dsp:cNvSpPr/>
-      </dsp:nvSpPr>
-      <dsp:spPr>
-        <a:xfrm>
-          <a:off x="502497" y="1028713"/>
-          <a:ext cx="957916" cy="622645"/>
-        </a:xfrm>
-        <a:prstGeom prst="roundRect">
-          <a:avLst/>
-        </a:prstGeom>
-        <a:solidFill>
-          <a:schemeClr val="accent1">
-            <a:hueOff val="0"/>
-            <a:satOff val="0"/>
-            <a:lumOff val="0"/>
-            <a:alphaOff val="0"/>
-          </a:schemeClr>
-        </a:solidFill>
-        <a:ln w="25400" cap="flat" cmpd="sng" algn="ctr">
-          <a:solidFill>
-            <a:schemeClr val="lt1">
-              <a:hueOff val="0"/>
-              <a:satOff val="0"/>
-              <a:lumOff val="0"/>
-              <a:alphaOff val="0"/>
-            </a:schemeClr>
-          </a:solidFill>
-          <a:prstDash val="solid"/>
-        </a:ln>
-        <a:effectLst/>
-      </dsp:spPr>
-      <dsp:style>
-        <a:lnRef idx="2">
-          <a:scrgbClr r="0" g="0" b="0"/>
-        </a:lnRef>
-        <a:fillRef idx="1">
-          <a:scrgbClr r="0" g="0" b="0"/>
-        </a:fillRef>
-        <a:effectRef idx="0">
-          <a:scrgbClr r="0" g="0" b="0"/>
-        </a:effectRef>
-        <a:fontRef idx="minor">
-          <a:schemeClr val="lt1"/>
-        </a:fontRef>
-      </dsp:style>
-      <dsp:txBody>
-        <a:bodyPr spcFirstLastPara="0" vert="horz" wrap="square" lIns="60960" tIns="60960" rIns="60960" bIns="60960" numCol="1" spcCol="1270" anchor="ctr" anchorCtr="0">
-          <a:noAutofit/>
-        </a:bodyPr>
-        <a:lstStyle/>
-        <a:p>
-          <a:pPr lvl="0" algn="ctr" defTabSz="711200">
-            <a:lnSpc>
-              <a:spcPct val="90000"/>
-            </a:lnSpc>
-            <a:spcBef>
-              <a:spcPct val="0"/>
-            </a:spcBef>
-            <a:spcAft>
-              <a:spcPct val="35000"/>
-            </a:spcAft>
-          </a:pPr>
-          <a:r>
-            <a:rPr lang="es-ES" sz="1600" kern="1200" dirty="0" err="1" smtClean="0"/>
-            <a:t>Revert</a:t>
-          </a:r>
-          <a:endParaRPr lang="es-ES" sz="1600" kern="1200" dirty="0"/>
-        </a:p>
-      </dsp:txBody>
-      <dsp:txXfrm>
-        <a:off x="532892" y="1059108"/>
-        <a:ext cx="897126" cy="561855"/>
-      </dsp:txXfrm>
-    </dsp:sp>
-    <dsp:sp modelId="{E0A40D15-46F7-44DA-8FAE-91A16F213EEF}">
-      <dsp:nvSpPr>
-        <dsp:cNvPr id="0" name=""/>
-        <dsp:cNvSpPr/>
-      </dsp:nvSpPr>
-      <dsp:spPr>
-        <a:xfrm>
-          <a:off x="981455" y="311437"/>
-          <a:ext cx="2057196" cy="2057196"/>
-        </a:xfrm>
-        <a:custGeom>
-          <a:avLst/>
-          <a:gdLst/>
-          <a:ahLst/>
-          <a:cxnLst/>
-          <a:rect l="0" t="0" r="0" b="0"/>
-          <a:pathLst>
-            <a:path>
-              <a:moveTo>
-                <a:pt x="50637" y="709839"/>
-              </a:moveTo>
-              <a:arcTo wR="1028598" hR="1028598" stAng="11883178" swAng="2625610"/>
-            </a:path>
-          </a:pathLst>
-        </a:custGeom>
-        <a:noFill/>
-        <a:ln w="9525" cap="flat" cmpd="sng" algn="ctr">
-          <a:solidFill>
-            <a:schemeClr val="accent1">
-              <a:hueOff val="0"/>
-              <a:satOff val="0"/>
-              <a:lumOff val="0"/>
-              <a:alphaOff val="0"/>
-            </a:schemeClr>
-          </a:solidFill>
-          <a:prstDash val="solid"/>
-        </a:ln>
-        <a:effectLst/>
-      </dsp:spPr>
-      <dsp:style>
-        <a:lnRef idx="1">
-          <a:scrgbClr r="0" g="0" b="0"/>
-        </a:lnRef>
-        <a:fillRef idx="0">
-          <a:scrgbClr r="0" g="0" b="0"/>
-        </a:fillRef>
-        <a:effectRef idx="0">
-          <a:scrgbClr r="0" g="0" b="0"/>
-        </a:effectRef>
-        <a:fontRef idx="minor"/>
-      </dsp:style>
-    </dsp:sp>
   </dsp:spTree>
 </dsp:drawing>
 </file>
@@ -3110,7 +2595,7 @@
           <a:p>
             <a:fld id="{F9874739-E477-43E2-8B27-A4F7487B42F6}" type="datetimeFigureOut">
               <a:rPr lang="es-ES" smtClean="0"/>
-              <a:t>16/01/2017</a:t>
+              <a:t>17/01/2017</a:t>
             </a:fld>
             <a:endParaRPr lang="es-ES"/>
           </a:p>
@@ -3275,7 +2760,7 @@
           <a:p>
             <a:fld id="{2CB02398-51E1-4667-A0F7-E97AD1F32962}" type="datetimeFigureOut">
               <a:rPr lang="es-ES" smtClean="0"/>
-              <a:t>16/01/2017</a:t>
+              <a:t>17/01/2017</a:t>
             </a:fld>
             <a:endParaRPr lang="es-ES"/>
           </a:p>
@@ -4369,6 +3854,90 @@
     <p:extLst>
       <p:ext uri="{BB962C8B-B14F-4D97-AF65-F5344CB8AC3E}">
         <p14:creationId xmlns:p14="http://schemas.microsoft.com/office/powerpoint/2010/main" val="43273982"/>
+      </p:ext>
+    </p:extLst>
+  </p:cSld>
+  <p:clrMapOvr>
+    <a:masterClrMapping/>
+  </p:clrMapOvr>
+</p:notes>
+</file>
+
+<file path=ppt/notesSlides/notesSlide18.xml><?xml version="1.0" encoding="utf-8"?>
+<p:notes xmlns:a="http://schemas.openxmlformats.org/drawingml/2006/main" xmlns:r="http://schemas.openxmlformats.org/officeDocument/2006/relationships" xmlns:p="http://schemas.openxmlformats.org/presentationml/2006/main">
+  <p:cSld>
+    <p:spTree>
+      <p:nvGrpSpPr>
+        <p:cNvPr id="1" name=""/>
+        <p:cNvGrpSpPr/>
+        <p:nvPr/>
+      </p:nvGrpSpPr>
+      <p:grpSpPr>
+        <a:xfrm>
+          <a:off x="0" y="0"/>
+          <a:ext cx="0" cy="0"/>
+          <a:chOff x="0" y="0"/>
+          <a:chExt cx="0" cy="0"/>
+        </a:xfrm>
+      </p:grpSpPr>
+      <p:sp>
+        <p:nvSpPr>
+          <p:cNvPr id="2" name="1 Marcador de imagen de diapositiva"/>
+          <p:cNvSpPr>
+            <a:spLocks noGrp="1" noRot="1" noChangeAspect="1"/>
+          </p:cNvSpPr>
+          <p:nvPr>
+            <p:ph type="sldImg"/>
+          </p:nvPr>
+        </p:nvSpPr>
+        <p:spPr/>
+      </p:sp>
+      <p:sp>
+        <p:nvSpPr>
+          <p:cNvPr id="3" name="2 Marcador de notas"/>
+          <p:cNvSpPr>
+            <a:spLocks noGrp="1"/>
+          </p:cNvSpPr>
+          <p:nvPr>
+            <p:ph type="body" idx="1"/>
+          </p:nvPr>
+        </p:nvSpPr>
+        <p:spPr/>
+        <p:txBody>
+          <a:bodyPr/>
+          <a:lstStyle/>
+          <a:p>
+            <a:endParaRPr lang="es-ES" dirty="0"/>
+          </a:p>
+        </p:txBody>
+      </p:sp>
+      <p:sp>
+        <p:nvSpPr>
+          <p:cNvPr id="4" name="3 Marcador de número de diapositiva"/>
+          <p:cNvSpPr>
+            <a:spLocks noGrp="1"/>
+          </p:cNvSpPr>
+          <p:nvPr>
+            <p:ph type="sldNum" sz="quarter" idx="10"/>
+          </p:nvPr>
+        </p:nvSpPr>
+        <p:spPr/>
+        <p:txBody>
+          <a:bodyPr/>
+          <a:lstStyle/>
+          <a:p>
+            <a:fld id="{F9470AB5-00EE-4A5C-AE4E-71B8EEE1046C}" type="slidenum">
+              <a:rPr lang="es-ES" smtClean="0"/>
+              <a:t>18</a:t>
+            </a:fld>
+            <a:endParaRPr lang="es-ES"/>
+          </a:p>
+        </p:txBody>
+      </p:sp>
+    </p:spTree>
+    <p:extLst>
+      <p:ext uri="{BB962C8B-B14F-4D97-AF65-F5344CB8AC3E}">
+        <p14:creationId xmlns:p14="http://schemas.microsoft.com/office/powerpoint/2010/main" val="2572463559"/>
       </p:ext>
     </p:extLst>
   </p:cSld>
@@ -12399,11 +11968,11 @@
   <p:clrMapOvr>
     <a:masterClrMapping/>
   </p:clrMapOvr>
-  <mc:AlternateContent xmlns:mc="http://schemas.openxmlformats.org/markup-compatibility/2006">
-    <mc:Choice xmlns:p14="http://schemas.microsoft.com/office/powerpoint/2010/main" Requires="p14">
+  <mc:AlternateContent xmlns:mc="http://schemas.openxmlformats.org/markup-compatibility/2006" xmlns:p14="http://schemas.microsoft.com/office/powerpoint/2010/main">
+    <mc:Choice Requires="p14">
       <p:transition spd="slow" p14:dur="2000"/>
     </mc:Choice>
-    <mc:Fallback>
+    <mc:Fallback xmlns="">
       <p:transition spd="slow"/>
     </mc:Fallback>
   </mc:AlternateContent>
@@ -12418,6 +11987,103 @@
 </file>
 
 <file path=ppt/slides/slide17.xml><?xml version="1.0" encoding="utf-8"?>
+<p:sld xmlns:a="http://schemas.openxmlformats.org/drawingml/2006/main" xmlns:r="http://schemas.openxmlformats.org/officeDocument/2006/relationships" xmlns:p="http://schemas.openxmlformats.org/presentationml/2006/main">
+  <p:cSld>
+    <p:spTree>
+      <p:nvGrpSpPr>
+        <p:cNvPr id="1" name=""/>
+        <p:cNvGrpSpPr/>
+        <p:nvPr/>
+      </p:nvGrpSpPr>
+      <p:grpSpPr>
+        <a:xfrm>
+          <a:off x="0" y="0"/>
+          <a:ext cx="0" cy="0"/>
+          <a:chOff x="0" y="0"/>
+          <a:chExt cx="0" cy="0"/>
+        </a:xfrm>
+      </p:grpSpPr>
+      <p:sp>
+        <p:nvSpPr>
+          <p:cNvPr id="2" name="Rectángulo 1"/>
+          <p:cNvSpPr/>
+          <p:nvPr/>
+        </p:nvSpPr>
+        <p:spPr>
+          <a:xfrm>
+            <a:off x="107504" y="1556792"/>
+            <a:ext cx="8851956" cy="2215991"/>
+          </a:xfrm>
+          <a:prstGeom prst="rect">
+            <a:avLst/>
+          </a:prstGeom>
+        </p:spPr>
+        <p:txBody>
+          <a:bodyPr wrap="square">
+            <a:spAutoFit/>
+          </a:bodyPr>
+          <a:lstStyle/>
+          <a:p>
+            <a:pPr algn="ctr"/>
+            <a:r>
+              <a:rPr lang="es-ES" sz="6600" dirty="0" smtClean="0">
+                <a:solidFill>
+                  <a:schemeClr val="bg1"/>
+                </a:solidFill>
+              </a:rPr>
+              <a:t>¿Preguntas?</a:t>
+            </a:r>
+          </a:p>
+          <a:p>
+            <a:pPr algn="ctr"/>
+            <a:endParaRPr lang="es-ES" sz="3600" dirty="0" smtClean="0">
+              <a:solidFill>
+                <a:schemeClr val="bg1"/>
+              </a:solidFill>
+            </a:endParaRPr>
+          </a:p>
+          <a:p>
+            <a:pPr algn="ctr"/>
+            <a:r>
+              <a:rPr lang="es-ES" sz="3600" dirty="0" smtClean="0">
+                <a:solidFill>
+                  <a:schemeClr val="bg1"/>
+                </a:solidFill>
+              </a:rPr>
+              <a:t>https</a:t>
+            </a:r>
+            <a:r>
+              <a:rPr lang="es-ES" sz="3600" dirty="0">
+                <a:solidFill>
+                  <a:schemeClr val="bg1"/>
+                </a:solidFill>
+              </a:rPr>
+              <a:t>://github.com/everiscenter/github</a:t>
+            </a:r>
+          </a:p>
+        </p:txBody>
+      </p:sp>
+    </p:spTree>
+    <p:extLst>
+      <p:ext uri="{BB962C8B-B14F-4D97-AF65-F5344CB8AC3E}">
+        <p14:creationId xmlns:p14="http://schemas.microsoft.com/office/powerpoint/2010/main" val="3434853352"/>
+      </p:ext>
+    </p:extLst>
+  </p:cSld>
+  <p:clrMapOvr>
+    <a:masterClrMapping/>
+  </p:clrMapOvr>
+  <p:timing>
+    <p:tnLst>
+      <p:par>
+        <p:cTn id="1" dur="indefinite" restart="never" nodeType="tmRoot"/>
+      </p:par>
+    </p:tnLst>
+  </p:timing>
+</p:sld>
+</file>
+
+<file path=ppt/slides/slide18.xml><?xml version="1.0" encoding="utf-8"?>
 <p:sld xmlns:a="http://schemas.openxmlformats.org/drawingml/2006/main" xmlns:r="http://schemas.openxmlformats.org/officeDocument/2006/relationships" xmlns:p="http://schemas.openxmlformats.org/presentationml/2006/main">
   <p:cSld>
     <p:spTree>
@@ -12528,7 +12194,7 @@
     </p:spTree>
     <p:extLst>
       <p:ext uri="{BB962C8B-B14F-4D97-AF65-F5344CB8AC3E}">
-        <p14:creationId xmlns:p14="http://schemas.microsoft.com/office/powerpoint/2010/main" val="3434853352"/>
+        <p14:creationId xmlns:p14="http://schemas.microsoft.com/office/powerpoint/2010/main" val="2328786139"/>
       </p:ext>
     </p:extLst>
   </p:cSld>
@@ -17519,25 +17185,7 @@
                 </a:solidFill>
                 <a:latin typeface="+mj-lt"/>
               </a:rPr>
-              <a:t>¿Ya está bien de tantos conceptos </a:t>
-            </a:r>
-            <a:r>
-              <a:rPr lang="es-ES" b="1" dirty="0" smtClean="0">
-                <a:solidFill>
-                  <a:srgbClr val="00B0F0"/>
-                </a:solidFill>
-                <a:latin typeface="+mj-lt"/>
-              </a:rPr>
-              <a:t>teóricos no</a:t>
-            </a:r>
-            <a:r>
-              <a:rPr lang="es-ES" b="1" dirty="0" smtClean="0">
-                <a:solidFill>
-                  <a:srgbClr val="00B0F0"/>
-                </a:solidFill>
-                <a:latin typeface="+mj-lt"/>
-              </a:rPr>
-              <a:t>?</a:t>
+              <a:t>¿Ya está bien de tantos conceptos teóricos no?</a:t>
             </a:r>
             <a:endParaRPr lang="es-ES" b="1" dirty="0">
               <a:solidFill>
